--- a/MPG1_PPT.pptx
+++ b/MPG1_PPT.pptx
@@ -5,7 +5,7 @@
     <p:sldMasterId id="2147483673" r:id="rId1"/>
   </p:sldMasterIdLst>
   <p:notesMasterIdLst>
-    <p:notesMasterId r:id="rId10"/>
+    <p:notesMasterId r:id="rId11"/>
   </p:notesMasterIdLst>
   <p:sldIdLst>
     <p:sldId id="256" r:id="rId2"/>
@@ -16,41 +16,42 @@
     <p:sldId id="270" r:id="rId7"/>
     <p:sldId id="259" r:id="rId8"/>
     <p:sldId id="263" r:id="rId9"/>
+    <p:sldId id="298" r:id="rId10"/>
   </p:sldIdLst>
   <p:sldSz cx="9144000" cy="5143500" type="screen16x9"/>
   <p:notesSz cx="6858000" cy="9144000"/>
   <p:embeddedFontLst>
     <p:embeddedFont>
       <p:font typeface="Amasis MT Pro Black" panose="02040A04050005020304" pitchFamily="18" charset="0"/>
-      <p:bold r:id="rId11"/>
-      <p:boldItalic r:id="rId12"/>
+      <p:bold r:id="rId12"/>
+      <p:boldItalic r:id="rId13"/>
     </p:embeddedFont>
     <p:embeddedFont>
       <p:font typeface="Anaheim" panose="020B0604020202020204" charset="0"/>
-      <p:regular r:id="rId13"/>
-      <p:bold r:id="rId14"/>
+      <p:regular r:id="rId14"/>
+      <p:bold r:id="rId15"/>
     </p:embeddedFont>
     <p:embeddedFont>
       <p:font typeface="Hanken Grotesk" panose="020B0604020202020204" charset="0"/>
-      <p:regular r:id="rId15"/>
-      <p:bold r:id="rId16"/>
-      <p:italic r:id="rId17"/>
-      <p:boldItalic r:id="rId18"/>
+      <p:regular r:id="rId16"/>
+      <p:bold r:id="rId17"/>
+      <p:italic r:id="rId18"/>
+      <p:boldItalic r:id="rId19"/>
     </p:embeddedFont>
     <p:embeddedFont>
       <p:font typeface="Nunito Light" pitchFamily="2" charset="0"/>
-      <p:regular r:id="rId19"/>
-      <p:italic r:id="rId20"/>
+      <p:regular r:id="rId20"/>
+      <p:italic r:id="rId21"/>
     </p:embeddedFont>
     <p:embeddedFont>
       <p:font typeface="Raleway Black" pitchFamily="2" charset="0"/>
-      <p:bold r:id="rId21"/>
-      <p:boldItalic r:id="rId22"/>
+      <p:bold r:id="rId22"/>
+      <p:boldItalic r:id="rId23"/>
     </p:embeddedFont>
     <p:embeddedFont>
       <p:font typeface="Raleway ExtraBold" pitchFamily="2" charset="0"/>
-      <p:bold r:id="rId23"/>
-      <p:boldItalic r:id="rId24"/>
+      <p:bold r:id="rId24"/>
+      <p:boldItalic r:id="rId25"/>
     </p:embeddedFont>
   </p:embeddedFontLst>
   <p:defaultTextStyle>
@@ -1275,7 +1276,7 @@
               </a:spcAft>
               <a:buNone/>
             </a:pPr>
-            <a:endParaRPr/>
+            <a:endParaRPr dirty="0"/>
           </a:p>
         </p:txBody>
       </p:sp>
@@ -26686,6 +26687,175 @@
   <p:clrMapOvr>
     <a:masterClrMapping/>
   </p:clrMapOvr>
+  <p:timing>
+    <p:tnLst>
+      <p:par>
+        <p:cTn id="1" dur="indefinite" restart="never" nodeType="tmRoot">
+          <p:childTnLst>
+            <p:seq concurrent="1" nextAc="seek">
+              <p:cTn id="2" dur="indefinite" nodeType="mainSeq">
+                <p:childTnLst>
+                  <p:par>
+                    <p:cTn id="3" fill="hold">
+                      <p:stCondLst>
+                        <p:cond delay="indefinite"/>
+                        <p:cond evt="onBegin" delay="0">
+                          <p:tn val="2"/>
+                        </p:cond>
+                      </p:stCondLst>
+                      <p:childTnLst>
+                        <p:par>
+                          <p:cTn id="4" fill="hold">
+                            <p:stCondLst>
+                              <p:cond delay="0"/>
+                            </p:stCondLst>
+                            <p:childTnLst>
+                              <p:par>
+                                <p:cTn id="5" presetID="10" presetClass="entr" presetSubtype="0" fill="hold" grpId="0" nodeType="withEffect">
+                                  <p:stCondLst>
+                                    <p:cond delay="0"/>
+                                  </p:stCondLst>
+                                  <p:childTnLst>
+                                    <p:set>
+                                      <p:cBhvr>
+                                        <p:cTn id="6" dur="1" fill="hold">
+                                          <p:stCondLst>
+                                            <p:cond delay="0"/>
+                                          </p:stCondLst>
+                                        </p:cTn>
+                                        <p:tgtEl>
+                                          <p:spTgt spid="662"/>
+                                        </p:tgtEl>
+                                        <p:attrNameLst>
+                                          <p:attrName>style.visibility</p:attrName>
+                                        </p:attrNameLst>
+                                      </p:cBhvr>
+                                      <p:to>
+                                        <p:strVal val="visible"/>
+                                      </p:to>
+                                    </p:set>
+                                    <p:animEffect transition="in" filter="fade">
+                                      <p:cBhvr>
+                                        <p:cTn id="7" dur="750"/>
+                                        <p:tgtEl>
+                                          <p:spTgt spid="662"/>
+                                        </p:tgtEl>
+                                      </p:cBhvr>
+                                    </p:animEffect>
+                                  </p:childTnLst>
+                                </p:cTn>
+                              </p:par>
+                              <p:par>
+                                <p:cTn id="8" presetID="10" presetClass="entr" presetSubtype="0" fill="hold" grpId="0" nodeType="withEffect">
+                                  <p:stCondLst>
+                                    <p:cond delay="0"/>
+                                  </p:stCondLst>
+                                  <p:childTnLst>
+                                    <p:set>
+                                      <p:cBhvr>
+                                        <p:cTn id="9" dur="1" fill="hold">
+                                          <p:stCondLst>
+                                            <p:cond delay="0"/>
+                                          </p:stCondLst>
+                                        </p:cTn>
+                                        <p:tgtEl>
+                                          <p:spTgt spid="663">
+                                            <p:txEl>
+                                              <p:pRg st="0" end="0"/>
+                                            </p:txEl>
+                                          </p:spTgt>
+                                        </p:tgtEl>
+                                        <p:attrNameLst>
+                                          <p:attrName>style.visibility</p:attrName>
+                                        </p:attrNameLst>
+                                      </p:cBhvr>
+                                      <p:to>
+                                        <p:strVal val="visible"/>
+                                      </p:to>
+                                    </p:set>
+                                    <p:animEffect transition="in" filter="fade">
+                                      <p:cBhvr>
+                                        <p:cTn id="10" dur="750"/>
+                                        <p:tgtEl>
+                                          <p:spTgt spid="663">
+                                            <p:txEl>
+                                              <p:pRg st="0" end="0"/>
+                                            </p:txEl>
+                                          </p:spTgt>
+                                        </p:tgtEl>
+                                      </p:cBhvr>
+                                    </p:animEffect>
+                                  </p:childTnLst>
+                                </p:cTn>
+                              </p:par>
+                              <p:par>
+                                <p:cTn id="11" presetID="10" presetClass="entr" presetSubtype="0" fill="hold" grpId="0" nodeType="withEffect">
+                                  <p:stCondLst>
+                                    <p:cond delay="0"/>
+                                  </p:stCondLst>
+                                  <p:childTnLst>
+                                    <p:set>
+                                      <p:cBhvr>
+                                        <p:cTn id="12" dur="1" fill="hold">
+                                          <p:stCondLst>
+                                            <p:cond delay="0"/>
+                                          </p:stCondLst>
+                                        </p:cTn>
+                                        <p:tgtEl>
+                                          <p:spTgt spid="6"/>
+                                        </p:tgtEl>
+                                        <p:attrNameLst>
+                                          <p:attrName>style.visibility</p:attrName>
+                                        </p:attrNameLst>
+                                      </p:cBhvr>
+                                      <p:to>
+                                        <p:strVal val="visible"/>
+                                      </p:to>
+                                    </p:set>
+                                    <p:animEffect transition="in" filter="fade">
+                                      <p:cBhvr>
+                                        <p:cTn id="13" dur="750"/>
+                                        <p:tgtEl>
+                                          <p:spTgt spid="6"/>
+                                        </p:tgtEl>
+                                      </p:cBhvr>
+                                    </p:animEffect>
+                                  </p:childTnLst>
+                                </p:cTn>
+                              </p:par>
+                            </p:childTnLst>
+                          </p:cTn>
+                        </p:par>
+                      </p:childTnLst>
+                    </p:cTn>
+                  </p:par>
+                </p:childTnLst>
+              </p:cTn>
+              <p:prevCondLst>
+                <p:cond evt="onPrev" delay="0">
+                  <p:tgtEl>
+                    <p:sldTgt/>
+                  </p:tgtEl>
+                </p:cond>
+              </p:prevCondLst>
+              <p:nextCondLst>
+                <p:cond evt="onNext" delay="0">
+                  <p:tgtEl>
+                    <p:sldTgt/>
+                  </p:tgtEl>
+                </p:cond>
+              </p:nextCondLst>
+            </p:seq>
+          </p:childTnLst>
+        </p:cTn>
+      </p:par>
+    </p:tnLst>
+    <p:bldLst>
+      <p:bldP spid="662" grpId="0"/>
+      <p:bldP spid="663" grpId="0" build="p"/>
+      <p:bldP spid="6" grpId="0"/>
+    </p:bldLst>
+  </p:timing>
 </p:sld>
 </file>
 
@@ -28644,6 +28814,1002 @@
   <p:clrMapOvr>
     <a:masterClrMapping/>
   </p:clrMapOvr>
+  <p:timing>
+    <p:tnLst>
+      <p:par>
+        <p:cTn id="1" dur="indefinite" restart="never" nodeType="tmRoot">
+          <p:childTnLst>
+            <p:seq concurrent="1" nextAc="seek">
+              <p:cTn id="2" dur="indefinite" nodeType="mainSeq">
+                <p:childTnLst>
+                  <p:par>
+                    <p:cTn id="3" fill="hold">
+                      <p:stCondLst>
+                        <p:cond delay="indefinite"/>
+                        <p:cond evt="onBegin" delay="0">
+                          <p:tn val="2"/>
+                        </p:cond>
+                      </p:stCondLst>
+                      <p:childTnLst>
+                        <p:par>
+                          <p:cTn id="4" fill="hold">
+                            <p:stCondLst>
+                              <p:cond delay="0"/>
+                            </p:stCondLst>
+                            <p:childTnLst>
+                              <p:par>
+                                <p:cTn id="5" presetID="12" presetClass="entr" presetSubtype="4" fill="hold" grpId="0" nodeType="withEffect">
+                                  <p:stCondLst>
+                                    <p:cond delay="0"/>
+                                  </p:stCondLst>
+                                  <p:childTnLst>
+                                    <p:set>
+                                      <p:cBhvr>
+                                        <p:cTn id="6" dur="1" fill="hold">
+                                          <p:stCondLst>
+                                            <p:cond delay="0"/>
+                                          </p:stCondLst>
+                                        </p:cTn>
+                                        <p:tgtEl>
+                                          <p:spTgt spid="708">
+                                            <p:txEl>
+                                              <p:pRg st="0" end="0"/>
+                                            </p:txEl>
+                                          </p:spTgt>
+                                        </p:tgtEl>
+                                        <p:attrNameLst>
+                                          <p:attrName>style.visibility</p:attrName>
+                                        </p:attrNameLst>
+                                      </p:cBhvr>
+                                      <p:to>
+                                        <p:strVal val="visible"/>
+                                      </p:to>
+                                    </p:set>
+                                    <p:anim calcmode="lin" valueType="num">
+                                      <p:cBhvr additive="base">
+                                        <p:cTn id="7" dur="750"/>
+                                        <p:tgtEl>
+                                          <p:spTgt spid="708">
+                                            <p:txEl>
+                                              <p:pRg st="0" end="0"/>
+                                            </p:txEl>
+                                          </p:spTgt>
+                                        </p:tgtEl>
+                                        <p:attrNameLst>
+                                          <p:attrName>ppt_y</p:attrName>
+                                        </p:attrNameLst>
+                                      </p:cBhvr>
+                                      <p:tavLst>
+                                        <p:tav tm="0">
+                                          <p:val>
+                                            <p:strVal val="#ppt_y+#ppt_h*1.125000"/>
+                                          </p:val>
+                                        </p:tav>
+                                        <p:tav tm="100000">
+                                          <p:val>
+                                            <p:strVal val="#ppt_y"/>
+                                          </p:val>
+                                        </p:tav>
+                                      </p:tavLst>
+                                    </p:anim>
+                                    <p:animEffect transition="in" filter="wipe(up)">
+                                      <p:cBhvr>
+                                        <p:cTn id="8" dur="750"/>
+                                        <p:tgtEl>
+                                          <p:spTgt spid="708">
+                                            <p:txEl>
+                                              <p:pRg st="0" end="0"/>
+                                            </p:txEl>
+                                          </p:spTgt>
+                                        </p:tgtEl>
+                                      </p:cBhvr>
+                                    </p:animEffect>
+                                  </p:childTnLst>
+                                </p:cTn>
+                              </p:par>
+                              <p:par>
+                                <p:cTn id="9" presetID="12" presetClass="entr" presetSubtype="4" fill="hold" grpId="0" nodeType="withEffect">
+                                  <p:stCondLst>
+                                    <p:cond delay="0"/>
+                                  </p:stCondLst>
+                                  <p:childTnLst>
+                                    <p:set>
+                                      <p:cBhvr>
+                                        <p:cTn id="10" dur="1" fill="hold">
+                                          <p:stCondLst>
+                                            <p:cond delay="0"/>
+                                          </p:stCondLst>
+                                        </p:cTn>
+                                        <p:tgtEl>
+                                          <p:spTgt spid="709"/>
+                                        </p:tgtEl>
+                                        <p:attrNameLst>
+                                          <p:attrName>style.visibility</p:attrName>
+                                        </p:attrNameLst>
+                                      </p:cBhvr>
+                                      <p:to>
+                                        <p:strVal val="visible"/>
+                                      </p:to>
+                                    </p:set>
+                                    <p:anim calcmode="lin" valueType="num">
+                                      <p:cBhvr additive="base">
+                                        <p:cTn id="11" dur="750"/>
+                                        <p:tgtEl>
+                                          <p:spTgt spid="709"/>
+                                        </p:tgtEl>
+                                        <p:attrNameLst>
+                                          <p:attrName>ppt_y</p:attrName>
+                                        </p:attrNameLst>
+                                      </p:cBhvr>
+                                      <p:tavLst>
+                                        <p:tav tm="0">
+                                          <p:val>
+                                            <p:strVal val="#ppt_y+#ppt_h*1.125000"/>
+                                          </p:val>
+                                        </p:tav>
+                                        <p:tav tm="100000">
+                                          <p:val>
+                                            <p:strVal val="#ppt_y"/>
+                                          </p:val>
+                                        </p:tav>
+                                      </p:tavLst>
+                                    </p:anim>
+                                    <p:animEffect transition="in" filter="wipe(up)">
+                                      <p:cBhvr>
+                                        <p:cTn id="12" dur="750"/>
+                                        <p:tgtEl>
+                                          <p:spTgt spid="709"/>
+                                        </p:tgtEl>
+                                      </p:cBhvr>
+                                    </p:animEffect>
+                                  </p:childTnLst>
+                                </p:cTn>
+                              </p:par>
+                              <p:par>
+                                <p:cTn id="13" presetID="12" presetClass="entr" presetSubtype="4" fill="hold" grpId="0" nodeType="withEffect">
+                                  <p:stCondLst>
+                                    <p:cond delay="0"/>
+                                  </p:stCondLst>
+                                  <p:childTnLst>
+                                    <p:set>
+                                      <p:cBhvr>
+                                        <p:cTn id="14" dur="1" fill="hold">
+                                          <p:stCondLst>
+                                            <p:cond delay="0"/>
+                                          </p:stCondLst>
+                                        </p:cTn>
+                                        <p:tgtEl>
+                                          <p:spTgt spid="710"/>
+                                        </p:tgtEl>
+                                        <p:attrNameLst>
+                                          <p:attrName>style.visibility</p:attrName>
+                                        </p:attrNameLst>
+                                      </p:cBhvr>
+                                      <p:to>
+                                        <p:strVal val="visible"/>
+                                      </p:to>
+                                    </p:set>
+                                    <p:anim calcmode="lin" valueType="num">
+                                      <p:cBhvr additive="base">
+                                        <p:cTn id="15" dur="750"/>
+                                        <p:tgtEl>
+                                          <p:spTgt spid="710"/>
+                                        </p:tgtEl>
+                                        <p:attrNameLst>
+                                          <p:attrName>ppt_y</p:attrName>
+                                        </p:attrNameLst>
+                                      </p:cBhvr>
+                                      <p:tavLst>
+                                        <p:tav tm="0">
+                                          <p:val>
+                                            <p:strVal val="#ppt_y+#ppt_h*1.125000"/>
+                                          </p:val>
+                                        </p:tav>
+                                        <p:tav tm="100000">
+                                          <p:val>
+                                            <p:strVal val="#ppt_y"/>
+                                          </p:val>
+                                        </p:tav>
+                                      </p:tavLst>
+                                    </p:anim>
+                                    <p:animEffect transition="in" filter="wipe(up)">
+                                      <p:cBhvr>
+                                        <p:cTn id="16" dur="750"/>
+                                        <p:tgtEl>
+                                          <p:spTgt spid="710"/>
+                                        </p:tgtEl>
+                                      </p:cBhvr>
+                                    </p:animEffect>
+                                  </p:childTnLst>
+                                </p:cTn>
+                              </p:par>
+                              <p:par>
+                                <p:cTn id="17" presetID="12" presetClass="entr" presetSubtype="4" fill="hold" grpId="0" nodeType="withEffect">
+                                  <p:stCondLst>
+                                    <p:cond delay="0"/>
+                                  </p:stCondLst>
+                                  <p:childTnLst>
+                                    <p:set>
+                                      <p:cBhvr>
+                                        <p:cTn id="18" dur="1" fill="hold">
+                                          <p:stCondLst>
+                                            <p:cond delay="0"/>
+                                          </p:stCondLst>
+                                        </p:cTn>
+                                        <p:tgtEl>
+                                          <p:spTgt spid="711"/>
+                                        </p:tgtEl>
+                                        <p:attrNameLst>
+                                          <p:attrName>style.visibility</p:attrName>
+                                        </p:attrNameLst>
+                                      </p:cBhvr>
+                                      <p:to>
+                                        <p:strVal val="visible"/>
+                                      </p:to>
+                                    </p:set>
+                                    <p:anim calcmode="lin" valueType="num">
+                                      <p:cBhvr additive="base">
+                                        <p:cTn id="19" dur="750"/>
+                                        <p:tgtEl>
+                                          <p:spTgt spid="711"/>
+                                        </p:tgtEl>
+                                        <p:attrNameLst>
+                                          <p:attrName>ppt_y</p:attrName>
+                                        </p:attrNameLst>
+                                      </p:cBhvr>
+                                      <p:tavLst>
+                                        <p:tav tm="0">
+                                          <p:val>
+                                            <p:strVal val="#ppt_y+#ppt_h*1.125000"/>
+                                          </p:val>
+                                        </p:tav>
+                                        <p:tav tm="100000">
+                                          <p:val>
+                                            <p:strVal val="#ppt_y"/>
+                                          </p:val>
+                                        </p:tav>
+                                      </p:tavLst>
+                                    </p:anim>
+                                    <p:animEffect transition="in" filter="wipe(up)">
+                                      <p:cBhvr>
+                                        <p:cTn id="20" dur="750"/>
+                                        <p:tgtEl>
+                                          <p:spTgt spid="711"/>
+                                        </p:tgtEl>
+                                      </p:cBhvr>
+                                    </p:animEffect>
+                                  </p:childTnLst>
+                                </p:cTn>
+                              </p:par>
+                              <p:par>
+                                <p:cTn id="21" presetID="12" presetClass="entr" presetSubtype="4" fill="hold" grpId="0" nodeType="withEffect">
+                                  <p:stCondLst>
+                                    <p:cond delay="0"/>
+                                  </p:stCondLst>
+                                  <p:childTnLst>
+                                    <p:set>
+                                      <p:cBhvr>
+                                        <p:cTn id="22" dur="1" fill="hold">
+                                          <p:stCondLst>
+                                            <p:cond delay="0"/>
+                                          </p:stCondLst>
+                                        </p:cTn>
+                                        <p:tgtEl>
+                                          <p:spTgt spid="712"/>
+                                        </p:tgtEl>
+                                        <p:attrNameLst>
+                                          <p:attrName>style.visibility</p:attrName>
+                                        </p:attrNameLst>
+                                      </p:cBhvr>
+                                      <p:to>
+                                        <p:strVal val="visible"/>
+                                      </p:to>
+                                    </p:set>
+                                    <p:anim calcmode="lin" valueType="num">
+                                      <p:cBhvr additive="base">
+                                        <p:cTn id="23" dur="750"/>
+                                        <p:tgtEl>
+                                          <p:spTgt spid="712"/>
+                                        </p:tgtEl>
+                                        <p:attrNameLst>
+                                          <p:attrName>ppt_y</p:attrName>
+                                        </p:attrNameLst>
+                                      </p:cBhvr>
+                                      <p:tavLst>
+                                        <p:tav tm="0">
+                                          <p:val>
+                                            <p:strVal val="#ppt_y+#ppt_h*1.125000"/>
+                                          </p:val>
+                                        </p:tav>
+                                        <p:tav tm="100000">
+                                          <p:val>
+                                            <p:strVal val="#ppt_y"/>
+                                          </p:val>
+                                        </p:tav>
+                                      </p:tavLst>
+                                    </p:anim>
+                                    <p:animEffect transition="in" filter="wipe(up)">
+                                      <p:cBhvr>
+                                        <p:cTn id="24" dur="750"/>
+                                        <p:tgtEl>
+                                          <p:spTgt spid="712"/>
+                                        </p:tgtEl>
+                                      </p:cBhvr>
+                                    </p:animEffect>
+                                  </p:childTnLst>
+                                </p:cTn>
+                              </p:par>
+                              <p:par>
+                                <p:cTn id="25" presetID="12" presetClass="entr" presetSubtype="4" fill="hold" grpId="0" nodeType="withEffect">
+                                  <p:stCondLst>
+                                    <p:cond delay="0"/>
+                                  </p:stCondLst>
+                                  <p:childTnLst>
+                                    <p:set>
+                                      <p:cBhvr>
+                                        <p:cTn id="26" dur="1" fill="hold">
+                                          <p:stCondLst>
+                                            <p:cond delay="0"/>
+                                          </p:stCondLst>
+                                        </p:cTn>
+                                        <p:tgtEl>
+                                          <p:spTgt spid="714"/>
+                                        </p:tgtEl>
+                                        <p:attrNameLst>
+                                          <p:attrName>style.visibility</p:attrName>
+                                        </p:attrNameLst>
+                                      </p:cBhvr>
+                                      <p:to>
+                                        <p:strVal val="visible"/>
+                                      </p:to>
+                                    </p:set>
+                                    <p:anim calcmode="lin" valueType="num">
+                                      <p:cBhvr additive="base">
+                                        <p:cTn id="27" dur="750"/>
+                                        <p:tgtEl>
+                                          <p:spTgt spid="714"/>
+                                        </p:tgtEl>
+                                        <p:attrNameLst>
+                                          <p:attrName>ppt_y</p:attrName>
+                                        </p:attrNameLst>
+                                      </p:cBhvr>
+                                      <p:tavLst>
+                                        <p:tav tm="0">
+                                          <p:val>
+                                            <p:strVal val="#ppt_y+#ppt_h*1.125000"/>
+                                          </p:val>
+                                        </p:tav>
+                                        <p:tav tm="100000">
+                                          <p:val>
+                                            <p:strVal val="#ppt_y"/>
+                                          </p:val>
+                                        </p:tav>
+                                      </p:tavLst>
+                                    </p:anim>
+                                    <p:animEffect transition="in" filter="wipe(up)">
+                                      <p:cBhvr>
+                                        <p:cTn id="28" dur="750"/>
+                                        <p:tgtEl>
+                                          <p:spTgt spid="714"/>
+                                        </p:tgtEl>
+                                      </p:cBhvr>
+                                    </p:animEffect>
+                                  </p:childTnLst>
+                                </p:cTn>
+                              </p:par>
+                              <p:par>
+                                <p:cTn id="29" presetID="12" presetClass="entr" presetSubtype="4" fill="hold" grpId="0" nodeType="withEffect">
+                                  <p:stCondLst>
+                                    <p:cond delay="0"/>
+                                  </p:stCondLst>
+                                  <p:childTnLst>
+                                    <p:set>
+                                      <p:cBhvr>
+                                        <p:cTn id="30" dur="1" fill="hold">
+                                          <p:stCondLst>
+                                            <p:cond delay="0"/>
+                                          </p:stCondLst>
+                                        </p:cTn>
+                                        <p:tgtEl>
+                                          <p:spTgt spid="715"/>
+                                        </p:tgtEl>
+                                        <p:attrNameLst>
+                                          <p:attrName>style.visibility</p:attrName>
+                                        </p:attrNameLst>
+                                      </p:cBhvr>
+                                      <p:to>
+                                        <p:strVal val="visible"/>
+                                      </p:to>
+                                    </p:set>
+                                    <p:anim calcmode="lin" valueType="num">
+                                      <p:cBhvr additive="base">
+                                        <p:cTn id="31" dur="750"/>
+                                        <p:tgtEl>
+                                          <p:spTgt spid="715"/>
+                                        </p:tgtEl>
+                                        <p:attrNameLst>
+                                          <p:attrName>ppt_y</p:attrName>
+                                        </p:attrNameLst>
+                                      </p:cBhvr>
+                                      <p:tavLst>
+                                        <p:tav tm="0">
+                                          <p:val>
+                                            <p:strVal val="#ppt_y+#ppt_h*1.125000"/>
+                                          </p:val>
+                                        </p:tav>
+                                        <p:tav tm="100000">
+                                          <p:val>
+                                            <p:strVal val="#ppt_y"/>
+                                          </p:val>
+                                        </p:tav>
+                                      </p:tavLst>
+                                    </p:anim>
+                                    <p:animEffect transition="in" filter="wipe(up)">
+                                      <p:cBhvr>
+                                        <p:cTn id="32" dur="750"/>
+                                        <p:tgtEl>
+                                          <p:spTgt spid="715"/>
+                                        </p:tgtEl>
+                                      </p:cBhvr>
+                                    </p:animEffect>
+                                  </p:childTnLst>
+                                </p:cTn>
+                              </p:par>
+                              <p:par>
+                                <p:cTn id="33" presetID="12" presetClass="entr" presetSubtype="4" fill="hold" grpId="0" nodeType="withEffect">
+                                  <p:stCondLst>
+                                    <p:cond delay="0"/>
+                                  </p:stCondLst>
+                                  <p:childTnLst>
+                                    <p:set>
+                                      <p:cBhvr>
+                                        <p:cTn id="34" dur="1" fill="hold">
+                                          <p:stCondLst>
+                                            <p:cond delay="0"/>
+                                          </p:stCondLst>
+                                        </p:cTn>
+                                        <p:tgtEl>
+                                          <p:spTgt spid="716">
+                                            <p:txEl>
+                                              <p:pRg st="0" end="0"/>
+                                            </p:txEl>
+                                          </p:spTgt>
+                                        </p:tgtEl>
+                                        <p:attrNameLst>
+                                          <p:attrName>style.visibility</p:attrName>
+                                        </p:attrNameLst>
+                                      </p:cBhvr>
+                                      <p:to>
+                                        <p:strVal val="visible"/>
+                                      </p:to>
+                                    </p:set>
+                                    <p:anim calcmode="lin" valueType="num">
+                                      <p:cBhvr additive="base">
+                                        <p:cTn id="35" dur="750"/>
+                                        <p:tgtEl>
+                                          <p:spTgt spid="716">
+                                            <p:txEl>
+                                              <p:pRg st="0" end="0"/>
+                                            </p:txEl>
+                                          </p:spTgt>
+                                        </p:tgtEl>
+                                        <p:attrNameLst>
+                                          <p:attrName>ppt_y</p:attrName>
+                                        </p:attrNameLst>
+                                      </p:cBhvr>
+                                      <p:tavLst>
+                                        <p:tav tm="0">
+                                          <p:val>
+                                            <p:strVal val="#ppt_y+#ppt_h*1.125000"/>
+                                          </p:val>
+                                        </p:tav>
+                                        <p:tav tm="100000">
+                                          <p:val>
+                                            <p:strVal val="#ppt_y"/>
+                                          </p:val>
+                                        </p:tav>
+                                      </p:tavLst>
+                                    </p:anim>
+                                    <p:animEffect transition="in" filter="wipe(up)">
+                                      <p:cBhvr>
+                                        <p:cTn id="36" dur="750"/>
+                                        <p:tgtEl>
+                                          <p:spTgt spid="716">
+                                            <p:txEl>
+                                              <p:pRg st="0" end="0"/>
+                                            </p:txEl>
+                                          </p:spTgt>
+                                        </p:tgtEl>
+                                      </p:cBhvr>
+                                    </p:animEffect>
+                                  </p:childTnLst>
+                                </p:cTn>
+                              </p:par>
+                              <p:par>
+                                <p:cTn id="37" presetID="12" presetClass="entr" presetSubtype="4" fill="hold" grpId="0" nodeType="withEffect">
+                                  <p:stCondLst>
+                                    <p:cond delay="0"/>
+                                  </p:stCondLst>
+                                  <p:childTnLst>
+                                    <p:set>
+                                      <p:cBhvr>
+                                        <p:cTn id="38" dur="1" fill="hold">
+                                          <p:stCondLst>
+                                            <p:cond delay="0"/>
+                                          </p:stCondLst>
+                                        </p:cTn>
+                                        <p:tgtEl>
+                                          <p:spTgt spid="717">
+                                            <p:txEl>
+                                              <p:pRg st="0" end="0"/>
+                                            </p:txEl>
+                                          </p:spTgt>
+                                        </p:tgtEl>
+                                        <p:attrNameLst>
+                                          <p:attrName>style.visibility</p:attrName>
+                                        </p:attrNameLst>
+                                      </p:cBhvr>
+                                      <p:to>
+                                        <p:strVal val="visible"/>
+                                      </p:to>
+                                    </p:set>
+                                    <p:anim calcmode="lin" valueType="num">
+                                      <p:cBhvr additive="base">
+                                        <p:cTn id="39" dur="750"/>
+                                        <p:tgtEl>
+                                          <p:spTgt spid="717">
+                                            <p:txEl>
+                                              <p:pRg st="0" end="0"/>
+                                            </p:txEl>
+                                          </p:spTgt>
+                                        </p:tgtEl>
+                                        <p:attrNameLst>
+                                          <p:attrName>ppt_y</p:attrName>
+                                        </p:attrNameLst>
+                                      </p:cBhvr>
+                                      <p:tavLst>
+                                        <p:tav tm="0">
+                                          <p:val>
+                                            <p:strVal val="#ppt_y+#ppt_h*1.125000"/>
+                                          </p:val>
+                                        </p:tav>
+                                        <p:tav tm="100000">
+                                          <p:val>
+                                            <p:strVal val="#ppt_y"/>
+                                          </p:val>
+                                        </p:tav>
+                                      </p:tavLst>
+                                    </p:anim>
+                                    <p:animEffect transition="in" filter="wipe(up)">
+                                      <p:cBhvr>
+                                        <p:cTn id="40" dur="750"/>
+                                        <p:tgtEl>
+                                          <p:spTgt spid="717">
+                                            <p:txEl>
+                                              <p:pRg st="0" end="0"/>
+                                            </p:txEl>
+                                          </p:spTgt>
+                                        </p:tgtEl>
+                                      </p:cBhvr>
+                                    </p:animEffect>
+                                  </p:childTnLst>
+                                </p:cTn>
+                              </p:par>
+                              <p:par>
+                                <p:cTn id="41" presetID="12" presetClass="entr" presetSubtype="4" fill="hold" grpId="0" nodeType="withEffect">
+                                  <p:stCondLst>
+                                    <p:cond delay="0"/>
+                                  </p:stCondLst>
+                                  <p:childTnLst>
+                                    <p:set>
+                                      <p:cBhvr>
+                                        <p:cTn id="42" dur="1" fill="hold">
+                                          <p:stCondLst>
+                                            <p:cond delay="0"/>
+                                          </p:stCondLst>
+                                        </p:cTn>
+                                        <p:tgtEl>
+                                          <p:spTgt spid="718">
+                                            <p:txEl>
+                                              <p:pRg st="0" end="0"/>
+                                            </p:txEl>
+                                          </p:spTgt>
+                                        </p:tgtEl>
+                                        <p:attrNameLst>
+                                          <p:attrName>style.visibility</p:attrName>
+                                        </p:attrNameLst>
+                                      </p:cBhvr>
+                                      <p:to>
+                                        <p:strVal val="visible"/>
+                                      </p:to>
+                                    </p:set>
+                                    <p:anim calcmode="lin" valueType="num">
+                                      <p:cBhvr additive="base">
+                                        <p:cTn id="43" dur="750"/>
+                                        <p:tgtEl>
+                                          <p:spTgt spid="718">
+                                            <p:txEl>
+                                              <p:pRg st="0" end="0"/>
+                                            </p:txEl>
+                                          </p:spTgt>
+                                        </p:tgtEl>
+                                        <p:attrNameLst>
+                                          <p:attrName>ppt_y</p:attrName>
+                                        </p:attrNameLst>
+                                      </p:cBhvr>
+                                      <p:tavLst>
+                                        <p:tav tm="0">
+                                          <p:val>
+                                            <p:strVal val="#ppt_y+#ppt_h*1.125000"/>
+                                          </p:val>
+                                        </p:tav>
+                                        <p:tav tm="100000">
+                                          <p:val>
+                                            <p:strVal val="#ppt_y"/>
+                                          </p:val>
+                                        </p:tav>
+                                      </p:tavLst>
+                                    </p:anim>
+                                    <p:animEffect transition="in" filter="wipe(up)">
+                                      <p:cBhvr>
+                                        <p:cTn id="44" dur="750"/>
+                                        <p:tgtEl>
+                                          <p:spTgt spid="718">
+                                            <p:txEl>
+                                              <p:pRg st="0" end="0"/>
+                                            </p:txEl>
+                                          </p:spTgt>
+                                        </p:tgtEl>
+                                      </p:cBhvr>
+                                    </p:animEffect>
+                                  </p:childTnLst>
+                                </p:cTn>
+                              </p:par>
+                              <p:par>
+                                <p:cTn id="45" presetID="12" presetClass="entr" presetSubtype="4" fill="hold" grpId="0" nodeType="withEffect">
+                                  <p:stCondLst>
+                                    <p:cond delay="0"/>
+                                  </p:stCondLst>
+                                  <p:childTnLst>
+                                    <p:set>
+                                      <p:cBhvr>
+                                        <p:cTn id="46" dur="1" fill="hold">
+                                          <p:stCondLst>
+                                            <p:cond delay="0"/>
+                                          </p:stCondLst>
+                                        </p:cTn>
+                                        <p:tgtEl>
+                                          <p:spTgt spid="719">
+                                            <p:txEl>
+                                              <p:pRg st="0" end="0"/>
+                                            </p:txEl>
+                                          </p:spTgt>
+                                        </p:tgtEl>
+                                        <p:attrNameLst>
+                                          <p:attrName>style.visibility</p:attrName>
+                                        </p:attrNameLst>
+                                      </p:cBhvr>
+                                      <p:to>
+                                        <p:strVal val="visible"/>
+                                      </p:to>
+                                    </p:set>
+                                    <p:anim calcmode="lin" valueType="num">
+                                      <p:cBhvr additive="base">
+                                        <p:cTn id="47" dur="750"/>
+                                        <p:tgtEl>
+                                          <p:spTgt spid="719">
+                                            <p:txEl>
+                                              <p:pRg st="0" end="0"/>
+                                            </p:txEl>
+                                          </p:spTgt>
+                                        </p:tgtEl>
+                                        <p:attrNameLst>
+                                          <p:attrName>ppt_y</p:attrName>
+                                        </p:attrNameLst>
+                                      </p:cBhvr>
+                                      <p:tavLst>
+                                        <p:tav tm="0">
+                                          <p:val>
+                                            <p:strVal val="#ppt_y+#ppt_h*1.125000"/>
+                                          </p:val>
+                                        </p:tav>
+                                        <p:tav tm="100000">
+                                          <p:val>
+                                            <p:strVal val="#ppt_y"/>
+                                          </p:val>
+                                        </p:tav>
+                                      </p:tavLst>
+                                    </p:anim>
+                                    <p:animEffect transition="in" filter="wipe(up)">
+                                      <p:cBhvr>
+                                        <p:cTn id="48" dur="750"/>
+                                        <p:tgtEl>
+                                          <p:spTgt spid="719">
+                                            <p:txEl>
+                                              <p:pRg st="0" end="0"/>
+                                            </p:txEl>
+                                          </p:spTgt>
+                                        </p:tgtEl>
+                                      </p:cBhvr>
+                                    </p:animEffect>
+                                  </p:childTnLst>
+                                </p:cTn>
+                              </p:par>
+                              <p:par>
+                                <p:cTn id="49" presetID="12" presetClass="entr" presetSubtype="4" fill="hold" nodeType="withEffect">
+                                  <p:stCondLst>
+                                    <p:cond delay="0"/>
+                                  </p:stCondLst>
+                                  <p:childTnLst>
+                                    <p:set>
+                                      <p:cBhvr>
+                                        <p:cTn id="50" dur="1" fill="hold">
+                                          <p:stCondLst>
+                                            <p:cond delay="0"/>
+                                          </p:stCondLst>
+                                        </p:cTn>
+                                        <p:tgtEl>
+                                          <p:spTgt spid="721"/>
+                                        </p:tgtEl>
+                                        <p:attrNameLst>
+                                          <p:attrName>style.visibility</p:attrName>
+                                        </p:attrNameLst>
+                                      </p:cBhvr>
+                                      <p:to>
+                                        <p:strVal val="visible"/>
+                                      </p:to>
+                                    </p:set>
+                                    <p:anim calcmode="lin" valueType="num">
+                                      <p:cBhvr additive="base">
+                                        <p:cTn id="51" dur="750"/>
+                                        <p:tgtEl>
+                                          <p:spTgt spid="721"/>
+                                        </p:tgtEl>
+                                        <p:attrNameLst>
+                                          <p:attrName>ppt_y</p:attrName>
+                                        </p:attrNameLst>
+                                      </p:cBhvr>
+                                      <p:tavLst>
+                                        <p:tav tm="0">
+                                          <p:val>
+                                            <p:strVal val="#ppt_y+#ppt_h*1.125000"/>
+                                          </p:val>
+                                        </p:tav>
+                                        <p:tav tm="100000">
+                                          <p:val>
+                                            <p:strVal val="#ppt_y"/>
+                                          </p:val>
+                                        </p:tav>
+                                      </p:tavLst>
+                                    </p:anim>
+                                    <p:animEffect transition="in" filter="wipe(up)">
+                                      <p:cBhvr>
+                                        <p:cTn id="52" dur="750"/>
+                                        <p:tgtEl>
+                                          <p:spTgt spid="721"/>
+                                        </p:tgtEl>
+                                      </p:cBhvr>
+                                    </p:animEffect>
+                                  </p:childTnLst>
+                                </p:cTn>
+                              </p:par>
+                              <p:par>
+                                <p:cTn id="53" presetID="12" presetClass="entr" presetSubtype="4" fill="hold" grpId="0" nodeType="withEffect">
+                                  <p:stCondLst>
+                                    <p:cond delay="0"/>
+                                  </p:stCondLst>
+                                  <p:childTnLst>
+                                    <p:set>
+                                      <p:cBhvr>
+                                        <p:cTn id="54" dur="1" fill="hold">
+                                          <p:stCondLst>
+                                            <p:cond delay="0"/>
+                                          </p:stCondLst>
+                                        </p:cTn>
+                                        <p:tgtEl>
+                                          <p:spTgt spid="2"/>
+                                        </p:tgtEl>
+                                        <p:attrNameLst>
+                                          <p:attrName>style.visibility</p:attrName>
+                                        </p:attrNameLst>
+                                      </p:cBhvr>
+                                      <p:to>
+                                        <p:strVal val="visible"/>
+                                      </p:to>
+                                    </p:set>
+                                    <p:anim calcmode="lin" valueType="num">
+                                      <p:cBhvr additive="base">
+                                        <p:cTn id="55" dur="750"/>
+                                        <p:tgtEl>
+                                          <p:spTgt spid="2"/>
+                                        </p:tgtEl>
+                                        <p:attrNameLst>
+                                          <p:attrName>ppt_y</p:attrName>
+                                        </p:attrNameLst>
+                                      </p:cBhvr>
+                                      <p:tavLst>
+                                        <p:tav tm="0">
+                                          <p:val>
+                                            <p:strVal val="#ppt_y+#ppt_h*1.125000"/>
+                                          </p:val>
+                                        </p:tav>
+                                        <p:tav tm="100000">
+                                          <p:val>
+                                            <p:strVal val="#ppt_y"/>
+                                          </p:val>
+                                        </p:tav>
+                                      </p:tavLst>
+                                    </p:anim>
+                                    <p:animEffect transition="in" filter="wipe(up)">
+                                      <p:cBhvr>
+                                        <p:cTn id="56" dur="750"/>
+                                        <p:tgtEl>
+                                          <p:spTgt spid="2"/>
+                                        </p:tgtEl>
+                                      </p:cBhvr>
+                                    </p:animEffect>
+                                  </p:childTnLst>
+                                </p:cTn>
+                              </p:par>
+                              <p:par>
+                                <p:cTn id="57" presetID="12" presetClass="entr" presetSubtype="4" fill="hold" grpId="0" nodeType="withEffect">
+                                  <p:stCondLst>
+                                    <p:cond delay="0"/>
+                                  </p:stCondLst>
+                                  <p:childTnLst>
+                                    <p:set>
+                                      <p:cBhvr>
+                                        <p:cTn id="58" dur="1" fill="hold">
+                                          <p:stCondLst>
+                                            <p:cond delay="0"/>
+                                          </p:stCondLst>
+                                        </p:cTn>
+                                        <p:tgtEl>
+                                          <p:spTgt spid="3"/>
+                                        </p:tgtEl>
+                                        <p:attrNameLst>
+                                          <p:attrName>style.visibility</p:attrName>
+                                        </p:attrNameLst>
+                                      </p:cBhvr>
+                                      <p:to>
+                                        <p:strVal val="visible"/>
+                                      </p:to>
+                                    </p:set>
+                                    <p:anim calcmode="lin" valueType="num">
+                                      <p:cBhvr additive="base">
+                                        <p:cTn id="59" dur="750"/>
+                                        <p:tgtEl>
+                                          <p:spTgt spid="3"/>
+                                        </p:tgtEl>
+                                        <p:attrNameLst>
+                                          <p:attrName>ppt_y</p:attrName>
+                                        </p:attrNameLst>
+                                      </p:cBhvr>
+                                      <p:tavLst>
+                                        <p:tav tm="0">
+                                          <p:val>
+                                            <p:strVal val="#ppt_y+#ppt_h*1.125000"/>
+                                          </p:val>
+                                        </p:tav>
+                                        <p:tav tm="100000">
+                                          <p:val>
+                                            <p:strVal val="#ppt_y"/>
+                                          </p:val>
+                                        </p:tav>
+                                      </p:tavLst>
+                                    </p:anim>
+                                    <p:animEffect transition="in" filter="wipe(up)">
+                                      <p:cBhvr>
+                                        <p:cTn id="60" dur="750"/>
+                                        <p:tgtEl>
+                                          <p:spTgt spid="3"/>
+                                        </p:tgtEl>
+                                      </p:cBhvr>
+                                    </p:animEffect>
+                                  </p:childTnLst>
+                                </p:cTn>
+                              </p:par>
+                              <p:par>
+                                <p:cTn id="61" presetID="12" presetClass="entr" presetSubtype="4" fill="hold" nodeType="withEffect">
+                                  <p:stCondLst>
+                                    <p:cond delay="0"/>
+                                  </p:stCondLst>
+                                  <p:childTnLst>
+                                    <p:set>
+                                      <p:cBhvr>
+                                        <p:cTn id="62" dur="1" fill="hold">
+                                          <p:stCondLst>
+                                            <p:cond delay="0"/>
+                                          </p:stCondLst>
+                                        </p:cTn>
+                                        <p:tgtEl>
+                                          <p:spTgt spid="12"/>
+                                        </p:tgtEl>
+                                        <p:attrNameLst>
+                                          <p:attrName>style.visibility</p:attrName>
+                                        </p:attrNameLst>
+                                      </p:cBhvr>
+                                      <p:to>
+                                        <p:strVal val="visible"/>
+                                      </p:to>
+                                    </p:set>
+                                    <p:anim calcmode="lin" valueType="num">
+                                      <p:cBhvr additive="base">
+                                        <p:cTn id="63" dur="750"/>
+                                        <p:tgtEl>
+                                          <p:spTgt spid="12"/>
+                                        </p:tgtEl>
+                                        <p:attrNameLst>
+                                          <p:attrName>ppt_y</p:attrName>
+                                        </p:attrNameLst>
+                                      </p:cBhvr>
+                                      <p:tavLst>
+                                        <p:tav tm="0">
+                                          <p:val>
+                                            <p:strVal val="#ppt_y+#ppt_h*1.125000"/>
+                                          </p:val>
+                                        </p:tav>
+                                        <p:tav tm="100000">
+                                          <p:val>
+                                            <p:strVal val="#ppt_y"/>
+                                          </p:val>
+                                        </p:tav>
+                                      </p:tavLst>
+                                    </p:anim>
+                                    <p:animEffect transition="in" filter="wipe(up)">
+                                      <p:cBhvr>
+                                        <p:cTn id="64" dur="750"/>
+                                        <p:tgtEl>
+                                          <p:spTgt spid="12"/>
+                                        </p:tgtEl>
+                                      </p:cBhvr>
+                                    </p:animEffect>
+                                  </p:childTnLst>
+                                </p:cTn>
+                              </p:par>
+                            </p:childTnLst>
+                          </p:cTn>
+                        </p:par>
+                      </p:childTnLst>
+                    </p:cTn>
+                  </p:par>
+                </p:childTnLst>
+              </p:cTn>
+              <p:prevCondLst>
+                <p:cond evt="onPrev" delay="0">
+                  <p:tgtEl>
+                    <p:sldTgt/>
+                  </p:tgtEl>
+                </p:cond>
+              </p:prevCondLst>
+              <p:nextCondLst>
+                <p:cond evt="onNext" delay="0">
+                  <p:tgtEl>
+                    <p:sldTgt/>
+                  </p:tgtEl>
+                </p:cond>
+              </p:nextCondLst>
+            </p:seq>
+          </p:childTnLst>
+        </p:cTn>
+      </p:par>
+    </p:tnLst>
+    <p:bldLst>
+      <p:bldP spid="708" grpId="0" build="p"/>
+      <p:bldP spid="709" grpId="0"/>
+      <p:bldP spid="710" grpId="0" animBg="1"/>
+      <p:bldP spid="711" grpId="0" animBg="1"/>
+      <p:bldP spid="712" grpId="0" animBg="1"/>
+      <p:bldP spid="714" grpId="0" animBg="1"/>
+      <p:bldP spid="715" grpId="0" animBg="1"/>
+      <p:bldP spid="716" grpId="0" build="p"/>
+      <p:bldP spid="717" grpId="0" build="p"/>
+      <p:bldP spid="718" grpId="0" build="p"/>
+      <p:bldP spid="719" grpId="0" build="p"/>
+      <p:bldP spid="2" grpId="0" animBg="1"/>
+      <p:bldP spid="3" grpId="0"/>
+    </p:bldLst>
+  </p:timing>
 </p:sld>
 </file>
 
@@ -29624,6 +30790,139 @@
   <p:clrMapOvr>
     <a:masterClrMapping/>
   </p:clrMapOvr>
+  <p:timing>
+    <p:tnLst>
+      <p:par>
+        <p:cTn id="1" dur="indefinite" restart="never" nodeType="tmRoot">
+          <p:childTnLst>
+            <p:seq concurrent="1" nextAc="seek">
+              <p:cTn id="2" dur="indefinite" nodeType="mainSeq">
+                <p:childTnLst>
+                  <p:par>
+                    <p:cTn id="3" fill="hold">
+                      <p:stCondLst>
+                        <p:cond delay="indefinite"/>
+                        <p:cond evt="onBegin" delay="0">
+                          <p:tn val="2"/>
+                        </p:cond>
+                      </p:stCondLst>
+                      <p:childTnLst>
+                        <p:par>
+                          <p:cTn id="4" fill="hold">
+                            <p:stCondLst>
+                              <p:cond delay="0"/>
+                            </p:stCondLst>
+                            <p:childTnLst>
+                              <p:par>
+                                <p:cTn id="5" presetID="10" presetClass="entr" presetSubtype="0" fill="hold" grpId="0" nodeType="withEffect">
+                                  <p:stCondLst>
+                                    <p:cond delay="0"/>
+                                  </p:stCondLst>
+                                  <p:childTnLst>
+                                    <p:set>
+                                      <p:cBhvr>
+                                        <p:cTn id="6" dur="1" fill="hold">
+                                          <p:stCondLst>
+                                            <p:cond delay="0"/>
+                                          </p:stCondLst>
+                                        </p:cTn>
+                                        <p:tgtEl>
+                                          <p:spTgt spid="761"/>
+                                        </p:tgtEl>
+                                        <p:attrNameLst>
+                                          <p:attrName>style.visibility</p:attrName>
+                                        </p:attrNameLst>
+                                      </p:cBhvr>
+                                      <p:to>
+                                        <p:strVal val="visible"/>
+                                      </p:to>
+                                    </p:set>
+                                    <p:animEffect transition="in" filter="fade">
+                                      <p:cBhvr>
+                                        <p:cTn id="7" dur="500"/>
+                                        <p:tgtEl>
+                                          <p:spTgt spid="761"/>
+                                        </p:tgtEl>
+                                      </p:cBhvr>
+                                    </p:animEffect>
+                                  </p:childTnLst>
+                                </p:cTn>
+                              </p:par>
+                              <p:par>
+                                <p:cTn id="8" presetID="10" presetClass="entr" presetSubtype="0" fill="hold" grpId="0" nodeType="withEffect">
+                                  <p:stCondLst>
+                                    <p:cond delay="0"/>
+                                  </p:stCondLst>
+                                  <p:childTnLst>
+                                    <p:set>
+                                      <p:cBhvr>
+                                        <p:cTn id="9" dur="1" fill="hold">
+                                          <p:stCondLst>
+                                            <p:cond delay="0"/>
+                                          </p:stCondLst>
+                                        </p:cTn>
+                                        <p:tgtEl>
+                                          <p:spTgt spid="764">
+                                            <p:txEl>
+                                              <p:pRg st="0" end="0"/>
+                                            </p:txEl>
+                                          </p:spTgt>
+                                        </p:tgtEl>
+                                        <p:attrNameLst>
+                                          <p:attrName>style.visibility</p:attrName>
+                                        </p:attrNameLst>
+                                      </p:cBhvr>
+                                      <p:to>
+                                        <p:strVal val="visible"/>
+                                      </p:to>
+                                    </p:set>
+                                    <p:animEffect transition="in" filter="fade">
+                                      <p:cBhvr>
+                                        <p:cTn id="10" dur="750"/>
+                                        <p:tgtEl>
+                                          <p:spTgt spid="764">
+                                            <p:txEl>
+                                              <p:pRg st="0" end="0"/>
+                                            </p:txEl>
+                                          </p:spTgt>
+                                        </p:tgtEl>
+                                      </p:cBhvr>
+                                    </p:animEffect>
+                                  </p:childTnLst>
+                                </p:cTn>
+                              </p:par>
+                            </p:childTnLst>
+                          </p:cTn>
+                        </p:par>
+                      </p:childTnLst>
+                    </p:cTn>
+                  </p:par>
+                </p:childTnLst>
+              </p:cTn>
+              <p:prevCondLst>
+                <p:cond evt="onPrev" delay="0">
+                  <p:tgtEl>
+                    <p:sldTgt/>
+                  </p:tgtEl>
+                </p:cond>
+              </p:prevCondLst>
+              <p:nextCondLst>
+                <p:cond evt="onNext" delay="0">
+                  <p:tgtEl>
+                    <p:sldTgt/>
+                  </p:tgtEl>
+                </p:cond>
+              </p:nextCondLst>
+            </p:seq>
+          </p:childTnLst>
+        </p:cTn>
+      </p:par>
+    </p:tnLst>
+    <p:bldLst>
+      <p:bldP spid="761" grpId="0"/>
+      <p:bldP spid="764" grpId="0" build="p"/>
+    </p:bldLst>
+  </p:timing>
 </p:sld>
 </file>
 
@@ -30074,6 +31373,95 @@
   <p:clrMapOvr>
     <a:masterClrMapping/>
   </p:clrMapOvr>
+  <p:timing>
+    <p:tnLst>
+      <p:par>
+        <p:cTn id="1" dur="indefinite" restart="never" nodeType="tmRoot">
+          <p:childTnLst>
+            <p:seq concurrent="1" nextAc="seek">
+              <p:cTn id="2" dur="indefinite" nodeType="mainSeq">
+                <p:childTnLst>
+                  <p:par>
+                    <p:cTn id="3" fill="hold">
+                      <p:stCondLst>
+                        <p:cond delay="indefinite"/>
+                        <p:cond evt="onBegin" delay="0">
+                          <p:tn val="2"/>
+                        </p:cond>
+                      </p:stCondLst>
+                      <p:childTnLst>
+                        <p:par>
+                          <p:cTn id="4" fill="hold">
+                            <p:stCondLst>
+                              <p:cond delay="0"/>
+                            </p:stCondLst>
+                            <p:childTnLst>
+                              <p:par>
+                                <p:cTn id="5" presetID="10" presetClass="entr" presetSubtype="0" fill="hold" grpId="0" nodeType="withEffect">
+                                  <p:stCondLst>
+                                    <p:cond delay="0"/>
+                                  </p:stCondLst>
+                                  <p:childTnLst>
+                                    <p:set>
+                                      <p:cBhvr>
+                                        <p:cTn id="6" dur="1" fill="hold">
+                                          <p:stCondLst>
+                                            <p:cond delay="0"/>
+                                          </p:stCondLst>
+                                        </p:cTn>
+                                        <p:tgtEl>
+                                          <p:spTgt spid="14"/>
+                                        </p:tgtEl>
+                                        <p:attrNameLst>
+                                          <p:attrName>style.visibility</p:attrName>
+                                        </p:attrNameLst>
+                                      </p:cBhvr>
+                                      <p:to>
+                                        <p:strVal val="visible"/>
+                                      </p:to>
+                                    </p:set>
+                                    <p:animEffect transition="in" filter="fade">
+                                      <p:cBhvr>
+                                        <p:cTn id="7" dur="750"/>
+                                        <p:tgtEl>
+                                          <p:spTgt spid="14"/>
+                                        </p:tgtEl>
+                                      </p:cBhvr>
+                                    </p:animEffect>
+                                  </p:childTnLst>
+                                </p:cTn>
+                              </p:par>
+                            </p:childTnLst>
+                          </p:cTn>
+                        </p:par>
+                      </p:childTnLst>
+                    </p:cTn>
+                  </p:par>
+                </p:childTnLst>
+              </p:cTn>
+              <p:prevCondLst>
+                <p:cond evt="onPrev" delay="0">
+                  <p:tgtEl>
+                    <p:sldTgt/>
+                  </p:tgtEl>
+                </p:cond>
+              </p:prevCondLst>
+              <p:nextCondLst>
+                <p:cond evt="onNext" delay="0">
+                  <p:tgtEl>
+                    <p:sldTgt/>
+                  </p:tgtEl>
+                </p:cond>
+              </p:nextCondLst>
+            </p:seq>
+          </p:childTnLst>
+        </p:cTn>
+      </p:par>
+    </p:tnLst>
+    <p:bldLst>
+      <p:bldP spid="14" grpId="0"/>
+    </p:bldLst>
+  </p:timing>
 </p:sld>
 </file>
 
@@ -31130,6 +32518,1884 @@
           </p:sp>
         </p:grpSp>
       </p:grpSp>
+      <p:grpSp>
+        <p:nvGrpSpPr>
+          <p:cNvPr id="14" name="Google Shape;10749;p65">
+            <a:extLst>
+              <a:ext uri="{FF2B5EF4-FFF2-40B4-BE49-F238E27FC236}">
+                <a16:creationId xmlns:a16="http://schemas.microsoft.com/office/drawing/2014/main" id="{E16F6A9D-FF53-B082-B12A-DE4C4E258C4F}"/>
+              </a:ext>
+            </a:extLst>
+          </p:cNvPr>
+          <p:cNvGrpSpPr/>
+          <p:nvPr/>
+        </p:nvGrpSpPr>
+        <p:grpSpPr>
+          <a:xfrm>
+            <a:off x="1297414" y="1565918"/>
+            <a:ext cx="361004" cy="357961"/>
+            <a:chOff x="-47529700" y="2342000"/>
+            <a:chExt cx="302450" cy="299900"/>
+          </a:xfrm>
+        </p:grpSpPr>
+        <p:sp>
+          <p:nvSpPr>
+            <p:cNvPr id="15" name="Google Shape;10750;p65">
+              <a:extLst>
+                <a:ext uri="{FF2B5EF4-FFF2-40B4-BE49-F238E27FC236}">
+                  <a16:creationId xmlns:a16="http://schemas.microsoft.com/office/drawing/2014/main" id="{48F53D61-A558-23A4-E180-136C1BFC6EC1}"/>
+                </a:ext>
+              </a:extLst>
+            </p:cNvPr>
+            <p:cNvSpPr/>
+            <p:nvPr/>
+          </p:nvSpPr>
+          <p:spPr>
+            <a:xfrm>
+              <a:off x="-47529700" y="2342000"/>
+              <a:ext cx="302450" cy="299900"/>
+            </a:xfrm>
+            <a:custGeom>
+              <a:avLst/>
+              <a:gdLst/>
+              <a:ahLst/>
+              <a:cxnLst/>
+              <a:rect l="l" t="t" r="r" b="b"/>
+              <a:pathLst>
+                <a:path w="12098" h="11996" extrusionOk="0">
+                  <a:moveTo>
+                    <a:pt x="7530" y="725"/>
+                  </a:moveTo>
+                  <a:cubicBezTo>
+                    <a:pt x="9672" y="725"/>
+                    <a:pt x="11405" y="2457"/>
+                    <a:pt x="11405" y="4568"/>
+                  </a:cubicBezTo>
+                  <a:cubicBezTo>
+                    <a:pt x="11405" y="6711"/>
+                    <a:pt x="9672" y="8443"/>
+                    <a:pt x="7530" y="8443"/>
+                  </a:cubicBezTo>
+                  <a:cubicBezTo>
+                    <a:pt x="5419" y="8443"/>
+                    <a:pt x="3686" y="6711"/>
+                    <a:pt x="3686" y="4568"/>
+                  </a:cubicBezTo>
+                  <a:cubicBezTo>
+                    <a:pt x="3686" y="2457"/>
+                    <a:pt x="5419" y="725"/>
+                    <a:pt x="7530" y="725"/>
+                  </a:cubicBezTo>
+                  <a:close/>
+                  <a:moveTo>
+                    <a:pt x="4064" y="7530"/>
+                  </a:moveTo>
+                  <a:cubicBezTo>
+                    <a:pt x="4222" y="7719"/>
+                    <a:pt x="4379" y="7876"/>
+                    <a:pt x="4568" y="8034"/>
+                  </a:cubicBezTo>
+                  <a:lnTo>
+                    <a:pt x="3686" y="8947"/>
+                  </a:lnTo>
+                  <a:lnTo>
+                    <a:pt x="3151" y="8443"/>
+                  </a:lnTo>
+                  <a:lnTo>
+                    <a:pt x="4064" y="7530"/>
+                  </a:lnTo>
+                  <a:close/>
+                  <a:moveTo>
+                    <a:pt x="2647" y="8916"/>
+                  </a:moveTo>
+                  <a:lnTo>
+                    <a:pt x="3151" y="9420"/>
+                  </a:lnTo>
+                  <a:lnTo>
+                    <a:pt x="1386" y="11184"/>
+                  </a:lnTo>
+                  <a:cubicBezTo>
+                    <a:pt x="1323" y="11247"/>
+                    <a:pt x="1237" y="11279"/>
+                    <a:pt x="1146" y="11279"/>
+                  </a:cubicBezTo>
+                  <a:cubicBezTo>
+                    <a:pt x="1056" y="11279"/>
+                    <a:pt x="961" y="11247"/>
+                    <a:pt x="882" y="11184"/>
+                  </a:cubicBezTo>
+                  <a:cubicBezTo>
+                    <a:pt x="756" y="11090"/>
+                    <a:pt x="756" y="10838"/>
+                    <a:pt x="882" y="10680"/>
+                  </a:cubicBezTo>
+                  <a:lnTo>
+                    <a:pt x="2647" y="8916"/>
+                  </a:lnTo>
+                  <a:close/>
+                  <a:moveTo>
+                    <a:pt x="7530" y="0"/>
+                  </a:moveTo>
+                  <a:cubicBezTo>
+                    <a:pt x="5009" y="0"/>
+                    <a:pt x="2962" y="2048"/>
+                    <a:pt x="2962" y="4568"/>
+                  </a:cubicBezTo>
+                  <a:cubicBezTo>
+                    <a:pt x="2962" y="5450"/>
+                    <a:pt x="3214" y="6270"/>
+                    <a:pt x="3623" y="6963"/>
+                  </a:cubicBezTo>
+                  <a:lnTo>
+                    <a:pt x="410" y="10208"/>
+                  </a:lnTo>
+                  <a:cubicBezTo>
+                    <a:pt x="0" y="10586"/>
+                    <a:pt x="0" y="11279"/>
+                    <a:pt x="410" y="11688"/>
+                  </a:cubicBezTo>
+                  <a:cubicBezTo>
+                    <a:pt x="599" y="11893"/>
+                    <a:pt x="867" y="11996"/>
+                    <a:pt x="1138" y="11996"/>
+                  </a:cubicBezTo>
+                  <a:cubicBezTo>
+                    <a:pt x="1410" y="11996"/>
+                    <a:pt x="1686" y="11893"/>
+                    <a:pt x="1890" y="11688"/>
+                  </a:cubicBezTo>
+                  <a:lnTo>
+                    <a:pt x="5135" y="8475"/>
+                  </a:lnTo>
+                  <a:cubicBezTo>
+                    <a:pt x="5829" y="8916"/>
+                    <a:pt x="6679" y="9137"/>
+                    <a:pt x="7530" y="9137"/>
+                  </a:cubicBezTo>
+                  <a:cubicBezTo>
+                    <a:pt x="10050" y="9137"/>
+                    <a:pt x="12098" y="7089"/>
+                    <a:pt x="12098" y="4568"/>
+                  </a:cubicBezTo>
+                  <a:cubicBezTo>
+                    <a:pt x="12098" y="2048"/>
+                    <a:pt x="10050" y="0"/>
+                    <a:pt x="7530" y="0"/>
+                  </a:cubicBezTo>
+                  <a:close/>
+                </a:path>
+              </a:pathLst>
+            </a:custGeom>
+            <a:solidFill>
+              <a:schemeClr val="dk2"/>
+            </a:solidFill>
+            <a:ln>
+              <a:solidFill>
+                <a:srgbClr val="00CADA"/>
+              </a:solidFill>
+            </a:ln>
+          </p:spPr>
+          <p:txBody>
+            <a:bodyPr spcFirstLastPara="1" wrap="square" lIns="91425" tIns="91425" rIns="91425" bIns="91425" anchor="ctr" anchorCtr="0">
+              <a:noAutofit/>
+            </a:bodyPr>
+            <a:lstStyle/>
+            <a:p>
+              <a:pPr marL="0" lvl="0" indent="0" algn="l" rtl="0">
+                <a:spcBef>
+                  <a:spcPts val="0"/>
+                </a:spcBef>
+                <a:spcAft>
+                  <a:spcPts val="0"/>
+                </a:spcAft>
+                <a:buNone/>
+              </a:pPr>
+              <a:endParaRPr baseline="-25000"/>
+            </a:p>
+          </p:txBody>
+        </p:sp>
+        <p:sp>
+          <p:nvSpPr>
+            <p:cNvPr id="16" name="Google Shape;10751;p65">
+              <a:extLst>
+                <a:ext uri="{FF2B5EF4-FFF2-40B4-BE49-F238E27FC236}">
+                  <a16:creationId xmlns:a16="http://schemas.microsoft.com/office/drawing/2014/main" id="{F01ECA4C-1120-7C52-9873-6E98130A23E5}"/>
+                </a:ext>
+              </a:extLst>
+            </p:cNvPr>
+            <p:cNvSpPr/>
+            <p:nvPr/>
+          </p:nvSpPr>
+          <p:spPr>
+            <a:xfrm>
+              <a:off x="-47404475" y="2395550"/>
+              <a:ext cx="124475" cy="123675"/>
+            </a:xfrm>
+            <a:custGeom>
+              <a:avLst/>
+              <a:gdLst/>
+              <a:ahLst/>
+              <a:cxnLst/>
+              <a:rect l="l" t="t" r="r" b="b"/>
+              <a:pathLst>
+                <a:path w="4979" h="4947" extrusionOk="0">
+                  <a:moveTo>
+                    <a:pt x="2804" y="2080"/>
+                  </a:moveTo>
+                  <a:cubicBezTo>
+                    <a:pt x="2678" y="2395"/>
+                    <a:pt x="2458" y="2647"/>
+                    <a:pt x="2174" y="2710"/>
+                  </a:cubicBezTo>
+                  <a:lnTo>
+                    <a:pt x="2174" y="2080"/>
+                  </a:lnTo>
+                  <a:close/>
+                  <a:moveTo>
+                    <a:pt x="1828" y="694"/>
+                  </a:moveTo>
+                  <a:cubicBezTo>
+                    <a:pt x="2300" y="694"/>
+                    <a:pt x="2678" y="977"/>
+                    <a:pt x="2804" y="1418"/>
+                  </a:cubicBezTo>
+                  <a:lnTo>
+                    <a:pt x="1828" y="1418"/>
+                  </a:lnTo>
+                  <a:cubicBezTo>
+                    <a:pt x="1607" y="1418"/>
+                    <a:pt x="1481" y="1576"/>
+                    <a:pt x="1481" y="1765"/>
+                  </a:cubicBezTo>
+                  <a:lnTo>
+                    <a:pt x="1481" y="2741"/>
+                  </a:lnTo>
+                  <a:cubicBezTo>
+                    <a:pt x="1072" y="2584"/>
+                    <a:pt x="757" y="2206"/>
+                    <a:pt x="757" y="1765"/>
+                  </a:cubicBezTo>
+                  <a:cubicBezTo>
+                    <a:pt x="757" y="1166"/>
+                    <a:pt x="1229" y="694"/>
+                    <a:pt x="1828" y="694"/>
+                  </a:cubicBezTo>
+                  <a:close/>
+                  <a:moveTo>
+                    <a:pt x="4254" y="2080"/>
+                  </a:moveTo>
+                  <a:lnTo>
+                    <a:pt x="4254" y="4222"/>
+                  </a:lnTo>
+                  <a:lnTo>
+                    <a:pt x="2143" y="4222"/>
+                  </a:lnTo>
+                  <a:lnTo>
+                    <a:pt x="2143" y="3466"/>
+                  </a:lnTo>
+                  <a:cubicBezTo>
+                    <a:pt x="2804" y="3308"/>
+                    <a:pt x="3371" y="2804"/>
+                    <a:pt x="3498" y="2080"/>
+                  </a:cubicBezTo>
+                  <a:close/>
+                  <a:moveTo>
+                    <a:pt x="1796" y="0"/>
+                  </a:moveTo>
+                  <a:cubicBezTo>
+                    <a:pt x="788" y="0"/>
+                    <a:pt x="0" y="788"/>
+                    <a:pt x="0" y="1765"/>
+                  </a:cubicBezTo>
+                  <a:cubicBezTo>
+                    <a:pt x="0" y="2615"/>
+                    <a:pt x="599" y="3340"/>
+                    <a:pt x="1418" y="3497"/>
+                  </a:cubicBezTo>
+                  <a:lnTo>
+                    <a:pt x="1418" y="4600"/>
+                  </a:lnTo>
+                  <a:cubicBezTo>
+                    <a:pt x="1418" y="4789"/>
+                    <a:pt x="1576" y="4947"/>
+                    <a:pt x="1796" y="4947"/>
+                  </a:cubicBezTo>
+                  <a:lnTo>
+                    <a:pt x="4569" y="4947"/>
+                  </a:lnTo>
+                  <a:cubicBezTo>
+                    <a:pt x="4789" y="4947"/>
+                    <a:pt x="4947" y="4789"/>
+                    <a:pt x="4947" y="4600"/>
+                  </a:cubicBezTo>
+                  <a:lnTo>
+                    <a:pt x="4947" y="1796"/>
+                  </a:lnTo>
+                  <a:cubicBezTo>
+                    <a:pt x="4978" y="1576"/>
+                    <a:pt x="4821" y="1418"/>
+                    <a:pt x="4632" y="1418"/>
+                  </a:cubicBezTo>
+                  <a:lnTo>
+                    <a:pt x="3498" y="1418"/>
+                  </a:lnTo>
+                  <a:cubicBezTo>
+                    <a:pt x="3371" y="631"/>
+                    <a:pt x="2647" y="0"/>
+                    <a:pt x="1796" y="0"/>
+                  </a:cubicBezTo>
+                  <a:close/>
+                </a:path>
+              </a:pathLst>
+            </a:custGeom>
+            <a:solidFill>
+              <a:schemeClr val="dk2"/>
+            </a:solidFill>
+            <a:ln>
+              <a:solidFill>
+                <a:srgbClr val="00CADA"/>
+              </a:solidFill>
+            </a:ln>
+          </p:spPr>
+          <p:txBody>
+            <a:bodyPr spcFirstLastPara="1" wrap="square" lIns="91425" tIns="91425" rIns="91425" bIns="91425" anchor="ctr" anchorCtr="0">
+              <a:noAutofit/>
+            </a:bodyPr>
+            <a:lstStyle/>
+            <a:p>
+              <a:pPr marL="0" lvl="0" indent="0" algn="l" rtl="0">
+                <a:spcBef>
+                  <a:spcPts val="0"/>
+                </a:spcBef>
+                <a:spcAft>
+                  <a:spcPts val="0"/>
+                </a:spcAft>
+                <a:buNone/>
+              </a:pPr>
+              <a:endParaRPr baseline="-25000"/>
+            </a:p>
+          </p:txBody>
+        </p:sp>
+      </p:grpSp>
+      <p:grpSp>
+        <p:nvGrpSpPr>
+          <p:cNvPr id="17" name="Google Shape;11248;p67">
+            <a:extLst>
+              <a:ext uri="{FF2B5EF4-FFF2-40B4-BE49-F238E27FC236}">
+                <a16:creationId xmlns:a16="http://schemas.microsoft.com/office/drawing/2014/main" id="{FA527F3C-7711-3F3C-D811-8297A047262D}"/>
+              </a:ext>
+            </a:extLst>
+          </p:cNvPr>
+          <p:cNvGrpSpPr/>
+          <p:nvPr/>
+        </p:nvGrpSpPr>
+        <p:grpSpPr>
+          <a:xfrm>
+            <a:off x="1288493" y="2249456"/>
+            <a:ext cx="420796" cy="395746"/>
+            <a:chOff x="-4211975" y="2783850"/>
+            <a:chExt cx="291450" cy="274100"/>
+          </a:xfrm>
+        </p:grpSpPr>
+        <p:sp>
+          <p:nvSpPr>
+            <p:cNvPr id="18" name="Google Shape;11249;p67">
+              <a:extLst>
+                <a:ext uri="{FF2B5EF4-FFF2-40B4-BE49-F238E27FC236}">
+                  <a16:creationId xmlns:a16="http://schemas.microsoft.com/office/drawing/2014/main" id="{49B87614-29D3-5F77-6BC4-A7FF0D7F4874}"/>
+                </a:ext>
+              </a:extLst>
+            </p:cNvPr>
+            <p:cNvSpPr/>
+            <p:nvPr/>
+          </p:nvSpPr>
+          <p:spPr>
+            <a:xfrm>
+              <a:off x="-4211975" y="2937125"/>
+              <a:ext cx="291450" cy="120825"/>
+            </a:xfrm>
+            <a:custGeom>
+              <a:avLst/>
+              <a:gdLst/>
+              <a:ahLst/>
+              <a:cxnLst/>
+              <a:rect l="l" t="t" r="r" b="b"/>
+              <a:pathLst>
+                <a:path w="11658" h="4833" extrusionOk="0">
+                  <a:moveTo>
+                    <a:pt x="978" y="706"/>
+                  </a:moveTo>
+                  <a:cubicBezTo>
+                    <a:pt x="1167" y="706"/>
+                    <a:pt x="1324" y="863"/>
+                    <a:pt x="1324" y="1052"/>
+                  </a:cubicBezTo>
+                  <a:lnTo>
+                    <a:pt x="1324" y="3762"/>
+                  </a:lnTo>
+                  <a:cubicBezTo>
+                    <a:pt x="1324" y="3982"/>
+                    <a:pt x="1167" y="4140"/>
+                    <a:pt x="978" y="4140"/>
+                  </a:cubicBezTo>
+                  <a:lnTo>
+                    <a:pt x="631" y="4140"/>
+                  </a:lnTo>
+                  <a:lnTo>
+                    <a:pt x="631" y="706"/>
+                  </a:lnTo>
+                  <a:close/>
+                  <a:moveTo>
+                    <a:pt x="3866" y="717"/>
+                  </a:moveTo>
+                  <a:cubicBezTo>
+                    <a:pt x="4374" y="717"/>
+                    <a:pt x="4886" y="859"/>
+                    <a:pt x="5325" y="1147"/>
+                  </a:cubicBezTo>
+                  <a:cubicBezTo>
+                    <a:pt x="5672" y="1367"/>
+                    <a:pt x="5703" y="1399"/>
+                    <a:pt x="5829" y="1399"/>
+                  </a:cubicBezTo>
+                  <a:lnTo>
+                    <a:pt x="7247" y="1399"/>
+                  </a:lnTo>
+                  <a:cubicBezTo>
+                    <a:pt x="7436" y="1399"/>
+                    <a:pt x="7594" y="1556"/>
+                    <a:pt x="7594" y="1777"/>
+                  </a:cubicBezTo>
+                  <a:cubicBezTo>
+                    <a:pt x="7594" y="1966"/>
+                    <a:pt x="7436" y="2124"/>
+                    <a:pt x="7247" y="2124"/>
+                  </a:cubicBezTo>
+                  <a:lnTo>
+                    <a:pt x="4758" y="2124"/>
+                  </a:lnTo>
+                  <a:cubicBezTo>
+                    <a:pt x="4380" y="2124"/>
+                    <a:pt x="4034" y="2344"/>
+                    <a:pt x="3845" y="2659"/>
+                  </a:cubicBezTo>
+                  <a:cubicBezTo>
+                    <a:pt x="3782" y="2817"/>
+                    <a:pt x="3845" y="3069"/>
+                    <a:pt x="4002" y="3132"/>
+                  </a:cubicBezTo>
+                  <a:cubicBezTo>
+                    <a:pt x="4045" y="3158"/>
+                    <a:pt x="4096" y="3169"/>
+                    <a:pt x="4148" y="3169"/>
+                  </a:cubicBezTo>
+                  <a:cubicBezTo>
+                    <a:pt x="4284" y="3169"/>
+                    <a:pt x="4429" y="3088"/>
+                    <a:pt x="4475" y="2974"/>
+                  </a:cubicBezTo>
+                  <a:cubicBezTo>
+                    <a:pt x="4538" y="2848"/>
+                    <a:pt x="4632" y="2785"/>
+                    <a:pt x="4790" y="2785"/>
+                  </a:cubicBezTo>
+                  <a:lnTo>
+                    <a:pt x="7562" y="2785"/>
+                  </a:lnTo>
+                  <a:cubicBezTo>
+                    <a:pt x="7783" y="2785"/>
+                    <a:pt x="8003" y="2722"/>
+                    <a:pt x="8192" y="2596"/>
+                  </a:cubicBezTo>
+                  <a:lnTo>
+                    <a:pt x="10555" y="769"/>
+                  </a:lnTo>
+                  <a:cubicBezTo>
+                    <a:pt x="10603" y="747"/>
+                    <a:pt x="10649" y="737"/>
+                    <a:pt x="10693" y="737"/>
+                  </a:cubicBezTo>
+                  <a:cubicBezTo>
+                    <a:pt x="10969" y="737"/>
+                    <a:pt x="11146" y="1123"/>
+                    <a:pt x="10902" y="1367"/>
+                  </a:cubicBezTo>
+                  <a:cubicBezTo>
+                    <a:pt x="10844" y="1406"/>
+                    <a:pt x="10817" y="1419"/>
+                    <a:pt x="10805" y="1419"/>
+                  </a:cubicBezTo>
+                  <a:cubicBezTo>
+                    <a:pt x="10780" y="1419"/>
+                    <a:pt x="10836" y="1354"/>
+                    <a:pt x="10826" y="1354"/>
+                  </a:cubicBezTo>
+                  <a:cubicBezTo>
+                    <a:pt x="10804" y="1354"/>
+                    <a:pt x="10447" y="1686"/>
+                    <a:pt x="8066" y="3856"/>
+                  </a:cubicBezTo>
+                  <a:cubicBezTo>
+                    <a:pt x="7877" y="4014"/>
+                    <a:pt x="7625" y="4140"/>
+                    <a:pt x="7373" y="4140"/>
+                  </a:cubicBezTo>
+                  <a:lnTo>
+                    <a:pt x="3435" y="4140"/>
+                  </a:lnTo>
+                  <a:cubicBezTo>
+                    <a:pt x="2962" y="4140"/>
+                    <a:pt x="2490" y="4014"/>
+                    <a:pt x="2049" y="3825"/>
+                  </a:cubicBezTo>
+                  <a:lnTo>
+                    <a:pt x="2049" y="1399"/>
+                  </a:lnTo>
+                  <a:lnTo>
+                    <a:pt x="2332" y="1210"/>
+                  </a:lnTo>
+                  <a:cubicBezTo>
+                    <a:pt x="2774" y="883"/>
+                    <a:pt x="3318" y="717"/>
+                    <a:pt x="3866" y="717"/>
+                  </a:cubicBezTo>
+                  <a:close/>
+                  <a:moveTo>
+                    <a:pt x="3817" y="0"/>
+                  </a:moveTo>
+                  <a:cubicBezTo>
+                    <a:pt x="3151" y="0"/>
+                    <a:pt x="2491" y="205"/>
+                    <a:pt x="1923" y="611"/>
+                  </a:cubicBezTo>
+                  <a:cubicBezTo>
+                    <a:pt x="1765" y="265"/>
+                    <a:pt x="1419" y="13"/>
+                    <a:pt x="1009" y="13"/>
+                  </a:cubicBezTo>
+                  <a:lnTo>
+                    <a:pt x="348" y="13"/>
+                  </a:lnTo>
+                  <a:cubicBezTo>
+                    <a:pt x="159" y="13"/>
+                    <a:pt x="1" y="170"/>
+                    <a:pt x="1" y="391"/>
+                  </a:cubicBezTo>
+                  <a:lnTo>
+                    <a:pt x="1" y="4486"/>
+                  </a:lnTo>
+                  <a:cubicBezTo>
+                    <a:pt x="1" y="4675"/>
+                    <a:pt x="159" y="4833"/>
+                    <a:pt x="348" y="4833"/>
+                  </a:cubicBezTo>
+                  <a:lnTo>
+                    <a:pt x="1009" y="4833"/>
+                  </a:lnTo>
+                  <a:cubicBezTo>
+                    <a:pt x="1324" y="4833"/>
+                    <a:pt x="1608" y="4675"/>
+                    <a:pt x="1797" y="4486"/>
+                  </a:cubicBezTo>
+                  <a:cubicBezTo>
+                    <a:pt x="2332" y="4707"/>
+                    <a:pt x="2868" y="4833"/>
+                    <a:pt x="3435" y="4833"/>
+                  </a:cubicBezTo>
+                  <a:lnTo>
+                    <a:pt x="7373" y="4833"/>
+                  </a:lnTo>
+                  <a:cubicBezTo>
+                    <a:pt x="7783" y="4833"/>
+                    <a:pt x="8192" y="4675"/>
+                    <a:pt x="8507" y="4392"/>
+                  </a:cubicBezTo>
+                  <a:cubicBezTo>
+                    <a:pt x="8539" y="4392"/>
+                    <a:pt x="11217" y="1903"/>
+                    <a:pt x="11248" y="1872"/>
+                  </a:cubicBezTo>
+                  <a:cubicBezTo>
+                    <a:pt x="11406" y="1809"/>
+                    <a:pt x="11658" y="1493"/>
+                    <a:pt x="11658" y="1084"/>
+                  </a:cubicBezTo>
+                  <a:cubicBezTo>
+                    <a:pt x="11658" y="454"/>
+                    <a:pt x="11185" y="44"/>
+                    <a:pt x="10618" y="44"/>
+                  </a:cubicBezTo>
+                  <a:cubicBezTo>
+                    <a:pt x="10303" y="44"/>
+                    <a:pt x="10051" y="202"/>
+                    <a:pt x="9925" y="296"/>
+                  </a:cubicBezTo>
+                  <a:lnTo>
+                    <a:pt x="8192" y="1619"/>
+                  </a:lnTo>
+                  <a:cubicBezTo>
+                    <a:pt x="8098" y="1084"/>
+                    <a:pt x="7688" y="706"/>
+                    <a:pt x="7153" y="706"/>
+                  </a:cubicBezTo>
+                  <a:lnTo>
+                    <a:pt x="5861" y="706"/>
+                  </a:lnTo>
+                  <a:lnTo>
+                    <a:pt x="5640" y="548"/>
+                  </a:lnTo>
+                  <a:cubicBezTo>
+                    <a:pt x="5075" y="182"/>
+                    <a:pt x="4444" y="0"/>
+                    <a:pt x="3817" y="0"/>
+                  </a:cubicBezTo>
+                  <a:close/>
+                </a:path>
+              </a:pathLst>
+            </a:custGeom>
+            <a:solidFill>
+              <a:schemeClr val="dk2"/>
+            </a:solidFill>
+            <a:ln>
+              <a:solidFill>
+                <a:srgbClr val="00CADA"/>
+              </a:solidFill>
+            </a:ln>
+          </p:spPr>
+          <p:txBody>
+            <a:bodyPr spcFirstLastPara="1" wrap="square" lIns="91425" tIns="91425" rIns="91425" bIns="91425" anchor="ctr" anchorCtr="0">
+              <a:noAutofit/>
+            </a:bodyPr>
+            <a:lstStyle/>
+            <a:p>
+              <a:pPr marL="0" lvl="0" indent="0" algn="l" rtl="0">
+                <a:spcBef>
+                  <a:spcPts val="0"/>
+                </a:spcBef>
+                <a:spcAft>
+                  <a:spcPts val="0"/>
+                </a:spcAft>
+                <a:buNone/>
+              </a:pPr>
+              <a:endParaRPr/>
+            </a:p>
+          </p:txBody>
+        </p:sp>
+        <p:sp>
+          <p:nvSpPr>
+            <p:cNvPr id="19" name="Google Shape;11250;p67">
+              <a:extLst>
+                <a:ext uri="{FF2B5EF4-FFF2-40B4-BE49-F238E27FC236}">
+                  <a16:creationId xmlns:a16="http://schemas.microsoft.com/office/drawing/2014/main" id="{4C3DA19E-D250-9785-650F-B7299B0DCFBA}"/>
+                </a:ext>
+              </a:extLst>
+            </p:cNvPr>
+            <p:cNvSpPr/>
+            <p:nvPr/>
+          </p:nvSpPr>
+          <p:spPr>
+            <a:xfrm>
+              <a:off x="-4109575" y="2783850"/>
+              <a:ext cx="153625" cy="154400"/>
+            </a:xfrm>
+            <a:custGeom>
+              <a:avLst/>
+              <a:gdLst/>
+              <a:ahLst/>
+              <a:cxnLst/>
+              <a:rect l="l" t="t" r="r" b="b"/>
+              <a:pathLst>
+                <a:path w="6145" h="6176" extrusionOk="0">
+                  <a:moveTo>
+                    <a:pt x="3057" y="693"/>
+                  </a:moveTo>
+                  <a:cubicBezTo>
+                    <a:pt x="4411" y="693"/>
+                    <a:pt x="5482" y="1765"/>
+                    <a:pt x="5482" y="3088"/>
+                  </a:cubicBezTo>
+                  <a:cubicBezTo>
+                    <a:pt x="5482" y="4442"/>
+                    <a:pt x="4411" y="5482"/>
+                    <a:pt x="3057" y="5482"/>
+                  </a:cubicBezTo>
+                  <a:cubicBezTo>
+                    <a:pt x="1733" y="5482"/>
+                    <a:pt x="662" y="4442"/>
+                    <a:pt x="662" y="3088"/>
+                  </a:cubicBezTo>
+                  <a:cubicBezTo>
+                    <a:pt x="662" y="1765"/>
+                    <a:pt x="1733" y="693"/>
+                    <a:pt x="3057" y="693"/>
+                  </a:cubicBezTo>
+                  <a:close/>
+                  <a:moveTo>
+                    <a:pt x="3057" y="0"/>
+                  </a:moveTo>
+                  <a:cubicBezTo>
+                    <a:pt x="1387" y="0"/>
+                    <a:pt x="1" y="1387"/>
+                    <a:pt x="1" y="3088"/>
+                  </a:cubicBezTo>
+                  <a:cubicBezTo>
+                    <a:pt x="1" y="4789"/>
+                    <a:pt x="1387" y="6175"/>
+                    <a:pt x="3057" y="6175"/>
+                  </a:cubicBezTo>
+                  <a:cubicBezTo>
+                    <a:pt x="4758" y="6175"/>
+                    <a:pt x="6144" y="4789"/>
+                    <a:pt x="6144" y="3088"/>
+                  </a:cubicBezTo>
+                  <a:cubicBezTo>
+                    <a:pt x="6144" y="1387"/>
+                    <a:pt x="4758" y="0"/>
+                    <a:pt x="3057" y="0"/>
+                  </a:cubicBezTo>
+                  <a:close/>
+                </a:path>
+              </a:pathLst>
+            </a:custGeom>
+            <a:solidFill>
+              <a:schemeClr val="dk2"/>
+            </a:solidFill>
+            <a:ln>
+              <a:solidFill>
+                <a:srgbClr val="00CADA"/>
+              </a:solidFill>
+            </a:ln>
+          </p:spPr>
+          <p:txBody>
+            <a:bodyPr spcFirstLastPara="1" wrap="square" lIns="91425" tIns="91425" rIns="91425" bIns="91425" anchor="ctr" anchorCtr="0">
+              <a:noAutofit/>
+            </a:bodyPr>
+            <a:lstStyle/>
+            <a:p>
+              <a:pPr marL="0" lvl="0" indent="0" algn="l" rtl="0">
+                <a:spcBef>
+                  <a:spcPts val="0"/>
+                </a:spcBef>
+                <a:spcAft>
+                  <a:spcPts val="0"/>
+                </a:spcAft>
+                <a:buNone/>
+              </a:pPr>
+              <a:endParaRPr/>
+            </a:p>
+          </p:txBody>
+        </p:sp>
+        <p:sp>
+          <p:nvSpPr>
+            <p:cNvPr id="20" name="Google Shape;11251;p67">
+              <a:extLst>
+                <a:ext uri="{FF2B5EF4-FFF2-40B4-BE49-F238E27FC236}">
+                  <a16:creationId xmlns:a16="http://schemas.microsoft.com/office/drawing/2014/main" id="{A77F9C29-DDC4-06C8-F34F-CAB6C4682357}"/>
+                </a:ext>
+              </a:extLst>
+            </p:cNvPr>
+            <p:cNvSpPr/>
+            <p:nvPr/>
+          </p:nvSpPr>
+          <p:spPr>
+            <a:xfrm>
+              <a:off x="-4074925" y="2818500"/>
+              <a:ext cx="84300" cy="85100"/>
+            </a:xfrm>
+            <a:custGeom>
+              <a:avLst/>
+              <a:gdLst/>
+              <a:ahLst/>
+              <a:cxnLst/>
+              <a:rect l="l" t="t" r="r" b="b"/>
+              <a:pathLst>
+                <a:path w="3372" h="3404" extrusionOk="0">
+                  <a:moveTo>
+                    <a:pt x="1671" y="631"/>
+                  </a:moveTo>
+                  <a:cubicBezTo>
+                    <a:pt x="2238" y="631"/>
+                    <a:pt x="2710" y="1103"/>
+                    <a:pt x="2710" y="1670"/>
+                  </a:cubicBezTo>
+                  <a:cubicBezTo>
+                    <a:pt x="2710" y="2206"/>
+                    <a:pt x="2238" y="2678"/>
+                    <a:pt x="1671" y="2678"/>
+                  </a:cubicBezTo>
+                  <a:cubicBezTo>
+                    <a:pt x="1135" y="2678"/>
+                    <a:pt x="662" y="2206"/>
+                    <a:pt x="662" y="1670"/>
+                  </a:cubicBezTo>
+                  <a:cubicBezTo>
+                    <a:pt x="662" y="1103"/>
+                    <a:pt x="1135" y="631"/>
+                    <a:pt x="1671" y="631"/>
+                  </a:cubicBezTo>
+                  <a:close/>
+                  <a:moveTo>
+                    <a:pt x="1671" y="1"/>
+                  </a:moveTo>
+                  <a:cubicBezTo>
+                    <a:pt x="725" y="1"/>
+                    <a:pt x="1" y="757"/>
+                    <a:pt x="1" y="1702"/>
+                  </a:cubicBezTo>
+                  <a:cubicBezTo>
+                    <a:pt x="1" y="2647"/>
+                    <a:pt x="725" y="3403"/>
+                    <a:pt x="1671" y="3403"/>
+                  </a:cubicBezTo>
+                  <a:cubicBezTo>
+                    <a:pt x="2616" y="3403"/>
+                    <a:pt x="3372" y="2647"/>
+                    <a:pt x="3372" y="1702"/>
+                  </a:cubicBezTo>
+                  <a:cubicBezTo>
+                    <a:pt x="3372" y="757"/>
+                    <a:pt x="2616" y="1"/>
+                    <a:pt x="1671" y="1"/>
+                  </a:cubicBezTo>
+                  <a:close/>
+                </a:path>
+              </a:pathLst>
+            </a:custGeom>
+            <a:solidFill>
+              <a:schemeClr val="dk2"/>
+            </a:solidFill>
+            <a:ln>
+              <a:solidFill>
+                <a:srgbClr val="00CADA"/>
+              </a:solidFill>
+            </a:ln>
+          </p:spPr>
+          <p:txBody>
+            <a:bodyPr spcFirstLastPara="1" wrap="square" lIns="91425" tIns="91425" rIns="91425" bIns="91425" anchor="ctr" anchorCtr="0">
+              <a:noAutofit/>
+            </a:bodyPr>
+            <a:lstStyle/>
+            <a:p>
+              <a:pPr marL="0" lvl="0" indent="0" algn="l" rtl="0">
+                <a:spcBef>
+                  <a:spcPts val="0"/>
+                </a:spcBef>
+                <a:spcAft>
+                  <a:spcPts val="0"/>
+                </a:spcAft>
+                <a:buNone/>
+              </a:pPr>
+              <a:endParaRPr/>
+            </a:p>
+          </p:txBody>
+        </p:sp>
+      </p:grpSp>
+      <p:grpSp>
+        <p:nvGrpSpPr>
+          <p:cNvPr id="25" name="Google Shape;10224;p64">
+            <a:extLst>
+              <a:ext uri="{FF2B5EF4-FFF2-40B4-BE49-F238E27FC236}">
+                <a16:creationId xmlns:a16="http://schemas.microsoft.com/office/drawing/2014/main" id="{6D1D112E-CB6B-24C5-62DC-2D373BDED4F0}"/>
+              </a:ext>
+            </a:extLst>
+          </p:cNvPr>
+          <p:cNvGrpSpPr/>
+          <p:nvPr/>
+        </p:nvGrpSpPr>
+        <p:grpSpPr>
+          <a:xfrm>
+            <a:off x="1322097" y="2968407"/>
+            <a:ext cx="353587" cy="353587"/>
+            <a:chOff x="-34032198" y="1916675"/>
+            <a:chExt cx="291450" cy="291450"/>
+          </a:xfrm>
+        </p:grpSpPr>
+        <p:sp>
+          <p:nvSpPr>
+            <p:cNvPr id="26" name="Google Shape;10225;p64">
+              <a:extLst>
+                <a:ext uri="{FF2B5EF4-FFF2-40B4-BE49-F238E27FC236}">
+                  <a16:creationId xmlns:a16="http://schemas.microsoft.com/office/drawing/2014/main" id="{7F7F63CA-EA5D-BF93-10AF-02209680D837}"/>
+                </a:ext>
+              </a:extLst>
+            </p:cNvPr>
+            <p:cNvSpPr/>
+            <p:nvPr/>
+          </p:nvSpPr>
+          <p:spPr>
+            <a:xfrm>
+              <a:off x="-34032200" y="1916675"/>
+              <a:ext cx="291450" cy="291450"/>
+            </a:xfrm>
+            <a:custGeom>
+              <a:avLst/>
+              <a:gdLst/>
+              <a:ahLst/>
+              <a:cxnLst/>
+              <a:rect l="l" t="t" r="r" b="b"/>
+              <a:pathLst>
+                <a:path w="11658" h="11658" extrusionOk="0">
+                  <a:moveTo>
+                    <a:pt x="6459" y="694"/>
+                  </a:moveTo>
+                  <a:cubicBezTo>
+                    <a:pt x="6648" y="694"/>
+                    <a:pt x="6806" y="851"/>
+                    <a:pt x="6806" y="1040"/>
+                  </a:cubicBezTo>
+                  <a:lnTo>
+                    <a:pt x="6806" y="1387"/>
+                  </a:lnTo>
+                  <a:lnTo>
+                    <a:pt x="662" y="1387"/>
+                  </a:lnTo>
+                  <a:lnTo>
+                    <a:pt x="662" y="1040"/>
+                  </a:lnTo>
+                  <a:cubicBezTo>
+                    <a:pt x="662" y="851"/>
+                    <a:pt x="820" y="694"/>
+                    <a:pt x="977" y="694"/>
+                  </a:cubicBezTo>
+                  <a:close/>
+                  <a:moveTo>
+                    <a:pt x="10303" y="4096"/>
+                  </a:moveTo>
+                  <a:lnTo>
+                    <a:pt x="8192" y="5419"/>
+                  </a:lnTo>
+                  <a:lnTo>
+                    <a:pt x="6207" y="4096"/>
+                  </a:lnTo>
+                  <a:close/>
+                  <a:moveTo>
+                    <a:pt x="5420" y="4411"/>
+                  </a:moveTo>
+                  <a:lnTo>
+                    <a:pt x="7971" y="6112"/>
+                  </a:lnTo>
+                  <a:cubicBezTo>
+                    <a:pt x="8034" y="6144"/>
+                    <a:pt x="8097" y="6144"/>
+                    <a:pt x="8192" y="6144"/>
+                  </a:cubicBezTo>
+                  <a:cubicBezTo>
+                    <a:pt x="8255" y="6144"/>
+                    <a:pt x="8286" y="6144"/>
+                    <a:pt x="8381" y="6112"/>
+                  </a:cubicBezTo>
+                  <a:lnTo>
+                    <a:pt x="10933" y="4537"/>
+                  </a:lnTo>
+                  <a:lnTo>
+                    <a:pt x="10933" y="7184"/>
+                  </a:lnTo>
+                  <a:cubicBezTo>
+                    <a:pt x="10933" y="7373"/>
+                    <a:pt x="10775" y="7530"/>
+                    <a:pt x="10618" y="7530"/>
+                  </a:cubicBezTo>
+                  <a:lnTo>
+                    <a:pt x="5766" y="7530"/>
+                  </a:lnTo>
+                  <a:cubicBezTo>
+                    <a:pt x="5577" y="7530"/>
+                    <a:pt x="5420" y="7373"/>
+                    <a:pt x="5420" y="7184"/>
+                  </a:cubicBezTo>
+                  <a:lnTo>
+                    <a:pt x="5420" y="4443"/>
+                  </a:lnTo>
+                  <a:lnTo>
+                    <a:pt x="5420" y="4411"/>
+                  </a:lnTo>
+                  <a:close/>
+                  <a:moveTo>
+                    <a:pt x="6806" y="2048"/>
+                  </a:moveTo>
+                  <a:lnTo>
+                    <a:pt x="6806" y="3435"/>
+                  </a:lnTo>
+                  <a:lnTo>
+                    <a:pt x="5766" y="3435"/>
+                  </a:lnTo>
+                  <a:cubicBezTo>
+                    <a:pt x="5231" y="3435"/>
+                    <a:pt x="4758" y="3907"/>
+                    <a:pt x="4758" y="4443"/>
+                  </a:cubicBezTo>
+                  <a:lnTo>
+                    <a:pt x="4758" y="7184"/>
+                  </a:lnTo>
+                  <a:cubicBezTo>
+                    <a:pt x="4758" y="7719"/>
+                    <a:pt x="5231" y="8192"/>
+                    <a:pt x="5766" y="8192"/>
+                  </a:cubicBezTo>
+                  <a:lnTo>
+                    <a:pt x="6806" y="8192"/>
+                  </a:lnTo>
+                  <a:lnTo>
+                    <a:pt x="6806" y="8916"/>
+                  </a:lnTo>
+                  <a:lnTo>
+                    <a:pt x="662" y="8916"/>
+                  </a:lnTo>
+                  <a:lnTo>
+                    <a:pt x="662" y="2048"/>
+                  </a:lnTo>
+                  <a:close/>
+                  <a:moveTo>
+                    <a:pt x="6774" y="9578"/>
+                  </a:moveTo>
+                  <a:lnTo>
+                    <a:pt x="6774" y="10649"/>
+                  </a:lnTo>
+                  <a:cubicBezTo>
+                    <a:pt x="6806" y="10838"/>
+                    <a:pt x="6648" y="10996"/>
+                    <a:pt x="6459" y="10996"/>
+                  </a:cubicBezTo>
+                  <a:lnTo>
+                    <a:pt x="977" y="10996"/>
+                  </a:lnTo>
+                  <a:cubicBezTo>
+                    <a:pt x="788" y="10996"/>
+                    <a:pt x="631" y="10838"/>
+                    <a:pt x="631" y="10649"/>
+                  </a:cubicBezTo>
+                  <a:lnTo>
+                    <a:pt x="631" y="9578"/>
+                  </a:lnTo>
+                  <a:close/>
+                  <a:moveTo>
+                    <a:pt x="1009" y="1"/>
+                  </a:moveTo>
+                  <a:cubicBezTo>
+                    <a:pt x="473" y="1"/>
+                    <a:pt x="1" y="473"/>
+                    <a:pt x="1" y="1040"/>
+                  </a:cubicBezTo>
+                  <a:lnTo>
+                    <a:pt x="1" y="10649"/>
+                  </a:lnTo>
+                  <a:cubicBezTo>
+                    <a:pt x="1" y="11185"/>
+                    <a:pt x="473" y="11657"/>
+                    <a:pt x="1009" y="11657"/>
+                  </a:cubicBezTo>
+                  <a:lnTo>
+                    <a:pt x="6491" y="11657"/>
+                  </a:lnTo>
+                  <a:cubicBezTo>
+                    <a:pt x="7026" y="11657"/>
+                    <a:pt x="7499" y="11185"/>
+                    <a:pt x="7499" y="10649"/>
+                  </a:cubicBezTo>
+                  <a:lnTo>
+                    <a:pt x="7499" y="8255"/>
+                  </a:lnTo>
+                  <a:lnTo>
+                    <a:pt x="10618" y="8255"/>
+                  </a:lnTo>
+                  <a:cubicBezTo>
+                    <a:pt x="11185" y="8255"/>
+                    <a:pt x="11658" y="7782"/>
+                    <a:pt x="11658" y="7215"/>
+                  </a:cubicBezTo>
+                  <a:lnTo>
+                    <a:pt x="11658" y="4506"/>
+                  </a:lnTo>
+                  <a:cubicBezTo>
+                    <a:pt x="11658" y="3907"/>
+                    <a:pt x="11185" y="3435"/>
+                    <a:pt x="10618" y="3435"/>
+                  </a:cubicBezTo>
+                  <a:lnTo>
+                    <a:pt x="7499" y="3435"/>
+                  </a:lnTo>
+                  <a:lnTo>
+                    <a:pt x="7499" y="1040"/>
+                  </a:lnTo>
+                  <a:cubicBezTo>
+                    <a:pt x="7499" y="473"/>
+                    <a:pt x="7026" y="1"/>
+                    <a:pt x="6491" y="1"/>
+                  </a:cubicBezTo>
+                  <a:close/>
+                </a:path>
+              </a:pathLst>
+            </a:custGeom>
+            <a:solidFill>
+              <a:schemeClr val="dk2"/>
+            </a:solidFill>
+            <a:ln>
+              <a:solidFill>
+                <a:schemeClr val="bg1"/>
+              </a:solidFill>
+            </a:ln>
+          </p:spPr>
+          <p:txBody>
+            <a:bodyPr spcFirstLastPara="1" wrap="square" lIns="91425" tIns="91425" rIns="91425" bIns="91425" anchor="ctr" anchorCtr="0">
+              <a:noAutofit/>
+            </a:bodyPr>
+            <a:lstStyle/>
+            <a:p>
+              <a:pPr marL="0" lvl="0" indent="0" algn="l" rtl="0">
+                <a:spcBef>
+                  <a:spcPts val="0"/>
+                </a:spcBef>
+                <a:spcAft>
+                  <a:spcPts val="0"/>
+                </a:spcAft>
+                <a:buNone/>
+              </a:pPr>
+              <a:endParaRPr/>
+            </a:p>
+          </p:txBody>
+        </p:sp>
+        <p:sp>
+          <p:nvSpPr>
+            <p:cNvPr id="27" name="Google Shape;10226;p64">
+              <a:extLst>
+                <a:ext uri="{FF2B5EF4-FFF2-40B4-BE49-F238E27FC236}">
+                  <a16:creationId xmlns:a16="http://schemas.microsoft.com/office/drawing/2014/main" id="{57C2A816-1D26-65B1-54C8-B23D235162E1}"/>
+                </a:ext>
+              </a:extLst>
+            </p:cNvPr>
+            <p:cNvSpPr/>
+            <p:nvPr/>
+          </p:nvSpPr>
+          <p:spPr>
+            <a:xfrm>
+              <a:off x="-33999125" y="2019075"/>
+              <a:ext cx="69350" cy="18125"/>
+            </a:xfrm>
+            <a:custGeom>
+              <a:avLst/>
+              <a:gdLst/>
+              <a:ahLst/>
+              <a:cxnLst/>
+              <a:rect l="l" t="t" r="r" b="b"/>
+              <a:pathLst>
+                <a:path w="2774" h="725" extrusionOk="0">
+                  <a:moveTo>
+                    <a:pt x="347" y="0"/>
+                  </a:moveTo>
+                  <a:cubicBezTo>
+                    <a:pt x="158" y="0"/>
+                    <a:pt x="1" y="158"/>
+                    <a:pt x="1" y="378"/>
+                  </a:cubicBezTo>
+                  <a:cubicBezTo>
+                    <a:pt x="1" y="567"/>
+                    <a:pt x="158" y="725"/>
+                    <a:pt x="347" y="725"/>
+                  </a:cubicBezTo>
+                  <a:lnTo>
+                    <a:pt x="2395" y="725"/>
+                  </a:lnTo>
+                  <a:cubicBezTo>
+                    <a:pt x="2616" y="725"/>
+                    <a:pt x="2773" y="567"/>
+                    <a:pt x="2773" y="378"/>
+                  </a:cubicBezTo>
+                  <a:cubicBezTo>
+                    <a:pt x="2710" y="158"/>
+                    <a:pt x="2616" y="0"/>
+                    <a:pt x="2395" y="0"/>
+                  </a:cubicBezTo>
+                  <a:close/>
+                </a:path>
+              </a:pathLst>
+            </a:custGeom>
+            <a:solidFill>
+              <a:schemeClr val="dk2"/>
+            </a:solidFill>
+            <a:ln>
+              <a:solidFill>
+                <a:schemeClr val="bg1"/>
+              </a:solidFill>
+            </a:ln>
+          </p:spPr>
+          <p:txBody>
+            <a:bodyPr spcFirstLastPara="1" wrap="square" lIns="91425" tIns="91425" rIns="91425" bIns="91425" anchor="ctr" anchorCtr="0">
+              <a:noAutofit/>
+            </a:bodyPr>
+            <a:lstStyle/>
+            <a:p>
+              <a:pPr marL="0" lvl="0" indent="0" algn="l" rtl="0">
+                <a:spcBef>
+                  <a:spcPts val="0"/>
+                </a:spcBef>
+                <a:spcAft>
+                  <a:spcPts val="0"/>
+                </a:spcAft>
+                <a:buNone/>
+              </a:pPr>
+              <a:endParaRPr/>
+            </a:p>
+          </p:txBody>
+        </p:sp>
+        <p:sp>
+          <p:nvSpPr>
+            <p:cNvPr id="28" name="Google Shape;10227;p64">
+              <a:extLst>
+                <a:ext uri="{FF2B5EF4-FFF2-40B4-BE49-F238E27FC236}">
+                  <a16:creationId xmlns:a16="http://schemas.microsoft.com/office/drawing/2014/main" id="{1A432FD5-9650-73DA-0509-EDBE7117854C}"/>
+                </a:ext>
+              </a:extLst>
+            </p:cNvPr>
+            <p:cNvSpPr/>
+            <p:nvPr/>
+          </p:nvSpPr>
+          <p:spPr>
+            <a:xfrm>
+              <a:off x="-33999900" y="2053725"/>
+              <a:ext cx="52000" cy="18125"/>
+            </a:xfrm>
+            <a:custGeom>
+              <a:avLst/>
+              <a:gdLst/>
+              <a:ahLst/>
+              <a:cxnLst/>
+              <a:rect l="l" t="t" r="r" b="b"/>
+              <a:pathLst>
+                <a:path w="2080" h="725" extrusionOk="0">
+                  <a:moveTo>
+                    <a:pt x="347" y="0"/>
+                  </a:moveTo>
+                  <a:cubicBezTo>
+                    <a:pt x="158" y="0"/>
+                    <a:pt x="0" y="158"/>
+                    <a:pt x="0" y="347"/>
+                  </a:cubicBezTo>
+                  <a:cubicBezTo>
+                    <a:pt x="0" y="567"/>
+                    <a:pt x="158" y="725"/>
+                    <a:pt x="347" y="725"/>
+                  </a:cubicBezTo>
+                  <a:lnTo>
+                    <a:pt x="1733" y="725"/>
+                  </a:lnTo>
+                  <a:cubicBezTo>
+                    <a:pt x="1922" y="725"/>
+                    <a:pt x="2080" y="567"/>
+                    <a:pt x="2080" y="347"/>
+                  </a:cubicBezTo>
+                  <a:cubicBezTo>
+                    <a:pt x="2080" y="158"/>
+                    <a:pt x="1922" y="0"/>
+                    <a:pt x="1733" y="0"/>
+                  </a:cubicBezTo>
+                  <a:close/>
+                </a:path>
+              </a:pathLst>
+            </a:custGeom>
+            <a:solidFill>
+              <a:schemeClr val="dk2"/>
+            </a:solidFill>
+            <a:ln>
+              <a:solidFill>
+                <a:schemeClr val="bg1"/>
+              </a:solidFill>
+            </a:ln>
+          </p:spPr>
+          <p:txBody>
+            <a:bodyPr spcFirstLastPara="1" wrap="square" lIns="91425" tIns="91425" rIns="91425" bIns="91425" anchor="ctr" anchorCtr="0">
+              <a:noAutofit/>
+            </a:bodyPr>
+            <a:lstStyle/>
+            <a:p>
+              <a:pPr marL="0" lvl="0" indent="0" algn="l" rtl="0">
+                <a:spcBef>
+                  <a:spcPts val="0"/>
+                </a:spcBef>
+                <a:spcAft>
+                  <a:spcPts val="0"/>
+                </a:spcAft>
+                <a:buNone/>
+              </a:pPr>
+              <a:endParaRPr/>
+            </a:p>
+          </p:txBody>
+        </p:sp>
+        <p:sp>
+          <p:nvSpPr>
+            <p:cNvPr id="29" name="Google Shape;10228;p64">
+              <a:extLst>
+                <a:ext uri="{FF2B5EF4-FFF2-40B4-BE49-F238E27FC236}">
+                  <a16:creationId xmlns:a16="http://schemas.microsoft.com/office/drawing/2014/main" id="{015E6506-BEBC-4B8E-AE0B-CD4175E5C23F}"/>
+                </a:ext>
+              </a:extLst>
+            </p:cNvPr>
+            <p:cNvSpPr/>
+            <p:nvPr/>
+          </p:nvSpPr>
+          <p:spPr>
+            <a:xfrm>
+              <a:off x="-33999125" y="2088375"/>
+              <a:ext cx="34675" cy="17350"/>
+            </a:xfrm>
+            <a:custGeom>
+              <a:avLst/>
+              <a:gdLst/>
+              <a:ahLst/>
+              <a:cxnLst/>
+              <a:rect l="l" t="t" r="r" b="b"/>
+              <a:pathLst>
+                <a:path w="1387" h="694" extrusionOk="0">
+                  <a:moveTo>
+                    <a:pt x="347" y="1"/>
+                  </a:moveTo>
+                  <a:cubicBezTo>
+                    <a:pt x="158" y="1"/>
+                    <a:pt x="1" y="158"/>
+                    <a:pt x="1" y="347"/>
+                  </a:cubicBezTo>
+                  <a:cubicBezTo>
+                    <a:pt x="1" y="536"/>
+                    <a:pt x="158" y="694"/>
+                    <a:pt x="347" y="694"/>
+                  </a:cubicBezTo>
+                  <a:lnTo>
+                    <a:pt x="1041" y="694"/>
+                  </a:lnTo>
+                  <a:cubicBezTo>
+                    <a:pt x="1230" y="694"/>
+                    <a:pt x="1387" y="536"/>
+                    <a:pt x="1387" y="347"/>
+                  </a:cubicBezTo>
+                  <a:cubicBezTo>
+                    <a:pt x="1387" y="158"/>
+                    <a:pt x="1230" y="1"/>
+                    <a:pt x="1041" y="1"/>
+                  </a:cubicBezTo>
+                  <a:close/>
+                </a:path>
+              </a:pathLst>
+            </a:custGeom>
+            <a:solidFill>
+              <a:schemeClr val="dk2"/>
+            </a:solidFill>
+            <a:ln>
+              <a:solidFill>
+                <a:schemeClr val="bg1"/>
+              </a:solidFill>
+            </a:ln>
+          </p:spPr>
+          <p:txBody>
+            <a:bodyPr spcFirstLastPara="1" wrap="square" lIns="91425" tIns="91425" rIns="91425" bIns="91425" anchor="ctr" anchorCtr="0">
+              <a:noAutofit/>
+            </a:bodyPr>
+            <a:lstStyle/>
+            <a:p>
+              <a:pPr marL="0" lvl="0" indent="0" algn="l" rtl="0">
+                <a:spcBef>
+                  <a:spcPts val="0"/>
+                </a:spcBef>
+                <a:spcAft>
+                  <a:spcPts val="0"/>
+                </a:spcAft>
+                <a:buNone/>
+              </a:pPr>
+              <a:endParaRPr/>
+            </a:p>
+          </p:txBody>
+        </p:sp>
+      </p:grpSp>
+      <p:sp>
+        <p:nvSpPr>
+          <p:cNvPr id="32" name="Google Shape;11252;p67">
+            <a:extLst>
+              <a:ext uri="{FF2B5EF4-FFF2-40B4-BE49-F238E27FC236}">
+                <a16:creationId xmlns:a16="http://schemas.microsoft.com/office/drawing/2014/main" id="{AC704760-503A-97A8-259A-C591F1A2C495}"/>
+              </a:ext>
+            </a:extLst>
+          </p:cNvPr>
+          <p:cNvSpPr/>
+          <p:nvPr/>
+        </p:nvSpPr>
+        <p:spPr>
+          <a:xfrm>
+            <a:off x="1281059" y="3626832"/>
+            <a:ext cx="399175" cy="423069"/>
+          </a:xfrm>
+          <a:custGeom>
+            <a:avLst/>
+            <a:gdLst/>
+            <a:ahLst/>
+            <a:cxnLst/>
+            <a:rect l="l" t="t" r="r" b="b"/>
+            <a:pathLst>
+              <a:path w="11059" h="11721" extrusionOk="0">
+                <a:moveTo>
+                  <a:pt x="1418" y="693"/>
+                </a:moveTo>
+                <a:lnTo>
+                  <a:pt x="1418" y="1387"/>
+                </a:lnTo>
+                <a:lnTo>
+                  <a:pt x="725" y="1387"/>
+                </a:lnTo>
+                <a:lnTo>
+                  <a:pt x="725" y="693"/>
+                </a:lnTo>
+                <a:close/>
+                <a:moveTo>
+                  <a:pt x="9011" y="693"/>
+                </a:moveTo>
+                <a:lnTo>
+                  <a:pt x="9011" y="1387"/>
+                </a:lnTo>
+                <a:lnTo>
+                  <a:pt x="8349" y="1387"/>
+                </a:lnTo>
+                <a:lnTo>
+                  <a:pt x="8349" y="693"/>
+                </a:lnTo>
+                <a:close/>
+                <a:moveTo>
+                  <a:pt x="7656" y="1324"/>
+                </a:moveTo>
+                <a:lnTo>
+                  <a:pt x="7656" y="1670"/>
+                </a:lnTo>
+                <a:cubicBezTo>
+                  <a:pt x="7656" y="1891"/>
+                  <a:pt x="7813" y="2048"/>
+                  <a:pt x="8034" y="2048"/>
+                </a:cubicBezTo>
+                <a:lnTo>
+                  <a:pt x="8381" y="2048"/>
+                </a:lnTo>
+                <a:lnTo>
+                  <a:pt x="8381" y="4222"/>
+                </a:lnTo>
+                <a:cubicBezTo>
+                  <a:pt x="8255" y="4253"/>
+                  <a:pt x="8160" y="4316"/>
+                  <a:pt x="8034" y="4411"/>
+                </a:cubicBezTo>
+                <a:cubicBezTo>
+                  <a:pt x="7845" y="4243"/>
+                  <a:pt x="7614" y="4159"/>
+                  <a:pt x="7369" y="4159"/>
+                </a:cubicBezTo>
+                <a:cubicBezTo>
+                  <a:pt x="7246" y="4159"/>
+                  <a:pt x="7120" y="4180"/>
+                  <a:pt x="6994" y="4222"/>
+                </a:cubicBezTo>
+                <a:lnTo>
+                  <a:pt x="6994" y="3088"/>
+                </a:lnTo>
+                <a:cubicBezTo>
+                  <a:pt x="6994" y="2552"/>
+                  <a:pt x="6522" y="2080"/>
+                  <a:pt x="5986" y="2080"/>
+                </a:cubicBezTo>
+                <a:cubicBezTo>
+                  <a:pt x="5419" y="2080"/>
+                  <a:pt x="4947" y="2552"/>
+                  <a:pt x="4947" y="3088"/>
+                </a:cubicBezTo>
+                <a:lnTo>
+                  <a:pt x="4947" y="6459"/>
+                </a:lnTo>
+                <a:lnTo>
+                  <a:pt x="4789" y="6301"/>
+                </a:lnTo>
+                <a:cubicBezTo>
+                  <a:pt x="4600" y="6097"/>
+                  <a:pt x="4340" y="5994"/>
+                  <a:pt x="4076" y="5994"/>
+                </a:cubicBezTo>
+                <a:cubicBezTo>
+                  <a:pt x="3812" y="5994"/>
+                  <a:pt x="3545" y="6097"/>
+                  <a:pt x="3340" y="6301"/>
+                </a:cubicBezTo>
+                <a:cubicBezTo>
+                  <a:pt x="2962" y="6679"/>
+                  <a:pt x="2962" y="7341"/>
+                  <a:pt x="3340" y="7751"/>
+                </a:cubicBezTo>
+                <a:lnTo>
+                  <a:pt x="3812" y="8223"/>
+                </a:lnTo>
+                <a:lnTo>
+                  <a:pt x="2111" y="8223"/>
+                </a:lnTo>
+                <a:lnTo>
+                  <a:pt x="2111" y="7908"/>
+                </a:lnTo>
+                <a:cubicBezTo>
+                  <a:pt x="2111" y="7719"/>
+                  <a:pt x="1954" y="7561"/>
+                  <a:pt x="1765" y="7561"/>
+                </a:cubicBezTo>
+                <a:lnTo>
+                  <a:pt x="1418" y="7561"/>
+                </a:lnTo>
+                <a:lnTo>
+                  <a:pt x="1418" y="2048"/>
+                </a:lnTo>
+                <a:lnTo>
+                  <a:pt x="1765" y="2048"/>
+                </a:lnTo>
+                <a:cubicBezTo>
+                  <a:pt x="1954" y="2048"/>
+                  <a:pt x="2111" y="1891"/>
+                  <a:pt x="2111" y="1670"/>
+                </a:cubicBezTo>
+                <a:lnTo>
+                  <a:pt x="2111" y="1324"/>
+                </a:lnTo>
+                <a:close/>
+                <a:moveTo>
+                  <a:pt x="1418" y="8255"/>
+                </a:moveTo>
+                <a:lnTo>
+                  <a:pt x="1418" y="8948"/>
+                </a:lnTo>
+                <a:lnTo>
+                  <a:pt x="725" y="8948"/>
+                </a:lnTo>
+                <a:lnTo>
+                  <a:pt x="725" y="8255"/>
+                </a:lnTo>
+                <a:close/>
+                <a:moveTo>
+                  <a:pt x="5955" y="2836"/>
+                </a:moveTo>
+                <a:cubicBezTo>
+                  <a:pt x="6144" y="2836"/>
+                  <a:pt x="6301" y="2993"/>
+                  <a:pt x="6301" y="3182"/>
+                </a:cubicBezTo>
+                <a:lnTo>
+                  <a:pt x="6301" y="6616"/>
+                </a:lnTo>
+                <a:cubicBezTo>
+                  <a:pt x="6301" y="6805"/>
+                  <a:pt x="6459" y="6963"/>
+                  <a:pt x="6648" y="6963"/>
+                </a:cubicBezTo>
+                <a:cubicBezTo>
+                  <a:pt x="6837" y="6963"/>
+                  <a:pt x="6994" y="6805"/>
+                  <a:pt x="6994" y="6616"/>
+                </a:cubicBezTo>
+                <a:lnTo>
+                  <a:pt x="6994" y="5230"/>
+                </a:lnTo>
+                <a:cubicBezTo>
+                  <a:pt x="6994" y="5041"/>
+                  <a:pt x="7152" y="4884"/>
+                  <a:pt x="7372" y="4884"/>
+                </a:cubicBezTo>
+                <a:cubicBezTo>
+                  <a:pt x="7561" y="4884"/>
+                  <a:pt x="7719" y="5041"/>
+                  <a:pt x="7719" y="5230"/>
+                </a:cubicBezTo>
+                <a:lnTo>
+                  <a:pt x="7719" y="6616"/>
+                </a:lnTo>
+                <a:cubicBezTo>
+                  <a:pt x="7719" y="6805"/>
+                  <a:pt x="7876" y="6963"/>
+                  <a:pt x="8066" y="6963"/>
+                </a:cubicBezTo>
+                <a:cubicBezTo>
+                  <a:pt x="8255" y="6963"/>
+                  <a:pt x="8412" y="6805"/>
+                  <a:pt x="8412" y="6616"/>
+                </a:cubicBezTo>
+                <a:lnTo>
+                  <a:pt x="8412" y="5230"/>
+                </a:lnTo>
+                <a:cubicBezTo>
+                  <a:pt x="8412" y="5041"/>
+                  <a:pt x="8570" y="4884"/>
+                  <a:pt x="8790" y="4884"/>
+                </a:cubicBezTo>
+                <a:cubicBezTo>
+                  <a:pt x="8979" y="4884"/>
+                  <a:pt x="9137" y="5041"/>
+                  <a:pt x="9137" y="5230"/>
+                </a:cubicBezTo>
+                <a:lnTo>
+                  <a:pt x="9137" y="6616"/>
+                </a:lnTo>
+                <a:cubicBezTo>
+                  <a:pt x="9137" y="6805"/>
+                  <a:pt x="9294" y="6963"/>
+                  <a:pt x="9483" y="6963"/>
+                </a:cubicBezTo>
+                <a:cubicBezTo>
+                  <a:pt x="9672" y="6963"/>
+                  <a:pt x="9830" y="6805"/>
+                  <a:pt x="9830" y="6616"/>
+                </a:cubicBezTo>
+                <a:lnTo>
+                  <a:pt x="9830" y="5955"/>
+                </a:lnTo>
+                <a:cubicBezTo>
+                  <a:pt x="9704" y="5703"/>
+                  <a:pt x="9861" y="5545"/>
+                  <a:pt x="10019" y="5545"/>
+                </a:cubicBezTo>
+                <a:cubicBezTo>
+                  <a:pt x="10239" y="5545"/>
+                  <a:pt x="10397" y="5703"/>
+                  <a:pt x="10397" y="5892"/>
+                </a:cubicBezTo>
+                <a:lnTo>
+                  <a:pt x="10397" y="7057"/>
+                </a:lnTo>
+                <a:cubicBezTo>
+                  <a:pt x="10397" y="8003"/>
+                  <a:pt x="10176" y="8885"/>
+                  <a:pt x="9830" y="9672"/>
+                </a:cubicBezTo>
+                <a:lnTo>
+                  <a:pt x="6144" y="9672"/>
+                </a:lnTo>
+                <a:lnTo>
+                  <a:pt x="3812" y="7372"/>
+                </a:lnTo>
+                <a:cubicBezTo>
+                  <a:pt x="3686" y="7246"/>
+                  <a:pt x="3686" y="6994"/>
+                  <a:pt x="3812" y="6900"/>
+                </a:cubicBezTo>
+                <a:cubicBezTo>
+                  <a:pt x="3875" y="6837"/>
+                  <a:pt x="3962" y="6805"/>
+                  <a:pt x="4049" y="6805"/>
+                </a:cubicBezTo>
+                <a:cubicBezTo>
+                  <a:pt x="4135" y="6805"/>
+                  <a:pt x="4222" y="6837"/>
+                  <a:pt x="4285" y="6900"/>
+                </a:cubicBezTo>
+                <a:lnTo>
+                  <a:pt x="5010" y="7593"/>
+                </a:lnTo>
+                <a:cubicBezTo>
+                  <a:pt x="5075" y="7659"/>
+                  <a:pt x="5163" y="7690"/>
+                  <a:pt x="5251" y="7690"/>
+                </a:cubicBezTo>
+                <a:cubicBezTo>
+                  <a:pt x="5415" y="7690"/>
+                  <a:pt x="5577" y="7578"/>
+                  <a:pt x="5577" y="7372"/>
+                </a:cubicBezTo>
+                <a:lnTo>
+                  <a:pt x="5577" y="3182"/>
+                </a:lnTo>
+                <a:cubicBezTo>
+                  <a:pt x="5577" y="2993"/>
+                  <a:pt x="5734" y="2836"/>
+                  <a:pt x="5955" y="2836"/>
+                </a:cubicBezTo>
+                <a:close/>
+                <a:moveTo>
+                  <a:pt x="9672" y="10302"/>
+                </a:moveTo>
+                <a:lnTo>
+                  <a:pt x="9672" y="10680"/>
+                </a:lnTo>
+                <a:cubicBezTo>
+                  <a:pt x="9704" y="10869"/>
+                  <a:pt x="9546" y="11027"/>
+                  <a:pt x="9357" y="11027"/>
+                </a:cubicBezTo>
+                <a:lnTo>
+                  <a:pt x="6616" y="11027"/>
+                </a:lnTo>
+                <a:cubicBezTo>
+                  <a:pt x="6396" y="11027"/>
+                  <a:pt x="6238" y="10869"/>
+                  <a:pt x="6238" y="10680"/>
+                </a:cubicBezTo>
+                <a:lnTo>
+                  <a:pt x="6238" y="10302"/>
+                </a:lnTo>
+                <a:close/>
+                <a:moveTo>
+                  <a:pt x="347" y="0"/>
+                </a:moveTo>
+                <a:cubicBezTo>
+                  <a:pt x="158" y="0"/>
+                  <a:pt x="0" y="158"/>
+                  <a:pt x="0" y="347"/>
+                </a:cubicBezTo>
+                <a:lnTo>
+                  <a:pt x="0" y="1733"/>
+                </a:lnTo>
+                <a:cubicBezTo>
+                  <a:pt x="0" y="1922"/>
+                  <a:pt x="158" y="2080"/>
+                  <a:pt x="347" y="2080"/>
+                </a:cubicBezTo>
+                <a:lnTo>
+                  <a:pt x="693" y="2080"/>
+                </a:lnTo>
+                <a:lnTo>
+                  <a:pt x="693" y="7593"/>
+                </a:lnTo>
+                <a:lnTo>
+                  <a:pt x="347" y="7593"/>
+                </a:lnTo>
+                <a:cubicBezTo>
+                  <a:pt x="158" y="7593"/>
+                  <a:pt x="0" y="7751"/>
+                  <a:pt x="0" y="7940"/>
+                </a:cubicBezTo>
+                <a:lnTo>
+                  <a:pt x="0" y="9326"/>
+                </a:lnTo>
+                <a:cubicBezTo>
+                  <a:pt x="0" y="9515"/>
+                  <a:pt x="158" y="9672"/>
+                  <a:pt x="347" y="9672"/>
+                </a:cubicBezTo>
+                <a:lnTo>
+                  <a:pt x="1733" y="9672"/>
+                </a:lnTo>
+                <a:cubicBezTo>
+                  <a:pt x="1922" y="9672"/>
+                  <a:pt x="2080" y="9515"/>
+                  <a:pt x="2080" y="9326"/>
+                </a:cubicBezTo>
+                <a:lnTo>
+                  <a:pt x="2080" y="8979"/>
+                </a:lnTo>
+                <a:lnTo>
+                  <a:pt x="4442" y="8979"/>
+                </a:lnTo>
+                <a:lnTo>
+                  <a:pt x="5577" y="10113"/>
+                </a:lnTo>
+                <a:lnTo>
+                  <a:pt x="5577" y="10712"/>
+                </a:lnTo>
+                <a:cubicBezTo>
+                  <a:pt x="5577" y="11248"/>
+                  <a:pt x="6049" y="11720"/>
+                  <a:pt x="6616" y="11720"/>
+                </a:cubicBezTo>
+                <a:lnTo>
+                  <a:pt x="9357" y="11720"/>
+                </a:lnTo>
+                <a:cubicBezTo>
+                  <a:pt x="9924" y="11720"/>
+                  <a:pt x="10397" y="11248"/>
+                  <a:pt x="10397" y="10712"/>
+                </a:cubicBezTo>
+                <a:lnTo>
+                  <a:pt x="10397" y="10113"/>
+                </a:lnTo>
+                <a:cubicBezTo>
+                  <a:pt x="10806" y="9200"/>
+                  <a:pt x="11058" y="8160"/>
+                  <a:pt x="11058" y="7026"/>
+                </a:cubicBezTo>
+                <a:lnTo>
+                  <a:pt x="11058" y="5892"/>
+                </a:lnTo>
+                <a:cubicBezTo>
+                  <a:pt x="11058" y="5325"/>
+                  <a:pt x="10617" y="4884"/>
+                  <a:pt x="10019" y="4884"/>
+                </a:cubicBezTo>
+                <a:cubicBezTo>
+                  <a:pt x="9924" y="4884"/>
+                  <a:pt x="9767" y="4915"/>
+                  <a:pt x="9641" y="4947"/>
+                </a:cubicBezTo>
+                <a:cubicBezTo>
+                  <a:pt x="9546" y="4632"/>
+                  <a:pt x="9326" y="4379"/>
+                  <a:pt x="9011" y="4253"/>
+                </a:cubicBezTo>
+                <a:lnTo>
+                  <a:pt x="9011" y="2080"/>
+                </a:lnTo>
+                <a:lnTo>
+                  <a:pt x="9357" y="2080"/>
+                </a:lnTo>
+                <a:cubicBezTo>
+                  <a:pt x="9546" y="2080"/>
+                  <a:pt x="9735" y="1922"/>
+                  <a:pt x="9735" y="1733"/>
+                </a:cubicBezTo>
+                <a:lnTo>
+                  <a:pt x="9735" y="347"/>
+                </a:lnTo>
+                <a:cubicBezTo>
+                  <a:pt x="9735" y="158"/>
+                  <a:pt x="9546" y="0"/>
+                  <a:pt x="9357" y="0"/>
+                </a:cubicBezTo>
+                <a:lnTo>
+                  <a:pt x="7971" y="0"/>
+                </a:lnTo>
+                <a:cubicBezTo>
+                  <a:pt x="7782" y="0"/>
+                  <a:pt x="7624" y="158"/>
+                  <a:pt x="7624" y="347"/>
+                </a:cubicBezTo>
+                <a:lnTo>
+                  <a:pt x="7624" y="693"/>
+                </a:lnTo>
+                <a:lnTo>
+                  <a:pt x="2080" y="693"/>
+                </a:lnTo>
+                <a:lnTo>
+                  <a:pt x="2080" y="347"/>
+                </a:lnTo>
+                <a:cubicBezTo>
+                  <a:pt x="2080" y="158"/>
+                  <a:pt x="1922" y="0"/>
+                  <a:pt x="1733" y="0"/>
+                </a:cubicBezTo>
+                <a:close/>
+              </a:path>
+            </a:pathLst>
+          </a:custGeom>
+          <a:solidFill>
+            <a:schemeClr val="dk2"/>
+          </a:solidFill>
+          <a:ln>
+            <a:solidFill>
+              <a:srgbClr val="00CADA"/>
+            </a:solidFill>
+          </a:ln>
+        </p:spPr>
+        <p:txBody>
+          <a:bodyPr spcFirstLastPara="1" wrap="square" lIns="91425" tIns="91425" rIns="91425" bIns="91425" anchor="ctr" anchorCtr="0">
+            <a:noAutofit/>
+          </a:bodyPr>
+          <a:lstStyle/>
+          <a:p>
+            <a:pPr marL="0" lvl="0" indent="0" algn="l" rtl="0">
+              <a:spcBef>
+                <a:spcPts val="0"/>
+              </a:spcBef>
+              <a:spcAft>
+                <a:spcPts val="0"/>
+              </a:spcAft>
+              <a:buNone/>
+            </a:pPr>
+            <a:endParaRPr dirty="0"/>
+          </a:p>
+        </p:txBody>
+      </p:sp>
     </p:spTree>
     <p:extLst>
       <p:ext uri="{BB962C8B-B14F-4D97-AF65-F5344CB8AC3E}">
@@ -31140,6 +34406,238 @@
   <p:clrMapOvr>
     <a:masterClrMapping/>
   </p:clrMapOvr>
+  <p:timing>
+    <p:tnLst>
+      <p:par>
+        <p:cTn id="1" dur="indefinite" restart="never" nodeType="tmRoot">
+          <p:childTnLst>
+            <p:seq concurrent="1" nextAc="seek">
+              <p:cTn id="2" dur="indefinite" nodeType="mainSeq">
+                <p:childTnLst>
+                  <p:par>
+                    <p:cTn id="3" fill="hold">
+                      <p:stCondLst>
+                        <p:cond delay="indefinite"/>
+                        <p:cond evt="onBegin" delay="0">
+                          <p:tn val="2"/>
+                        </p:cond>
+                      </p:stCondLst>
+                      <p:childTnLst>
+                        <p:par>
+                          <p:cTn id="4" fill="hold">
+                            <p:stCondLst>
+                              <p:cond delay="0"/>
+                            </p:stCondLst>
+                            <p:childTnLst>
+                              <p:par>
+                                <p:cTn id="5" presetID="10" presetClass="entr" presetSubtype="0" fill="hold" nodeType="withEffect">
+                                  <p:stCondLst>
+                                    <p:cond delay="0"/>
+                                  </p:stCondLst>
+                                  <p:childTnLst>
+                                    <p:set>
+                                      <p:cBhvr>
+                                        <p:cTn id="6" dur="1" fill="hold">
+                                          <p:stCondLst>
+                                            <p:cond delay="0"/>
+                                          </p:stCondLst>
+                                        </p:cTn>
+                                        <p:tgtEl>
+                                          <p:spTgt spid="55"/>
+                                        </p:tgtEl>
+                                        <p:attrNameLst>
+                                          <p:attrName>style.visibility</p:attrName>
+                                        </p:attrNameLst>
+                                      </p:cBhvr>
+                                      <p:to>
+                                        <p:strVal val="visible"/>
+                                      </p:to>
+                                    </p:set>
+                                    <p:animEffect transition="in" filter="fade">
+                                      <p:cBhvr>
+                                        <p:cTn id="7" dur="750"/>
+                                        <p:tgtEl>
+                                          <p:spTgt spid="55"/>
+                                        </p:tgtEl>
+                                      </p:cBhvr>
+                                    </p:animEffect>
+                                  </p:childTnLst>
+                                </p:cTn>
+                              </p:par>
+                              <p:par>
+                                <p:cTn id="8" presetID="10" presetClass="entr" presetSubtype="0" fill="hold" grpId="0" nodeType="withEffect">
+                                  <p:stCondLst>
+                                    <p:cond delay="0"/>
+                                  </p:stCondLst>
+                                  <p:childTnLst>
+                                    <p:set>
+                                      <p:cBhvr>
+                                        <p:cTn id="9" dur="1" fill="hold">
+                                          <p:stCondLst>
+                                            <p:cond delay="0"/>
+                                          </p:stCondLst>
+                                        </p:cTn>
+                                        <p:tgtEl>
+                                          <p:spTgt spid="56"/>
+                                        </p:tgtEl>
+                                        <p:attrNameLst>
+                                          <p:attrName>style.visibility</p:attrName>
+                                        </p:attrNameLst>
+                                      </p:cBhvr>
+                                      <p:to>
+                                        <p:strVal val="visible"/>
+                                      </p:to>
+                                    </p:set>
+                                    <p:animEffect transition="in" filter="fade">
+                                      <p:cBhvr>
+                                        <p:cTn id="10" dur="750"/>
+                                        <p:tgtEl>
+                                          <p:spTgt spid="56"/>
+                                        </p:tgtEl>
+                                      </p:cBhvr>
+                                    </p:animEffect>
+                                  </p:childTnLst>
+                                </p:cTn>
+                              </p:par>
+                              <p:par>
+                                <p:cTn id="11" presetID="10" presetClass="entr" presetSubtype="0" fill="hold" grpId="0" nodeType="withEffect">
+                                  <p:stCondLst>
+                                    <p:cond delay="0"/>
+                                  </p:stCondLst>
+                                  <p:childTnLst>
+                                    <p:set>
+                                      <p:cBhvr>
+                                        <p:cTn id="12" dur="1" fill="hold">
+                                          <p:stCondLst>
+                                            <p:cond delay="0"/>
+                                          </p:stCondLst>
+                                        </p:cTn>
+                                        <p:tgtEl>
+                                          <p:spTgt spid="57"/>
+                                        </p:tgtEl>
+                                        <p:attrNameLst>
+                                          <p:attrName>style.visibility</p:attrName>
+                                        </p:attrNameLst>
+                                      </p:cBhvr>
+                                      <p:to>
+                                        <p:strVal val="visible"/>
+                                      </p:to>
+                                    </p:set>
+                                    <p:animEffect transition="in" filter="fade">
+                                      <p:cBhvr>
+                                        <p:cTn id="13" dur="750"/>
+                                        <p:tgtEl>
+                                          <p:spTgt spid="57"/>
+                                        </p:tgtEl>
+                                      </p:cBhvr>
+                                    </p:animEffect>
+                                  </p:childTnLst>
+                                </p:cTn>
+                              </p:par>
+                              <p:par>
+                                <p:cTn id="14" presetID="10" presetClass="entr" presetSubtype="0" fill="hold" grpId="0" nodeType="withEffect">
+                                  <p:stCondLst>
+                                    <p:cond delay="0"/>
+                                  </p:stCondLst>
+                                  <p:childTnLst>
+                                    <p:set>
+                                      <p:cBhvr>
+                                        <p:cTn id="15" dur="1" fill="hold">
+                                          <p:stCondLst>
+                                            <p:cond delay="0"/>
+                                          </p:stCondLst>
+                                        </p:cTn>
+                                        <p:tgtEl>
+                                          <p:spTgt spid="58"/>
+                                        </p:tgtEl>
+                                        <p:attrNameLst>
+                                          <p:attrName>style.visibility</p:attrName>
+                                        </p:attrNameLst>
+                                      </p:cBhvr>
+                                      <p:to>
+                                        <p:strVal val="visible"/>
+                                      </p:to>
+                                    </p:set>
+                                    <p:animEffect transition="in" filter="fade">
+                                      <p:cBhvr>
+                                        <p:cTn id="16" dur="750"/>
+                                        <p:tgtEl>
+                                          <p:spTgt spid="58"/>
+                                        </p:tgtEl>
+                                      </p:cBhvr>
+                                    </p:animEffect>
+                                  </p:childTnLst>
+                                </p:cTn>
+                              </p:par>
+                              <p:par>
+                                <p:cTn id="17" presetID="10" presetClass="entr" presetSubtype="0" fill="hold" grpId="0" nodeType="withEffect">
+                                  <p:stCondLst>
+                                    <p:cond delay="0"/>
+                                  </p:stCondLst>
+                                  <p:childTnLst>
+                                    <p:set>
+                                      <p:cBhvr>
+                                        <p:cTn id="18" dur="1" fill="hold">
+                                          <p:stCondLst>
+                                            <p:cond delay="0"/>
+                                          </p:stCondLst>
+                                        </p:cTn>
+                                        <p:tgtEl>
+                                          <p:spTgt spid="59"/>
+                                        </p:tgtEl>
+                                        <p:attrNameLst>
+                                          <p:attrName>style.visibility</p:attrName>
+                                        </p:attrNameLst>
+                                      </p:cBhvr>
+                                      <p:to>
+                                        <p:strVal val="visible"/>
+                                      </p:to>
+                                    </p:set>
+                                    <p:animEffect transition="in" filter="fade">
+                                      <p:cBhvr>
+                                        <p:cTn id="19" dur="750"/>
+                                        <p:tgtEl>
+                                          <p:spTgt spid="59"/>
+                                        </p:tgtEl>
+                                      </p:cBhvr>
+                                    </p:animEffect>
+                                  </p:childTnLst>
+                                </p:cTn>
+                              </p:par>
+                            </p:childTnLst>
+                          </p:cTn>
+                        </p:par>
+                      </p:childTnLst>
+                    </p:cTn>
+                  </p:par>
+                </p:childTnLst>
+              </p:cTn>
+              <p:prevCondLst>
+                <p:cond evt="onPrev" delay="0">
+                  <p:tgtEl>
+                    <p:sldTgt/>
+                  </p:tgtEl>
+                </p:cond>
+              </p:prevCondLst>
+              <p:nextCondLst>
+                <p:cond evt="onNext" delay="0">
+                  <p:tgtEl>
+                    <p:sldTgt/>
+                  </p:tgtEl>
+                </p:cond>
+              </p:nextCondLst>
+            </p:seq>
+          </p:childTnLst>
+        </p:cTn>
+      </p:par>
+    </p:tnLst>
+    <p:bldLst>
+      <p:bldP spid="56" grpId="0"/>
+      <p:bldP spid="57" grpId="0"/>
+      <p:bldP spid="58" grpId="0"/>
+      <p:bldP spid="59" grpId="0"/>
+    </p:bldLst>
+  </p:timing>
 </p:sld>
 </file>
 
@@ -37796,6 +41294,2481 @@
   <p:clrMapOvr>
     <a:masterClrMapping/>
   </p:clrMapOvr>
+  <p:timing>
+    <p:tnLst>
+      <p:par>
+        <p:cTn id="1" dur="indefinite" restart="never" nodeType="tmRoot">
+          <p:childTnLst>
+            <p:seq concurrent="1" nextAc="seek">
+              <p:cTn id="2" dur="indefinite" nodeType="mainSeq">
+                <p:childTnLst>
+                  <p:par>
+                    <p:cTn id="3" fill="hold">
+                      <p:stCondLst>
+                        <p:cond delay="indefinite"/>
+                        <p:cond evt="onBegin" delay="0">
+                          <p:tn val="2"/>
+                        </p:cond>
+                      </p:stCondLst>
+                      <p:childTnLst>
+                        <p:par>
+                          <p:cTn id="4" fill="hold">
+                            <p:stCondLst>
+                              <p:cond delay="0"/>
+                            </p:stCondLst>
+                            <p:childTnLst>
+                              <p:par>
+                                <p:cTn id="5" presetID="2" presetClass="entr" presetSubtype="8" fill="hold" grpId="0" nodeType="withEffect">
+                                  <p:stCondLst>
+                                    <p:cond delay="0"/>
+                                  </p:stCondLst>
+                                  <p:childTnLst>
+                                    <p:set>
+                                      <p:cBhvr>
+                                        <p:cTn id="6" dur="1" fill="hold">
+                                          <p:stCondLst>
+                                            <p:cond delay="0"/>
+                                          </p:stCondLst>
+                                        </p:cTn>
+                                        <p:tgtEl>
+                                          <p:spTgt spid="1042"/>
+                                        </p:tgtEl>
+                                        <p:attrNameLst>
+                                          <p:attrName>style.visibility</p:attrName>
+                                        </p:attrNameLst>
+                                      </p:cBhvr>
+                                      <p:to>
+                                        <p:strVal val="visible"/>
+                                      </p:to>
+                                    </p:set>
+                                    <p:anim calcmode="lin" valueType="num">
+                                      <p:cBhvr additive="base">
+                                        <p:cTn id="7" dur="750" fill="hold"/>
+                                        <p:tgtEl>
+                                          <p:spTgt spid="1042"/>
+                                        </p:tgtEl>
+                                        <p:attrNameLst>
+                                          <p:attrName>ppt_x</p:attrName>
+                                        </p:attrNameLst>
+                                      </p:cBhvr>
+                                      <p:tavLst>
+                                        <p:tav tm="0">
+                                          <p:val>
+                                            <p:strVal val="0-#ppt_w/2"/>
+                                          </p:val>
+                                        </p:tav>
+                                        <p:tav tm="100000">
+                                          <p:val>
+                                            <p:strVal val="#ppt_x"/>
+                                          </p:val>
+                                        </p:tav>
+                                      </p:tavLst>
+                                    </p:anim>
+                                    <p:anim calcmode="lin" valueType="num">
+                                      <p:cBhvr additive="base">
+                                        <p:cTn id="8" dur="750" fill="hold"/>
+                                        <p:tgtEl>
+                                          <p:spTgt spid="1042"/>
+                                        </p:tgtEl>
+                                        <p:attrNameLst>
+                                          <p:attrName>ppt_y</p:attrName>
+                                        </p:attrNameLst>
+                                      </p:cBhvr>
+                                      <p:tavLst>
+                                        <p:tav tm="0">
+                                          <p:val>
+                                            <p:strVal val="#ppt_y"/>
+                                          </p:val>
+                                        </p:tav>
+                                        <p:tav tm="100000">
+                                          <p:val>
+                                            <p:strVal val="#ppt_y"/>
+                                          </p:val>
+                                        </p:tav>
+                                      </p:tavLst>
+                                    </p:anim>
+                                  </p:childTnLst>
+                                </p:cTn>
+                              </p:par>
+                              <p:par>
+                                <p:cTn id="9" presetID="2" presetClass="entr" presetSubtype="8" fill="hold" grpId="0" nodeType="withEffect">
+                                  <p:stCondLst>
+                                    <p:cond delay="0"/>
+                                  </p:stCondLst>
+                                  <p:childTnLst>
+                                    <p:set>
+                                      <p:cBhvr>
+                                        <p:cTn id="10" dur="1" fill="hold">
+                                          <p:stCondLst>
+                                            <p:cond delay="0"/>
+                                          </p:stCondLst>
+                                        </p:cTn>
+                                        <p:tgtEl>
+                                          <p:spTgt spid="1043"/>
+                                        </p:tgtEl>
+                                        <p:attrNameLst>
+                                          <p:attrName>style.visibility</p:attrName>
+                                        </p:attrNameLst>
+                                      </p:cBhvr>
+                                      <p:to>
+                                        <p:strVal val="visible"/>
+                                      </p:to>
+                                    </p:set>
+                                    <p:anim calcmode="lin" valueType="num">
+                                      <p:cBhvr additive="base">
+                                        <p:cTn id="11" dur="750" fill="hold"/>
+                                        <p:tgtEl>
+                                          <p:spTgt spid="1043"/>
+                                        </p:tgtEl>
+                                        <p:attrNameLst>
+                                          <p:attrName>ppt_x</p:attrName>
+                                        </p:attrNameLst>
+                                      </p:cBhvr>
+                                      <p:tavLst>
+                                        <p:tav tm="0">
+                                          <p:val>
+                                            <p:strVal val="0-#ppt_w/2"/>
+                                          </p:val>
+                                        </p:tav>
+                                        <p:tav tm="100000">
+                                          <p:val>
+                                            <p:strVal val="#ppt_x"/>
+                                          </p:val>
+                                        </p:tav>
+                                      </p:tavLst>
+                                    </p:anim>
+                                    <p:anim calcmode="lin" valueType="num">
+                                      <p:cBhvr additive="base">
+                                        <p:cTn id="12" dur="750" fill="hold"/>
+                                        <p:tgtEl>
+                                          <p:spTgt spid="1043"/>
+                                        </p:tgtEl>
+                                        <p:attrNameLst>
+                                          <p:attrName>ppt_y</p:attrName>
+                                        </p:attrNameLst>
+                                      </p:cBhvr>
+                                      <p:tavLst>
+                                        <p:tav tm="0">
+                                          <p:val>
+                                            <p:strVal val="#ppt_y"/>
+                                          </p:val>
+                                        </p:tav>
+                                        <p:tav tm="100000">
+                                          <p:val>
+                                            <p:strVal val="#ppt_y"/>
+                                          </p:val>
+                                        </p:tav>
+                                      </p:tavLst>
+                                    </p:anim>
+                                  </p:childTnLst>
+                                </p:cTn>
+                              </p:par>
+                              <p:par>
+                                <p:cTn id="13" presetID="2" presetClass="entr" presetSubtype="8" fill="hold" grpId="0" nodeType="withEffect">
+                                  <p:stCondLst>
+                                    <p:cond delay="0"/>
+                                  </p:stCondLst>
+                                  <p:childTnLst>
+                                    <p:set>
+                                      <p:cBhvr>
+                                        <p:cTn id="14" dur="1" fill="hold">
+                                          <p:stCondLst>
+                                            <p:cond delay="0"/>
+                                          </p:stCondLst>
+                                        </p:cTn>
+                                        <p:tgtEl>
+                                          <p:spTgt spid="1044"/>
+                                        </p:tgtEl>
+                                        <p:attrNameLst>
+                                          <p:attrName>style.visibility</p:attrName>
+                                        </p:attrNameLst>
+                                      </p:cBhvr>
+                                      <p:to>
+                                        <p:strVal val="visible"/>
+                                      </p:to>
+                                    </p:set>
+                                    <p:anim calcmode="lin" valueType="num">
+                                      <p:cBhvr additive="base">
+                                        <p:cTn id="15" dur="750" fill="hold"/>
+                                        <p:tgtEl>
+                                          <p:spTgt spid="1044"/>
+                                        </p:tgtEl>
+                                        <p:attrNameLst>
+                                          <p:attrName>ppt_x</p:attrName>
+                                        </p:attrNameLst>
+                                      </p:cBhvr>
+                                      <p:tavLst>
+                                        <p:tav tm="0">
+                                          <p:val>
+                                            <p:strVal val="0-#ppt_w/2"/>
+                                          </p:val>
+                                        </p:tav>
+                                        <p:tav tm="100000">
+                                          <p:val>
+                                            <p:strVal val="#ppt_x"/>
+                                          </p:val>
+                                        </p:tav>
+                                      </p:tavLst>
+                                    </p:anim>
+                                    <p:anim calcmode="lin" valueType="num">
+                                      <p:cBhvr additive="base">
+                                        <p:cTn id="16" dur="750" fill="hold"/>
+                                        <p:tgtEl>
+                                          <p:spTgt spid="1044"/>
+                                        </p:tgtEl>
+                                        <p:attrNameLst>
+                                          <p:attrName>ppt_y</p:attrName>
+                                        </p:attrNameLst>
+                                      </p:cBhvr>
+                                      <p:tavLst>
+                                        <p:tav tm="0">
+                                          <p:val>
+                                            <p:strVal val="#ppt_y"/>
+                                          </p:val>
+                                        </p:tav>
+                                        <p:tav tm="100000">
+                                          <p:val>
+                                            <p:strVal val="#ppt_y"/>
+                                          </p:val>
+                                        </p:tav>
+                                      </p:tavLst>
+                                    </p:anim>
+                                  </p:childTnLst>
+                                </p:cTn>
+                              </p:par>
+                              <p:par>
+                                <p:cTn id="17" presetID="2" presetClass="entr" presetSubtype="8" fill="hold" grpId="0" nodeType="withEffect">
+                                  <p:stCondLst>
+                                    <p:cond delay="0"/>
+                                  </p:stCondLst>
+                                  <p:childTnLst>
+                                    <p:set>
+                                      <p:cBhvr>
+                                        <p:cTn id="18" dur="1" fill="hold">
+                                          <p:stCondLst>
+                                            <p:cond delay="0"/>
+                                          </p:stCondLst>
+                                        </p:cTn>
+                                        <p:tgtEl>
+                                          <p:spTgt spid="1045"/>
+                                        </p:tgtEl>
+                                        <p:attrNameLst>
+                                          <p:attrName>style.visibility</p:attrName>
+                                        </p:attrNameLst>
+                                      </p:cBhvr>
+                                      <p:to>
+                                        <p:strVal val="visible"/>
+                                      </p:to>
+                                    </p:set>
+                                    <p:anim calcmode="lin" valueType="num">
+                                      <p:cBhvr additive="base">
+                                        <p:cTn id="19" dur="750" fill="hold"/>
+                                        <p:tgtEl>
+                                          <p:spTgt spid="1045"/>
+                                        </p:tgtEl>
+                                        <p:attrNameLst>
+                                          <p:attrName>ppt_x</p:attrName>
+                                        </p:attrNameLst>
+                                      </p:cBhvr>
+                                      <p:tavLst>
+                                        <p:tav tm="0">
+                                          <p:val>
+                                            <p:strVal val="0-#ppt_w/2"/>
+                                          </p:val>
+                                        </p:tav>
+                                        <p:tav tm="100000">
+                                          <p:val>
+                                            <p:strVal val="#ppt_x"/>
+                                          </p:val>
+                                        </p:tav>
+                                      </p:tavLst>
+                                    </p:anim>
+                                    <p:anim calcmode="lin" valueType="num">
+                                      <p:cBhvr additive="base">
+                                        <p:cTn id="20" dur="750" fill="hold"/>
+                                        <p:tgtEl>
+                                          <p:spTgt spid="1045"/>
+                                        </p:tgtEl>
+                                        <p:attrNameLst>
+                                          <p:attrName>ppt_y</p:attrName>
+                                        </p:attrNameLst>
+                                      </p:cBhvr>
+                                      <p:tavLst>
+                                        <p:tav tm="0">
+                                          <p:val>
+                                            <p:strVal val="#ppt_y"/>
+                                          </p:val>
+                                        </p:tav>
+                                        <p:tav tm="100000">
+                                          <p:val>
+                                            <p:strVal val="#ppt_y"/>
+                                          </p:val>
+                                        </p:tav>
+                                      </p:tavLst>
+                                    </p:anim>
+                                  </p:childTnLst>
+                                </p:cTn>
+                              </p:par>
+                              <p:par>
+                                <p:cTn id="21" presetID="2" presetClass="entr" presetSubtype="8" fill="hold" grpId="0" nodeType="withEffect">
+                                  <p:stCondLst>
+                                    <p:cond delay="0"/>
+                                  </p:stCondLst>
+                                  <p:childTnLst>
+                                    <p:set>
+                                      <p:cBhvr>
+                                        <p:cTn id="22" dur="1" fill="hold">
+                                          <p:stCondLst>
+                                            <p:cond delay="0"/>
+                                          </p:stCondLst>
+                                        </p:cTn>
+                                        <p:tgtEl>
+                                          <p:spTgt spid="1046"/>
+                                        </p:tgtEl>
+                                        <p:attrNameLst>
+                                          <p:attrName>style.visibility</p:attrName>
+                                        </p:attrNameLst>
+                                      </p:cBhvr>
+                                      <p:to>
+                                        <p:strVal val="visible"/>
+                                      </p:to>
+                                    </p:set>
+                                    <p:anim calcmode="lin" valueType="num">
+                                      <p:cBhvr additive="base">
+                                        <p:cTn id="23" dur="750" fill="hold"/>
+                                        <p:tgtEl>
+                                          <p:spTgt spid="1046"/>
+                                        </p:tgtEl>
+                                        <p:attrNameLst>
+                                          <p:attrName>ppt_x</p:attrName>
+                                        </p:attrNameLst>
+                                      </p:cBhvr>
+                                      <p:tavLst>
+                                        <p:tav tm="0">
+                                          <p:val>
+                                            <p:strVal val="0-#ppt_w/2"/>
+                                          </p:val>
+                                        </p:tav>
+                                        <p:tav tm="100000">
+                                          <p:val>
+                                            <p:strVal val="#ppt_x"/>
+                                          </p:val>
+                                        </p:tav>
+                                      </p:tavLst>
+                                    </p:anim>
+                                    <p:anim calcmode="lin" valueType="num">
+                                      <p:cBhvr additive="base">
+                                        <p:cTn id="24" dur="750" fill="hold"/>
+                                        <p:tgtEl>
+                                          <p:spTgt spid="1046"/>
+                                        </p:tgtEl>
+                                        <p:attrNameLst>
+                                          <p:attrName>ppt_y</p:attrName>
+                                        </p:attrNameLst>
+                                      </p:cBhvr>
+                                      <p:tavLst>
+                                        <p:tav tm="0">
+                                          <p:val>
+                                            <p:strVal val="#ppt_y"/>
+                                          </p:val>
+                                        </p:tav>
+                                        <p:tav tm="100000">
+                                          <p:val>
+                                            <p:strVal val="#ppt_y"/>
+                                          </p:val>
+                                        </p:tav>
+                                      </p:tavLst>
+                                    </p:anim>
+                                  </p:childTnLst>
+                                </p:cTn>
+                              </p:par>
+                              <p:par>
+                                <p:cTn id="25" presetID="2" presetClass="entr" presetSubtype="8" fill="hold" grpId="0" nodeType="withEffect">
+                                  <p:stCondLst>
+                                    <p:cond delay="0"/>
+                                  </p:stCondLst>
+                                  <p:childTnLst>
+                                    <p:set>
+                                      <p:cBhvr>
+                                        <p:cTn id="26" dur="1" fill="hold">
+                                          <p:stCondLst>
+                                            <p:cond delay="0"/>
+                                          </p:stCondLst>
+                                        </p:cTn>
+                                        <p:tgtEl>
+                                          <p:spTgt spid="1047"/>
+                                        </p:tgtEl>
+                                        <p:attrNameLst>
+                                          <p:attrName>style.visibility</p:attrName>
+                                        </p:attrNameLst>
+                                      </p:cBhvr>
+                                      <p:to>
+                                        <p:strVal val="visible"/>
+                                      </p:to>
+                                    </p:set>
+                                    <p:anim calcmode="lin" valueType="num">
+                                      <p:cBhvr additive="base">
+                                        <p:cTn id="27" dur="750" fill="hold"/>
+                                        <p:tgtEl>
+                                          <p:spTgt spid="1047"/>
+                                        </p:tgtEl>
+                                        <p:attrNameLst>
+                                          <p:attrName>ppt_x</p:attrName>
+                                        </p:attrNameLst>
+                                      </p:cBhvr>
+                                      <p:tavLst>
+                                        <p:tav tm="0">
+                                          <p:val>
+                                            <p:strVal val="0-#ppt_w/2"/>
+                                          </p:val>
+                                        </p:tav>
+                                        <p:tav tm="100000">
+                                          <p:val>
+                                            <p:strVal val="#ppt_x"/>
+                                          </p:val>
+                                        </p:tav>
+                                      </p:tavLst>
+                                    </p:anim>
+                                    <p:anim calcmode="lin" valueType="num">
+                                      <p:cBhvr additive="base">
+                                        <p:cTn id="28" dur="750" fill="hold"/>
+                                        <p:tgtEl>
+                                          <p:spTgt spid="1047"/>
+                                        </p:tgtEl>
+                                        <p:attrNameLst>
+                                          <p:attrName>ppt_y</p:attrName>
+                                        </p:attrNameLst>
+                                      </p:cBhvr>
+                                      <p:tavLst>
+                                        <p:tav tm="0">
+                                          <p:val>
+                                            <p:strVal val="#ppt_y"/>
+                                          </p:val>
+                                        </p:tav>
+                                        <p:tav tm="100000">
+                                          <p:val>
+                                            <p:strVal val="#ppt_y"/>
+                                          </p:val>
+                                        </p:tav>
+                                      </p:tavLst>
+                                    </p:anim>
+                                  </p:childTnLst>
+                                </p:cTn>
+                              </p:par>
+                              <p:par>
+                                <p:cTn id="29" presetID="2" presetClass="entr" presetSubtype="8" fill="hold" grpId="0" nodeType="withEffect">
+                                  <p:stCondLst>
+                                    <p:cond delay="0"/>
+                                  </p:stCondLst>
+                                  <p:childTnLst>
+                                    <p:set>
+                                      <p:cBhvr>
+                                        <p:cTn id="30" dur="1" fill="hold">
+                                          <p:stCondLst>
+                                            <p:cond delay="0"/>
+                                          </p:stCondLst>
+                                        </p:cTn>
+                                        <p:tgtEl>
+                                          <p:spTgt spid="1048"/>
+                                        </p:tgtEl>
+                                        <p:attrNameLst>
+                                          <p:attrName>style.visibility</p:attrName>
+                                        </p:attrNameLst>
+                                      </p:cBhvr>
+                                      <p:to>
+                                        <p:strVal val="visible"/>
+                                      </p:to>
+                                    </p:set>
+                                    <p:anim calcmode="lin" valueType="num">
+                                      <p:cBhvr additive="base">
+                                        <p:cTn id="31" dur="750" fill="hold"/>
+                                        <p:tgtEl>
+                                          <p:spTgt spid="1048"/>
+                                        </p:tgtEl>
+                                        <p:attrNameLst>
+                                          <p:attrName>ppt_x</p:attrName>
+                                        </p:attrNameLst>
+                                      </p:cBhvr>
+                                      <p:tavLst>
+                                        <p:tav tm="0">
+                                          <p:val>
+                                            <p:strVal val="0-#ppt_w/2"/>
+                                          </p:val>
+                                        </p:tav>
+                                        <p:tav tm="100000">
+                                          <p:val>
+                                            <p:strVal val="#ppt_x"/>
+                                          </p:val>
+                                        </p:tav>
+                                      </p:tavLst>
+                                    </p:anim>
+                                    <p:anim calcmode="lin" valueType="num">
+                                      <p:cBhvr additive="base">
+                                        <p:cTn id="32" dur="750" fill="hold"/>
+                                        <p:tgtEl>
+                                          <p:spTgt spid="1048"/>
+                                        </p:tgtEl>
+                                        <p:attrNameLst>
+                                          <p:attrName>ppt_y</p:attrName>
+                                        </p:attrNameLst>
+                                      </p:cBhvr>
+                                      <p:tavLst>
+                                        <p:tav tm="0">
+                                          <p:val>
+                                            <p:strVal val="#ppt_y"/>
+                                          </p:val>
+                                        </p:tav>
+                                        <p:tav tm="100000">
+                                          <p:val>
+                                            <p:strVal val="#ppt_y"/>
+                                          </p:val>
+                                        </p:tav>
+                                      </p:tavLst>
+                                    </p:anim>
+                                  </p:childTnLst>
+                                </p:cTn>
+                              </p:par>
+                              <p:par>
+                                <p:cTn id="33" presetID="2" presetClass="entr" presetSubtype="8" fill="hold" nodeType="withEffect">
+                                  <p:stCondLst>
+                                    <p:cond delay="0"/>
+                                  </p:stCondLst>
+                                  <p:childTnLst>
+                                    <p:set>
+                                      <p:cBhvr>
+                                        <p:cTn id="34" dur="1" fill="hold">
+                                          <p:stCondLst>
+                                            <p:cond delay="0"/>
+                                          </p:stCondLst>
+                                        </p:cTn>
+                                        <p:tgtEl>
+                                          <p:spTgt spid="1049"/>
+                                        </p:tgtEl>
+                                        <p:attrNameLst>
+                                          <p:attrName>style.visibility</p:attrName>
+                                        </p:attrNameLst>
+                                      </p:cBhvr>
+                                      <p:to>
+                                        <p:strVal val="visible"/>
+                                      </p:to>
+                                    </p:set>
+                                    <p:anim calcmode="lin" valueType="num">
+                                      <p:cBhvr additive="base">
+                                        <p:cTn id="35" dur="750" fill="hold"/>
+                                        <p:tgtEl>
+                                          <p:spTgt spid="1049"/>
+                                        </p:tgtEl>
+                                        <p:attrNameLst>
+                                          <p:attrName>ppt_x</p:attrName>
+                                        </p:attrNameLst>
+                                      </p:cBhvr>
+                                      <p:tavLst>
+                                        <p:tav tm="0">
+                                          <p:val>
+                                            <p:strVal val="0-#ppt_w/2"/>
+                                          </p:val>
+                                        </p:tav>
+                                        <p:tav tm="100000">
+                                          <p:val>
+                                            <p:strVal val="#ppt_x"/>
+                                          </p:val>
+                                        </p:tav>
+                                      </p:tavLst>
+                                    </p:anim>
+                                    <p:anim calcmode="lin" valueType="num">
+                                      <p:cBhvr additive="base">
+                                        <p:cTn id="36" dur="750" fill="hold"/>
+                                        <p:tgtEl>
+                                          <p:spTgt spid="1049"/>
+                                        </p:tgtEl>
+                                        <p:attrNameLst>
+                                          <p:attrName>ppt_y</p:attrName>
+                                        </p:attrNameLst>
+                                      </p:cBhvr>
+                                      <p:tavLst>
+                                        <p:tav tm="0">
+                                          <p:val>
+                                            <p:strVal val="#ppt_y"/>
+                                          </p:val>
+                                        </p:tav>
+                                        <p:tav tm="100000">
+                                          <p:val>
+                                            <p:strVal val="#ppt_y"/>
+                                          </p:val>
+                                        </p:tav>
+                                      </p:tavLst>
+                                    </p:anim>
+                                  </p:childTnLst>
+                                </p:cTn>
+                              </p:par>
+                              <p:par>
+                                <p:cTn id="37" presetID="2" presetClass="entr" presetSubtype="8" fill="hold" nodeType="withEffect">
+                                  <p:stCondLst>
+                                    <p:cond delay="0"/>
+                                  </p:stCondLst>
+                                  <p:childTnLst>
+                                    <p:set>
+                                      <p:cBhvr>
+                                        <p:cTn id="38" dur="1" fill="hold">
+                                          <p:stCondLst>
+                                            <p:cond delay="0"/>
+                                          </p:stCondLst>
+                                        </p:cTn>
+                                        <p:tgtEl>
+                                          <p:spTgt spid="1050"/>
+                                        </p:tgtEl>
+                                        <p:attrNameLst>
+                                          <p:attrName>style.visibility</p:attrName>
+                                        </p:attrNameLst>
+                                      </p:cBhvr>
+                                      <p:to>
+                                        <p:strVal val="visible"/>
+                                      </p:to>
+                                    </p:set>
+                                    <p:anim calcmode="lin" valueType="num">
+                                      <p:cBhvr additive="base">
+                                        <p:cTn id="39" dur="750" fill="hold"/>
+                                        <p:tgtEl>
+                                          <p:spTgt spid="1050"/>
+                                        </p:tgtEl>
+                                        <p:attrNameLst>
+                                          <p:attrName>ppt_x</p:attrName>
+                                        </p:attrNameLst>
+                                      </p:cBhvr>
+                                      <p:tavLst>
+                                        <p:tav tm="0">
+                                          <p:val>
+                                            <p:strVal val="0-#ppt_w/2"/>
+                                          </p:val>
+                                        </p:tav>
+                                        <p:tav tm="100000">
+                                          <p:val>
+                                            <p:strVal val="#ppt_x"/>
+                                          </p:val>
+                                        </p:tav>
+                                      </p:tavLst>
+                                    </p:anim>
+                                    <p:anim calcmode="lin" valueType="num">
+                                      <p:cBhvr additive="base">
+                                        <p:cTn id="40" dur="750" fill="hold"/>
+                                        <p:tgtEl>
+                                          <p:spTgt spid="1050"/>
+                                        </p:tgtEl>
+                                        <p:attrNameLst>
+                                          <p:attrName>ppt_y</p:attrName>
+                                        </p:attrNameLst>
+                                      </p:cBhvr>
+                                      <p:tavLst>
+                                        <p:tav tm="0">
+                                          <p:val>
+                                            <p:strVal val="#ppt_y"/>
+                                          </p:val>
+                                        </p:tav>
+                                        <p:tav tm="100000">
+                                          <p:val>
+                                            <p:strVal val="#ppt_y"/>
+                                          </p:val>
+                                        </p:tav>
+                                      </p:tavLst>
+                                    </p:anim>
+                                  </p:childTnLst>
+                                </p:cTn>
+                              </p:par>
+                              <p:par>
+                                <p:cTn id="41" presetID="2" presetClass="entr" presetSubtype="8" fill="hold" nodeType="withEffect">
+                                  <p:stCondLst>
+                                    <p:cond delay="0"/>
+                                  </p:stCondLst>
+                                  <p:childTnLst>
+                                    <p:set>
+                                      <p:cBhvr>
+                                        <p:cTn id="42" dur="1" fill="hold">
+                                          <p:stCondLst>
+                                            <p:cond delay="0"/>
+                                          </p:stCondLst>
+                                        </p:cTn>
+                                        <p:tgtEl>
+                                          <p:spTgt spid="1051"/>
+                                        </p:tgtEl>
+                                        <p:attrNameLst>
+                                          <p:attrName>style.visibility</p:attrName>
+                                        </p:attrNameLst>
+                                      </p:cBhvr>
+                                      <p:to>
+                                        <p:strVal val="visible"/>
+                                      </p:to>
+                                    </p:set>
+                                    <p:anim calcmode="lin" valueType="num">
+                                      <p:cBhvr additive="base">
+                                        <p:cTn id="43" dur="750" fill="hold"/>
+                                        <p:tgtEl>
+                                          <p:spTgt spid="1051"/>
+                                        </p:tgtEl>
+                                        <p:attrNameLst>
+                                          <p:attrName>ppt_x</p:attrName>
+                                        </p:attrNameLst>
+                                      </p:cBhvr>
+                                      <p:tavLst>
+                                        <p:tav tm="0">
+                                          <p:val>
+                                            <p:strVal val="0-#ppt_w/2"/>
+                                          </p:val>
+                                        </p:tav>
+                                        <p:tav tm="100000">
+                                          <p:val>
+                                            <p:strVal val="#ppt_x"/>
+                                          </p:val>
+                                        </p:tav>
+                                      </p:tavLst>
+                                    </p:anim>
+                                    <p:anim calcmode="lin" valueType="num">
+                                      <p:cBhvr additive="base">
+                                        <p:cTn id="44" dur="750" fill="hold"/>
+                                        <p:tgtEl>
+                                          <p:spTgt spid="1051"/>
+                                        </p:tgtEl>
+                                        <p:attrNameLst>
+                                          <p:attrName>ppt_y</p:attrName>
+                                        </p:attrNameLst>
+                                      </p:cBhvr>
+                                      <p:tavLst>
+                                        <p:tav tm="0">
+                                          <p:val>
+                                            <p:strVal val="#ppt_y"/>
+                                          </p:val>
+                                        </p:tav>
+                                        <p:tav tm="100000">
+                                          <p:val>
+                                            <p:strVal val="#ppt_y"/>
+                                          </p:val>
+                                        </p:tav>
+                                      </p:tavLst>
+                                    </p:anim>
+                                  </p:childTnLst>
+                                </p:cTn>
+                              </p:par>
+                              <p:par>
+                                <p:cTn id="45" presetID="2" presetClass="entr" presetSubtype="8" fill="hold" nodeType="withEffect">
+                                  <p:stCondLst>
+                                    <p:cond delay="0"/>
+                                  </p:stCondLst>
+                                  <p:childTnLst>
+                                    <p:set>
+                                      <p:cBhvr>
+                                        <p:cTn id="46" dur="1" fill="hold">
+                                          <p:stCondLst>
+                                            <p:cond delay="0"/>
+                                          </p:stCondLst>
+                                        </p:cTn>
+                                        <p:tgtEl>
+                                          <p:spTgt spid="1052"/>
+                                        </p:tgtEl>
+                                        <p:attrNameLst>
+                                          <p:attrName>style.visibility</p:attrName>
+                                        </p:attrNameLst>
+                                      </p:cBhvr>
+                                      <p:to>
+                                        <p:strVal val="visible"/>
+                                      </p:to>
+                                    </p:set>
+                                    <p:anim calcmode="lin" valueType="num">
+                                      <p:cBhvr additive="base">
+                                        <p:cTn id="47" dur="750" fill="hold"/>
+                                        <p:tgtEl>
+                                          <p:spTgt spid="1052"/>
+                                        </p:tgtEl>
+                                        <p:attrNameLst>
+                                          <p:attrName>ppt_x</p:attrName>
+                                        </p:attrNameLst>
+                                      </p:cBhvr>
+                                      <p:tavLst>
+                                        <p:tav tm="0">
+                                          <p:val>
+                                            <p:strVal val="0-#ppt_w/2"/>
+                                          </p:val>
+                                        </p:tav>
+                                        <p:tav tm="100000">
+                                          <p:val>
+                                            <p:strVal val="#ppt_x"/>
+                                          </p:val>
+                                        </p:tav>
+                                      </p:tavLst>
+                                    </p:anim>
+                                    <p:anim calcmode="lin" valueType="num">
+                                      <p:cBhvr additive="base">
+                                        <p:cTn id="48" dur="750" fill="hold"/>
+                                        <p:tgtEl>
+                                          <p:spTgt spid="1052"/>
+                                        </p:tgtEl>
+                                        <p:attrNameLst>
+                                          <p:attrName>ppt_y</p:attrName>
+                                        </p:attrNameLst>
+                                      </p:cBhvr>
+                                      <p:tavLst>
+                                        <p:tav tm="0">
+                                          <p:val>
+                                            <p:strVal val="#ppt_y"/>
+                                          </p:val>
+                                        </p:tav>
+                                        <p:tav tm="100000">
+                                          <p:val>
+                                            <p:strVal val="#ppt_y"/>
+                                          </p:val>
+                                        </p:tav>
+                                      </p:tavLst>
+                                    </p:anim>
+                                  </p:childTnLst>
+                                </p:cTn>
+                              </p:par>
+                              <p:par>
+                                <p:cTn id="49" presetID="2" presetClass="entr" presetSubtype="8" fill="hold" nodeType="withEffect">
+                                  <p:stCondLst>
+                                    <p:cond delay="0"/>
+                                  </p:stCondLst>
+                                  <p:childTnLst>
+                                    <p:set>
+                                      <p:cBhvr>
+                                        <p:cTn id="50" dur="1" fill="hold">
+                                          <p:stCondLst>
+                                            <p:cond delay="0"/>
+                                          </p:stCondLst>
+                                        </p:cTn>
+                                        <p:tgtEl>
+                                          <p:spTgt spid="1053"/>
+                                        </p:tgtEl>
+                                        <p:attrNameLst>
+                                          <p:attrName>style.visibility</p:attrName>
+                                        </p:attrNameLst>
+                                      </p:cBhvr>
+                                      <p:to>
+                                        <p:strVal val="visible"/>
+                                      </p:to>
+                                    </p:set>
+                                    <p:anim calcmode="lin" valueType="num">
+                                      <p:cBhvr additive="base">
+                                        <p:cTn id="51" dur="750" fill="hold"/>
+                                        <p:tgtEl>
+                                          <p:spTgt spid="1053"/>
+                                        </p:tgtEl>
+                                        <p:attrNameLst>
+                                          <p:attrName>ppt_x</p:attrName>
+                                        </p:attrNameLst>
+                                      </p:cBhvr>
+                                      <p:tavLst>
+                                        <p:tav tm="0">
+                                          <p:val>
+                                            <p:strVal val="0-#ppt_w/2"/>
+                                          </p:val>
+                                        </p:tav>
+                                        <p:tav tm="100000">
+                                          <p:val>
+                                            <p:strVal val="#ppt_x"/>
+                                          </p:val>
+                                        </p:tav>
+                                      </p:tavLst>
+                                    </p:anim>
+                                    <p:anim calcmode="lin" valueType="num">
+                                      <p:cBhvr additive="base">
+                                        <p:cTn id="52" dur="750" fill="hold"/>
+                                        <p:tgtEl>
+                                          <p:spTgt spid="1053"/>
+                                        </p:tgtEl>
+                                        <p:attrNameLst>
+                                          <p:attrName>ppt_y</p:attrName>
+                                        </p:attrNameLst>
+                                      </p:cBhvr>
+                                      <p:tavLst>
+                                        <p:tav tm="0">
+                                          <p:val>
+                                            <p:strVal val="#ppt_y"/>
+                                          </p:val>
+                                        </p:tav>
+                                        <p:tav tm="100000">
+                                          <p:val>
+                                            <p:strVal val="#ppt_y"/>
+                                          </p:val>
+                                        </p:tav>
+                                      </p:tavLst>
+                                    </p:anim>
+                                  </p:childTnLst>
+                                </p:cTn>
+                              </p:par>
+                              <p:par>
+                                <p:cTn id="53" presetID="2" presetClass="entr" presetSubtype="8" fill="hold" nodeType="withEffect">
+                                  <p:stCondLst>
+                                    <p:cond delay="0"/>
+                                  </p:stCondLst>
+                                  <p:childTnLst>
+                                    <p:set>
+                                      <p:cBhvr>
+                                        <p:cTn id="54" dur="1" fill="hold">
+                                          <p:stCondLst>
+                                            <p:cond delay="0"/>
+                                          </p:stCondLst>
+                                        </p:cTn>
+                                        <p:tgtEl>
+                                          <p:spTgt spid="1054"/>
+                                        </p:tgtEl>
+                                        <p:attrNameLst>
+                                          <p:attrName>style.visibility</p:attrName>
+                                        </p:attrNameLst>
+                                      </p:cBhvr>
+                                      <p:to>
+                                        <p:strVal val="visible"/>
+                                      </p:to>
+                                    </p:set>
+                                    <p:anim calcmode="lin" valueType="num">
+                                      <p:cBhvr additive="base">
+                                        <p:cTn id="55" dur="750" fill="hold"/>
+                                        <p:tgtEl>
+                                          <p:spTgt spid="1054"/>
+                                        </p:tgtEl>
+                                        <p:attrNameLst>
+                                          <p:attrName>ppt_x</p:attrName>
+                                        </p:attrNameLst>
+                                      </p:cBhvr>
+                                      <p:tavLst>
+                                        <p:tav tm="0">
+                                          <p:val>
+                                            <p:strVal val="0-#ppt_w/2"/>
+                                          </p:val>
+                                        </p:tav>
+                                        <p:tav tm="100000">
+                                          <p:val>
+                                            <p:strVal val="#ppt_x"/>
+                                          </p:val>
+                                        </p:tav>
+                                      </p:tavLst>
+                                    </p:anim>
+                                    <p:anim calcmode="lin" valueType="num">
+                                      <p:cBhvr additive="base">
+                                        <p:cTn id="56" dur="750" fill="hold"/>
+                                        <p:tgtEl>
+                                          <p:spTgt spid="1054"/>
+                                        </p:tgtEl>
+                                        <p:attrNameLst>
+                                          <p:attrName>ppt_y</p:attrName>
+                                        </p:attrNameLst>
+                                      </p:cBhvr>
+                                      <p:tavLst>
+                                        <p:tav tm="0">
+                                          <p:val>
+                                            <p:strVal val="#ppt_y"/>
+                                          </p:val>
+                                        </p:tav>
+                                        <p:tav tm="100000">
+                                          <p:val>
+                                            <p:strVal val="#ppt_y"/>
+                                          </p:val>
+                                        </p:tav>
+                                      </p:tavLst>
+                                    </p:anim>
+                                  </p:childTnLst>
+                                </p:cTn>
+                              </p:par>
+                              <p:par>
+                                <p:cTn id="57" presetID="2" presetClass="entr" presetSubtype="8" fill="hold" nodeType="withEffect">
+                                  <p:stCondLst>
+                                    <p:cond delay="0"/>
+                                  </p:stCondLst>
+                                  <p:childTnLst>
+                                    <p:set>
+                                      <p:cBhvr>
+                                        <p:cTn id="58" dur="1" fill="hold">
+                                          <p:stCondLst>
+                                            <p:cond delay="0"/>
+                                          </p:stCondLst>
+                                        </p:cTn>
+                                        <p:tgtEl>
+                                          <p:spTgt spid="1055"/>
+                                        </p:tgtEl>
+                                        <p:attrNameLst>
+                                          <p:attrName>style.visibility</p:attrName>
+                                        </p:attrNameLst>
+                                      </p:cBhvr>
+                                      <p:to>
+                                        <p:strVal val="visible"/>
+                                      </p:to>
+                                    </p:set>
+                                    <p:anim calcmode="lin" valueType="num">
+                                      <p:cBhvr additive="base">
+                                        <p:cTn id="59" dur="750" fill="hold"/>
+                                        <p:tgtEl>
+                                          <p:spTgt spid="1055"/>
+                                        </p:tgtEl>
+                                        <p:attrNameLst>
+                                          <p:attrName>ppt_x</p:attrName>
+                                        </p:attrNameLst>
+                                      </p:cBhvr>
+                                      <p:tavLst>
+                                        <p:tav tm="0">
+                                          <p:val>
+                                            <p:strVal val="0-#ppt_w/2"/>
+                                          </p:val>
+                                        </p:tav>
+                                        <p:tav tm="100000">
+                                          <p:val>
+                                            <p:strVal val="#ppt_x"/>
+                                          </p:val>
+                                        </p:tav>
+                                      </p:tavLst>
+                                    </p:anim>
+                                    <p:anim calcmode="lin" valueType="num">
+                                      <p:cBhvr additive="base">
+                                        <p:cTn id="60" dur="750" fill="hold"/>
+                                        <p:tgtEl>
+                                          <p:spTgt spid="1055"/>
+                                        </p:tgtEl>
+                                        <p:attrNameLst>
+                                          <p:attrName>ppt_y</p:attrName>
+                                        </p:attrNameLst>
+                                      </p:cBhvr>
+                                      <p:tavLst>
+                                        <p:tav tm="0">
+                                          <p:val>
+                                            <p:strVal val="#ppt_y"/>
+                                          </p:val>
+                                        </p:tav>
+                                        <p:tav tm="100000">
+                                          <p:val>
+                                            <p:strVal val="#ppt_y"/>
+                                          </p:val>
+                                        </p:tav>
+                                      </p:tavLst>
+                                    </p:anim>
+                                  </p:childTnLst>
+                                </p:cTn>
+                              </p:par>
+                              <p:par>
+                                <p:cTn id="61" presetID="2" presetClass="entr" presetSubtype="8" fill="hold" nodeType="withEffect">
+                                  <p:stCondLst>
+                                    <p:cond delay="0"/>
+                                  </p:stCondLst>
+                                  <p:childTnLst>
+                                    <p:set>
+                                      <p:cBhvr>
+                                        <p:cTn id="62" dur="1" fill="hold">
+                                          <p:stCondLst>
+                                            <p:cond delay="0"/>
+                                          </p:stCondLst>
+                                        </p:cTn>
+                                        <p:tgtEl>
+                                          <p:spTgt spid="5"/>
+                                        </p:tgtEl>
+                                        <p:attrNameLst>
+                                          <p:attrName>style.visibility</p:attrName>
+                                        </p:attrNameLst>
+                                      </p:cBhvr>
+                                      <p:to>
+                                        <p:strVal val="visible"/>
+                                      </p:to>
+                                    </p:set>
+                                    <p:anim calcmode="lin" valueType="num">
+                                      <p:cBhvr additive="base">
+                                        <p:cTn id="63" dur="750" fill="hold"/>
+                                        <p:tgtEl>
+                                          <p:spTgt spid="5"/>
+                                        </p:tgtEl>
+                                        <p:attrNameLst>
+                                          <p:attrName>ppt_x</p:attrName>
+                                        </p:attrNameLst>
+                                      </p:cBhvr>
+                                      <p:tavLst>
+                                        <p:tav tm="0">
+                                          <p:val>
+                                            <p:strVal val="0-#ppt_w/2"/>
+                                          </p:val>
+                                        </p:tav>
+                                        <p:tav tm="100000">
+                                          <p:val>
+                                            <p:strVal val="#ppt_x"/>
+                                          </p:val>
+                                        </p:tav>
+                                      </p:tavLst>
+                                    </p:anim>
+                                    <p:anim calcmode="lin" valueType="num">
+                                      <p:cBhvr additive="base">
+                                        <p:cTn id="64" dur="750" fill="hold"/>
+                                        <p:tgtEl>
+                                          <p:spTgt spid="5"/>
+                                        </p:tgtEl>
+                                        <p:attrNameLst>
+                                          <p:attrName>ppt_y</p:attrName>
+                                        </p:attrNameLst>
+                                      </p:cBhvr>
+                                      <p:tavLst>
+                                        <p:tav tm="0">
+                                          <p:val>
+                                            <p:strVal val="#ppt_y"/>
+                                          </p:val>
+                                        </p:tav>
+                                        <p:tav tm="100000">
+                                          <p:val>
+                                            <p:strVal val="#ppt_y"/>
+                                          </p:val>
+                                        </p:tav>
+                                      </p:tavLst>
+                                    </p:anim>
+                                  </p:childTnLst>
+                                </p:cTn>
+                              </p:par>
+                              <p:par>
+                                <p:cTn id="65" presetID="2" presetClass="entr" presetSubtype="8" fill="hold" grpId="0" nodeType="withEffect">
+                                  <p:stCondLst>
+                                    <p:cond delay="0"/>
+                                  </p:stCondLst>
+                                  <p:childTnLst>
+                                    <p:set>
+                                      <p:cBhvr>
+                                        <p:cTn id="66" dur="1" fill="hold">
+                                          <p:stCondLst>
+                                            <p:cond delay="0"/>
+                                          </p:stCondLst>
+                                        </p:cTn>
+                                        <p:tgtEl>
+                                          <p:spTgt spid="35"/>
+                                        </p:tgtEl>
+                                        <p:attrNameLst>
+                                          <p:attrName>style.visibility</p:attrName>
+                                        </p:attrNameLst>
+                                      </p:cBhvr>
+                                      <p:to>
+                                        <p:strVal val="visible"/>
+                                      </p:to>
+                                    </p:set>
+                                    <p:anim calcmode="lin" valueType="num">
+                                      <p:cBhvr additive="base">
+                                        <p:cTn id="67" dur="750" fill="hold"/>
+                                        <p:tgtEl>
+                                          <p:spTgt spid="35"/>
+                                        </p:tgtEl>
+                                        <p:attrNameLst>
+                                          <p:attrName>ppt_x</p:attrName>
+                                        </p:attrNameLst>
+                                      </p:cBhvr>
+                                      <p:tavLst>
+                                        <p:tav tm="0">
+                                          <p:val>
+                                            <p:strVal val="0-#ppt_w/2"/>
+                                          </p:val>
+                                        </p:tav>
+                                        <p:tav tm="100000">
+                                          <p:val>
+                                            <p:strVal val="#ppt_x"/>
+                                          </p:val>
+                                        </p:tav>
+                                      </p:tavLst>
+                                    </p:anim>
+                                    <p:anim calcmode="lin" valueType="num">
+                                      <p:cBhvr additive="base">
+                                        <p:cTn id="68" dur="750" fill="hold"/>
+                                        <p:tgtEl>
+                                          <p:spTgt spid="35"/>
+                                        </p:tgtEl>
+                                        <p:attrNameLst>
+                                          <p:attrName>ppt_y</p:attrName>
+                                        </p:attrNameLst>
+                                      </p:cBhvr>
+                                      <p:tavLst>
+                                        <p:tav tm="0">
+                                          <p:val>
+                                            <p:strVal val="#ppt_y"/>
+                                          </p:val>
+                                        </p:tav>
+                                        <p:tav tm="100000">
+                                          <p:val>
+                                            <p:strVal val="#ppt_y"/>
+                                          </p:val>
+                                        </p:tav>
+                                      </p:tavLst>
+                                    </p:anim>
+                                  </p:childTnLst>
+                                </p:cTn>
+                              </p:par>
+                              <p:par>
+                                <p:cTn id="69" presetID="2" presetClass="entr" presetSubtype="8" fill="hold" nodeType="withEffect">
+                                  <p:stCondLst>
+                                    <p:cond delay="0"/>
+                                  </p:stCondLst>
+                                  <p:childTnLst>
+                                    <p:set>
+                                      <p:cBhvr>
+                                        <p:cTn id="70" dur="1" fill="hold">
+                                          <p:stCondLst>
+                                            <p:cond delay="0"/>
+                                          </p:stCondLst>
+                                        </p:cTn>
+                                        <p:tgtEl>
+                                          <p:spTgt spid="39"/>
+                                        </p:tgtEl>
+                                        <p:attrNameLst>
+                                          <p:attrName>style.visibility</p:attrName>
+                                        </p:attrNameLst>
+                                      </p:cBhvr>
+                                      <p:to>
+                                        <p:strVal val="visible"/>
+                                      </p:to>
+                                    </p:set>
+                                    <p:anim calcmode="lin" valueType="num">
+                                      <p:cBhvr additive="base">
+                                        <p:cTn id="71" dur="750" fill="hold"/>
+                                        <p:tgtEl>
+                                          <p:spTgt spid="39"/>
+                                        </p:tgtEl>
+                                        <p:attrNameLst>
+                                          <p:attrName>ppt_x</p:attrName>
+                                        </p:attrNameLst>
+                                      </p:cBhvr>
+                                      <p:tavLst>
+                                        <p:tav tm="0">
+                                          <p:val>
+                                            <p:strVal val="0-#ppt_w/2"/>
+                                          </p:val>
+                                        </p:tav>
+                                        <p:tav tm="100000">
+                                          <p:val>
+                                            <p:strVal val="#ppt_x"/>
+                                          </p:val>
+                                        </p:tav>
+                                      </p:tavLst>
+                                    </p:anim>
+                                    <p:anim calcmode="lin" valueType="num">
+                                      <p:cBhvr additive="base">
+                                        <p:cTn id="72" dur="750" fill="hold"/>
+                                        <p:tgtEl>
+                                          <p:spTgt spid="39"/>
+                                        </p:tgtEl>
+                                        <p:attrNameLst>
+                                          <p:attrName>ppt_y</p:attrName>
+                                        </p:attrNameLst>
+                                      </p:cBhvr>
+                                      <p:tavLst>
+                                        <p:tav tm="0">
+                                          <p:val>
+                                            <p:strVal val="#ppt_y"/>
+                                          </p:val>
+                                        </p:tav>
+                                        <p:tav tm="100000">
+                                          <p:val>
+                                            <p:strVal val="#ppt_y"/>
+                                          </p:val>
+                                        </p:tav>
+                                      </p:tavLst>
+                                    </p:anim>
+                                  </p:childTnLst>
+                                </p:cTn>
+                              </p:par>
+                              <p:par>
+                                <p:cTn id="73" presetID="2" presetClass="entr" presetSubtype="8" fill="hold" nodeType="withEffect">
+                                  <p:stCondLst>
+                                    <p:cond delay="0"/>
+                                  </p:stCondLst>
+                                  <p:childTnLst>
+                                    <p:set>
+                                      <p:cBhvr>
+                                        <p:cTn id="74" dur="1" fill="hold">
+                                          <p:stCondLst>
+                                            <p:cond delay="0"/>
+                                          </p:stCondLst>
+                                        </p:cTn>
+                                        <p:tgtEl>
+                                          <p:spTgt spid="12"/>
+                                        </p:tgtEl>
+                                        <p:attrNameLst>
+                                          <p:attrName>style.visibility</p:attrName>
+                                        </p:attrNameLst>
+                                      </p:cBhvr>
+                                      <p:to>
+                                        <p:strVal val="visible"/>
+                                      </p:to>
+                                    </p:set>
+                                    <p:anim calcmode="lin" valueType="num">
+                                      <p:cBhvr additive="base">
+                                        <p:cTn id="75" dur="750" fill="hold"/>
+                                        <p:tgtEl>
+                                          <p:spTgt spid="12"/>
+                                        </p:tgtEl>
+                                        <p:attrNameLst>
+                                          <p:attrName>ppt_x</p:attrName>
+                                        </p:attrNameLst>
+                                      </p:cBhvr>
+                                      <p:tavLst>
+                                        <p:tav tm="0">
+                                          <p:val>
+                                            <p:strVal val="0-#ppt_w/2"/>
+                                          </p:val>
+                                        </p:tav>
+                                        <p:tav tm="100000">
+                                          <p:val>
+                                            <p:strVal val="#ppt_x"/>
+                                          </p:val>
+                                        </p:tav>
+                                      </p:tavLst>
+                                    </p:anim>
+                                    <p:anim calcmode="lin" valueType="num">
+                                      <p:cBhvr additive="base">
+                                        <p:cTn id="76" dur="750" fill="hold"/>
+                                        <p:tgtEl>
+                                          <p:spTgt spid="12"/>
+                                        </p:tgtEl>
+                                        <p:attrNameLst>
+                                          <p:attrName>ppt_y</p:attrName>
+                                        </p:attrNameLst>
+                                      </p:cBhvr>
+                                      <p:tavLst>
+                                        <p:tav tm="0">
+                                          <p:val>
+                                            <p:strVal val="#ppt_y"/>
+                                          </p:val>
+                                        </p:tav>
+                                        <p:tav tm="100000">
+                                          <p:val>
+                                            <p:strVal val="#ppt_y"/>
+                                          </p:val>
+                                        </p:tav>
+                                      </p:tavLst>
+                                    </p:anim>
+                                  </p:childTnLst>
+                                </p:cTn>
+                              </p:par>
+                              <p:par>
+                                <p:cTn id="77" presetID="2" presetClass="entr" presetSubtype="2" fill="hold" grpId="0" nodeType="withEffect">
+                                  <p:stCondLst>
+                                    <p:cond delay="0"/>
+                                  </p:stCondLst>
+                                  <p:childTnLst>
+                                    <p:set>
+                                      <p:cBhvr>
+                                        <p:cTn id="78" dur="1" fill="hold">
+                                          <p:stCondLst>
+                                            <p:cond delay="0"/>
+                                          </p:stCondLst>
+                                        </p:cTn>
+                                        <p:tgtEl>
+                                          <p:spTgt spid="1060"/>
+                                        </p:tgtEl>
+                                        <p:attrNameLst>
+                                          <p:attrName>style.visibility</p:attrName>
+                                        </p:attrNameLst>
+                                      </p:cBhvr>
+                                      <p:to>
+                                        <p:strVal val="visible"/>
+                                      </p:to>
+                                    </p:set>
+                                    <p:anim calcmode="lin" valueType="num">
+                                      <p:cBhvr additive="base">
+                                        <p:cTn id="79" dur="750" fill="hold"/>
+                                        <p:tgtEl>
+                                          <p:spTgt spid="1060"/>
+                                        </p:tgtEl>
+                                        <p:attrNameLst>
+                                          <p:attrName>ppt_x</p:attrName>
+                                        </p:attrNameLst>
+                                      </p:cBhvr>
+                                      <p:tavLst>
+                                        <p:tav tm="0">
+                                          <p:val>
+                                            <p:strVal val="1+#ppt_w/2"/>
+                                          </p:val>
+                                        </p:tav>
+                                        <p:tav tm="100000">
+                                          <p:val>
+                                            <p:strVal val="#ppt_x"/>
+                                          </p:val>
+                                        </p:tav>
+                                      </p:tavLst>
+                                    </p:anim>
+                                    <p:anim calcmode="lin" valueType="num">
+                                      <p:cBhvr additive="base">
+                                        <p:cTn id="80" dur="750" fill="hold"/>
+                                        <p:tgtEl>
+                                          <p:spTgt spid="1060"/>
+                                        </p:tgtEl>
+                                        <p:attrNameLst>
+                                          <p:attrName>ppt_y</p:attrName>
+                                        </p:attrNameLst>
+                                      </p:cBhvr>
+                                      <p:tavLst>
+                                        <p:tav tm="0">
+                                          <p:val>
+                                            <p:strVal val="#ppt_y"/>
+                                          </p:val>
+                                        </p:tav>
+                                        <p:tav tm="100000">
+                                          <p:val>
+                                            <p:strVal val="#ppt_y"/>
+                                          </p:val>
+                                        </p:tav>
+                                      </p:tavLst>
+                                    </p:anim>
+                                  </p:childTnLst>
+                                </p:cTn>
+                              </p:par>
+                              <p:par>
+                                <p:cTn id="81" presetID="2" presetClass="entr" presetSubtype="2" fill="hold" grpId="0" nodeType="withEffect">
+                                  <p:stCondLst>
+                                    <p:cond delay="0"/>
+                                  </p:stCondLst>
+                                  <p:childTnLst>
+                                    <p:set>
+                                      <p:cBhvr>
+                                        <p:cTn id="82" dur="1" fill="hold">
+                                          <p:stCondLst>
+                                            <p:cond delay="0"/>
+                                          </p:stCondLst>
+                                        </p:cTn>
+                                        <p:tgtEl>
+                                          <p:spTgt spid="1061"/>
+                                        </p:tgtEl>
+                                        <p:attrNameLst>
+                                          <p:attrName>style.visibility</p:attrName>
+                                        </p:attrNameLst>
+                                      </p:cBhvr>
+                                      <p:to>
+                                        <p:strVal val="visible"/>
+                                      </p:to>
+                                    </p:set>
+                                    <p:anim calcmode="lin" valueType="num">
+                                      <p:cBhvr additive="base">
+                                        <p:cTn id="83" dur="750" fill="hold"/>
+                                        <p:tgtEl>
+                                          <p:spTgt spid="1061"/>
+                                        </p:tgtEl>
+                                        <p:attrNameLst>
+                                          <p:attrName>ppt_x</p:attrName>
+                                        </p:attrNameLst>
+                                      </p:cBhvr>
+                                      <p:tavLst>
+                                        <p:tav tm="0">
+                                          <p:val>
+                                            <p:strVal val="1+#ppt_w/2"/>
+                                          </p:val>
+                                        </p:tav>
+                                        <p:tav tm="100000">
+                                          <p:val>
+                                            <p:strVal val="#ppt_x"/>
+                                          </p:val>
+                                        </p:tav>
+                                      </p:tavLst>
+                                    </p:anim>
+                                    <p:anim calcmode="lin" valueType="num">
+                                      <p:cBhvr additive="base">
+                                        <p:cTn id="84" dur="750" fill="hold"/>
+                                        <p:tgtEl>
+                                          <p:spTgt spid="1061"/>
+                                        </p:tgtEl>
+                                        <p:attrNameLst>
+                                          <p:attrName>ppt_y</p:attrName>
+                                        </p:attrNameLst>
+                                      </p:cBhvr>
+                                      <p:tavLst>
+                                        <p:tav tm="0">
+                                          <p:val>
+                                            <p:strVal val="#ppt_y"/>
+                                          </p:val>
+                                        </p:tav>
+                                        <p:tav tm="100000">
+                                          <p:val>
+                                            <p:strVal val="#ppt_y"/>
+                                          </p:val>
+                                        </p:tav>
+                                      </p:tavLst>
+                                    </p:anim>
+                                  </p:childTnLst>
+                                </p:cTn>
+                              </p:par>
+                              <p:par>
+                                <p:cTn id="85" presetID="2" presetClass="entr" presetSubtype="2" fill="hold" grpId="0" nodeType="withEffect">
+                                  <p:stCondLst>
+                                    <p:cond delay="0"/>
+                                  </p:stCondLst>
+                                  <p:childTnLst>
+                                    <p:set>
+                                      <p:cBhvr>
+                                        <p:cTn id="86" dur="1" fill="hold">
+                                          <p:stCondLst>
+                                            <p:cond delay="0"/>
+                                          </p:stCondLst>
+                                        </p:cTn>
+                                        <p:tgtEl>
+                                          <p:spTgt spid="1062"/>
+                                        </p:tgtEl>
+                                        <p:attrNameLst>
+                                          <p:attrName>style.visibility</p:attrName>
+                                        </p:attrNameLst>
+                                      </p:cBhvr>
+                                      <p:to>
+                                        <p:strVal val="visible"/>
+                                      </p:to>
+                                    </p:set>
+                                    <p:anim calcmode="lin" valueType="num">
+                                      <p:cBhvr additive="base">
+                                        <p:cTn id="87" dur="750" fill="hold"/>
+                                        <p:tgtEl>
+                                          <p:spTgt spid="1062"/>
+                                        </p:tgtEl>
+                                        <p:attrNameLst>
+                                          <p:attrName>ppt_x</p:attrName>
+                                        </p:attrNameLst>
+                                      </p:cBhvr>
+                                      <p:tavLst>
+                                        <p:tav tm="0">
+                                          <p:val>
+                                            <p:strVal val="1+#ppt_w/2"/>
+                                          </p:val>
+                                        </p:tav>
+                                        <p:tav tm="100000">
+                                          <p:val>
+                                            <p:strVal val="#ppt_x"/>
+                                          </p:val>
+                                        </p:tav>
+                                      </p:tavLst>
+                                    </p:anim>
+                                    <p:anim calcmode="lin" valueType="num">
+                                      <p:cBhvr additive="base">
+                                        <p:cTn id="88" dur="750" fill="hold"/>
+                                        <p:tgtEl>
+                                          <p:spTgt spid="1062"/>
+                                        </p:tgtEl>
+                                        <p:attrNameLst>
+                                          <p:attrName>ppt_y</p:attrName>
+                                        </p:attrNameLst>
+                                      </p:cBhvr>
+                                      <p:tavLst>
+                                        <p:tav tm="0">
+                                          <p:val>
+                                            <p:strVal val="#ppt_y"/>
+                                          </p:val>
+                                        </p:tav>
+                                        <p:tav tm="100000">
+                                          <p:val>
+                                            <p:strVal val="#ppt_y"/>
+                                          </p:val>
+                                        </p:tav>
+                                      </p:tavLst>
+                                    </p:anim>
+                                  </p:childTnLst>
+                                </p:cTn>
+                              </p:par>
+                              <p:par>
+                                <p:cTn id="89" presetID="2" presetClass="entr" presetSubtype="2" fill="hold" nodeType="withEffect">
+                                  <p:stCondLst>
+                                    <p:cond delay="0"/>
+                                  </p:stCondLst>
+                                  <p:childTnLst>
+                                    <p:set>
+                                      <p:cBhvr>
+                                        <p:cTn id="90" dur="1" fill="hold">
+                                          <p:stCondLst>
+                                            <p:cond delay="0"/>
+                                          </p:stCondLst>
+                                        </p:cTn>
+                                        <p:tgtEl>
+                                          <p:spTgt spid="1064"/>
+                                        </p:tgtEl>
+                                        <p:attrNameLst>
+                                          <p:attrName>style.visibility</p:attrName>
+                                        </p:attrNameLst>
+                                      </p:cBhvr>
+                                      <p:to>
+                                        <p:strVal val="visible"/>
+                                      </p:to>
+                                    </p:set>
+                                    <p:anim calcmode="lin" valueType="num">
+                                      <p:cBhvr additive="base">
+                                        <p:cTn id="91" dur="750" fill="hold"/>
+                                        <p:tgtEl>
+                                          <p:spTgt spid="1064"/>
+                                        </p:tgtEl>
+                                        <p:attrNameLst>
+                                          <p:attrName>ppt_x</p:attrName>
+                                        </p:attrNameLst>
+                                      </p:cBhvr>
+                                      <p:tavLst>
+                                        <p:tav tm="0">
+                                          <p:val>
+                                            <p:strVal val="1+#ppt_w/2"/>
+                                          </p:val>
+                                        </p:tav>
+                                        <p:tav tm="100000">
+                                          <p:val>
+                                            <p:strVal val="#ppt_x"/>
+                                          </p:val>
+                                        </p:tav>
+                                      </p:tavLst>
+                                    </p:anim>
+                                    <p:anim calcmode="lin" valueType="num">
+                                      <p:cBhvr additive="base">
+                                        <p:cTn id="92" dur="750" fill="hold"/>
+                                        <p:tgtEl>
+                                          <p:spTgt spid="1064"/>
+                                        </p:tgtEl>
+                                        <p:attrNameLst>
+                                          <p:attrName>ppt_y</p:attrName>
+                                        </p:attrNameLst>
+                                      </p:cBhvr>
+                                      <p:tavLst>
+                                        <p:tav tm="0">
+                                          <p:val>
+                                            <p:strVal val="#ppt_y"/>
+                                          </p:val>
+                                        </p:tav>
+                                        <p:tav tm="100000">
+                                          <p:val>
+                                            <p:strVal val="#ppt_y"/>
+                                          </p:val>
+                                        </p:tav>
+                                      </p:tavLst>
+                                    </p:anim>
+                                  </p:childTnLst>
+                                </p:cTn>
+                              </p:par>
+                              <p:par>
+                                <p:cTn id="93" presetID="2" presetClass="entr" presetSubtype="2" fill="hold" nodeType="withEffect">
+                                  <p:stCondLst>
+                                    <p:cond delay="0"/>
+                                  </p:stCondLst>
+                                  <p:childTnLst>
+                                    <p:set>
+                                      <p:cBhvr>
+                                        <p:cTn id="94" dur="1" fill="hold">
+                                          <p:stCondLst>
+                                            <p:cond delay="0"/>
+                                          </p:stCondLst>
+                                        </p:cTn>
+                                        <p:tgtEl>
+                                          <p:spTgt spid="1065"/>
+                                        </p:tgtEl>
+                                        <p:attrNameLst>
+                                          <p:attrName>style.visibility</p:attrName>
+                                        </p:attrNameLst>
+                                      </p:cBhvr>
+                                      <p:to>
+                                        <p:strVal val="visible"/>
+                                      </p:to>
+                                    </p:set>
+                                    <p:anim calcmode="lin" valueType="num">
+                                      <p:cBhvr additive="base">
+                                        <p:cTn id="95" dur="750" fill="hold"/>
+                                        <p:tgtEl>
+                                          <p:spTgt spid="1065"/>
+                                        </p:tgtEl>
+                                        <p:attrNameLst>
+                                          <p:attrName>ppt_x</p:attrName>
+                                        </p:attrNameLst>
+                                      </p:cBhvr>
+                                      <p:tavLst>
+                                        <p:tav tm="0">
+                                          <p:val>
+                                            <p:strVal val="1+#ppt_w/2"/>
+                                          </p:val>
+                                        </p:tav>
+                                        <p:tav tm="100000">
+                                          <p:val>
+                                            <p:strVal val="#ppt_x"/>
+                                          </p:val>
+                                        </p:tav>
+                                      </p:tavLst>
+                                    </p:anim>
+                                    <p:anim calcmode="lin" valueType="num">
+                                      <p:cBhvr additive="base">
+                                        <p:cTn id="96" dur="750" fill="hold"/>
+                                        <p:tgtEl>
+                                          <p:spTgt spid="1065"/>
+                                        </p:tgtEl>
+                                        <p:attrNameLst>
+                                          <p:attrName>ppt_y</p:attrName>
+                                        </p:attrNameLst>
+                                      </p:cBhvr>
+                                      <p:tavLst>
+                                        <p:tav tm="0">
+                                          <p:val>
+                                            <p:strVal val="#ppt_y"/>
+                                          </p:val>
+                                        </p:tav>
+                                        <p:tav tm="100000">
+                                          <p:val>
+                                            <p:strVal val="#ppt_y"/>
+                                          </p:val>
+                                        </p:tav>
+                                      </p:tavLst>
+                                    </p:anim>
+                                  </p:childTnLst>
+                                </p:cTn>
+                              </p:par>
+                              <p:par>
+                                <p:cTn id="97" presetID="2" presetClass="entr" presetSubtype="2" fill="hold" nodeType="withEffect">
+                                  <p:stCondLst>
+                                    <p:cond delay="0"/>
+                                  </p:stCondLst>
+                                  <p:childTnLst>
+                                    <p:set>
+                                      <p:cBhvr>
+                                        <p:cTn id="98" dur="1" fill="hold">
+                                          <p:stCondLst>
+                                            <p:cond delay="0"/>
+                                          </p:stCondLst>
+                                        </p:cTn>
+                                        <p:tgtEl>
+                                          <p:spTgt spid="1067"/>
+                                        </p:tgtEl>
+                                        <p:attrNameLst>
+                                          <p:attrName>style.visibility</p:attrName>
+                                        </p:attrNameLst>
+                                      </p:cBhvr>
+                                      <p:to>
+                                        <p:strVal val="visible"/>
+                                      </p:to>
+                                    </p:set>
+                                    <p:anim calcmode="lin" valueType="num">
+                                      <p:cBhvr additive="base">
+                                        <p:cTn id="99" dur="750" fill="hold"/>
+                                        <p:tgtEl>
+                                          <p:spTgt spid="1067"/>
+                                        </p:tgtEl>
+                                        <p:attrNameLst>
+                                          <p:attrName>ppt_x</p:attrName>
+                                        </p:attrNameLst>
+                                      </p:cBhvr>
+                                      <p:tavLst>
+                                        <p:tav tm="0">
+                                          <p:val>
+                                            <p:strVal val="1+#ppt_w/2"/>
+                                          </p:val>
+                                        </p:tav>
+                                        <p:tav tm="100000">
+                                          <p:val>
+                                            <p:strVal val="#ppt_x"/>
+                                          </p:val>
+                                        </p:tav>
+                                      </p:tavLst>
+                                    </p:anim>
+                                    <p:anim calcmode="lin" valueType="num">
+                                      <p:cBhvr additive="base">
+                                        <p:cTn id="100" dur="750" fill="hold"/>
+                                        <p:tgtEl>
+                                          <p:spTgt spid="1067"/>
+                                        </p:tgtEl>
+                                        <p:attrNameLst>
+                                          <p:attrName>ppt_y</p:attrName>
+                                        </p:attrNameLst>
+                                      </p:cBhvr>
+                                      <p:tavLst>
+                                        <p:tav tm="0">
+                                          <p:val>
+                                            <p:strVal val="#ppt_y"/>
+                                          </p:val>
+                                        </p:tav>
+                                        <p:tav tm="100000">
+                                          <p:val>
+                                            <p:strVal val="#ppt_y"/>
+                                          </p:val>
+                                        </p:tav>
+                                      </p:tavLst>
+                                    </p:anim>
+                                  </p:childTnLst>
+                                </p:cTn>
+                              </p:par>
+                              <p:par>
+                                <p:cTn id="101" presetID="2" presetClass="entr" presetSubtype="2" fill="hold" nodeType="withEffect">
+                                  <p:stCondLst>
+                                    <p:cond delay="0"/>
+                                  </p:stCondLst>
+                                  <p:childTnLst>
+                                    <p:set>
+                                      <p:cBhvr>
+                                        <p:cTn id="102" dur="1" fill="hold">
+                                          <p:stCondLst>
+                                            <p:cond delay="0"/>
+                                          </p:stCondLst>
+                                        </p:cTn>
+                                        <p:tgtEl>
+                                          <p:spTgt spid="1068"/>
+                                        </p:tgtEl>
+                                        <p:attrNameLst>
+                                          <p:attrName>style.visibility</p:attrName>
+                                        </p:attrNameLst>
+                                      </p:cBhvr>
+                                      <p:to>
+                                        <p:strVal val="visible"/>
+                                      </p:to>
+                                    </p:set>
+                                    <p:anim calcmode="lin" valueType="num">
+                                      <p:cBhvr additive="base">
+                                        <p:cTn id="103" dur="750" fill="hold"/>
+                                        <p:tgtEl>
+                                          <p:spTgt spid="1068"/>
+                                        </p:tgtEl>
+                                        <p:attrNameLst>
+                                          <p:attrName>ppt_x</p:attrName>
+                                        </p:attrNameLst>
+                                      </p:cBhvr>
+                                      <p:tavLst>
+                                        <p:tav tm="0">
+                                          <p:val>
+                                            <p:strVal val="1+#ppt_w/2"/>
+                                          </p:val>
+                                        </p:tav>
+                                        <p:tav tm="100000">
+                                          <p:val>
+                                            <p:strVal val="#ppt_x"/>
+                                          </p:val>
+                                        </p:tav>
+                                      </p:tavLst>
+                                    </p:anim>
+                                    <p:anim calcmode="lin" valueType="num">
+                                      <p:cBhvr additive="base">
+                                        <p:cTn id="104" dur="750" fill="hold"/>
+                                        <p:tgtEl>
+                                          <p:spTgt spid="1068"/>
+                                        </p:tgtEl>
+                                        <p:attrNameLst>
+                                          <p:attrName>ppt_y</p:attrName>
+                                        </p:attrNameLst>
+                                      </p:cBhvr>
+                                      <p:tavLst>
+                                        <p:tav tm="0">
+                                          <p:val>
+                                            <p:strVal val="#ppt_y"/>
+                                          </p:val>
+                                        </p:tav>
+                                        <p:tav tm="100000">
+                                          <p:val>
+                                            <p:strVal val="#ppt_y"/>
+                                          </p:val>
+                                        </p:tav>
+                                      </p:tavLst>
+                                    </p:anim>
+                                  </p:childTnLst>
+                                </p:cTn>
+                              </p:par>
+                              <p:par>
+                                <p:cTn id="105" presetID="2" presetClass="entr" presetSubtype="2" fill="hold" nodeType="withEffect">
+                                  <p:stCondLst>
+                                    <p:cond delay="0"/>
+                                  </p:stCondLst>
+                                  <p:childTnLst>
+                                    <p:set>
+                                      <p:cBhvr>
+                                        <p:cTn id="106" dur="1" fill="hold">
+                                          <p:stCondLst>
+                                            <p:cond delay="0"/>
+                                          </p:stCondLst>
+                                        </p:cTn>
+                                        <p:tgtEl>
+                                          <p:spTgt spid="1069"/>
+                                        </p:tgtEl>
+                                        <p:attrNameLst>
+                                          <p:attrName>style.visibility</p:attrName>
+                                        </p:attrNameLst>
+                                      </p:cBhvr>
+                                      <p:to>
+                                        <p:strVal val="visible"/>
+                                      </p:to>
+                                    </p:set>
+                                    <p:anim calcmode="lin" valueType="num">
+                                      <p:cBhvr additive="base">
+                                        <p:cTn id="107" dur="750" fill="hold"/>
+                                        <p:tgtEl>
+                                          <p:spTgt spid="1069"/>
+                                        </p:tgtEl>
+                                        <p:attrNameLst>
+                                          <p:attrName>ppt_x</p:attrName>
+                                        </p:attrNameLst>
+                                      </p:cBhvr>
+                                      <p:tavLst>
+                                        <p:tav tm="0">
+                                          <p:val>
+                                            <p:strVal val="1+#ppt_w/2"/>
+                                          </p:val>
+                                        </p:tav>
+                                        <p:tav tm="100000">
+                                          <p:val>
+                                            <p:strVal val="#ppt_x"/>
+                                          </p:val>
+                                        </p:tav>
+                                      </p:tavLst>
+                                    </p:anim>
+                                    <p:anim calcmode="lin" valueType="num">
+                                      <p:cBhvr additive="base">
+                                        <p:cTn id="108" dur="750" fill="hold"/>
+                                        <p:tgtEl>
+                                          <p:spTgt spid="1069"/>
+                                        </p:tgtEl>
+                                        <p:attrNameLst>
+                                          <p:attrName>ppt_y</p:attrName>
+                                        </p:attrNameLst>
+                                      </p:cBhvr>
+                                      <p:tavLst>
+                                        <p:tav tm="0">
+                                          <p:val>
+                                            <p:strVal val="#ppt_y"/>
+                                          </p:val>
+                                        </p:tav>
+                                        <p:tav tm="100000">
+                                          <p:val>
+                                            <p:strVal val="#ppt_y"/>
+                                          </p:val>
+                                        </p:tav>
+                                      </p:tavLst>
+                                    </p:anim>
+                                  </p:childTnLst>
+                                </p:cTn>
+                              </p:par>
+                              <p:par>
+                                <p:cTn id="109" presetID="2" presetClass="entr" presetSubtype="2" fill="hold" nodeType="withEffect">
+                                  <p:stCondLst>
+                                    <p:cond delay="0"/>
+                                  </p:stCondLst>
+                                  <p:childTnLst>
+                                    <p:set>
+                                      <p:cBhvr>
+                                        <p:cTn id="110" dur="1" fill="hold">
+                                          <p:stCondLst>
+                                            <p:cond delay="0"/>
+                                          </p:stCondLst>
+                                        </p:cTn>
+                                        <p:tgtEl>
+                                          <p:spTgt spid="24"/>
+                                        </p:tgtEl>
+                                        <p:attrNameLst>
+                                          <p:attrName>style.visibility</p:attrName>
+                                        </p:attrNameLst>
+                                      </p:cBhvr>
+                                      <p:to>
+                                        <p:strVal val="visible"/>
+                                      </p:to>
+                                    </p:set>
+                                    <p:anim calcmode="lin" valueType="num">
+                                      <p:cBhvr additive="base">
+                                        <p:cTn id="111" dur="750" fill="hold"/>
+                                        <p:tgtEl>
+                                          <p:spTgt spid="24"/>
+                                        </p:tgtEl>
+                                        <p:attrNameLst>
+                                          <p:attrName>ppt_x</p:attrName>
+                                        </p:attrNameLst>
+                                      </p:cBhvr>
+                                      <p:tavLst>
+                                        <p:tav tm="0">
+                                          <p:val>
+                                            <p:strVal val="1+#ppt_w/2"/>
+                                          </p:val>
+                                        </p:tav>
+                                        <p:tav tm="100000">
+                                          <p:val>
+                                            <p:strVal val="#ppt_x"/>
+                                          </p:val>
+                                        </p:tav>
+                                      </p:tavLst>
+                                    </p:anim>
+                                    <p:anim calcmode="lin" valueType="num">
+                                      <p:cBhvr additive="base">
+                                        <p:cTn id="112" dur="750" fill="hold"/>
+                                        <p:tgtEl>
+                                          <p:spTgt spid="24"/>
+                                        </p:tgtEl>
+                                        <p:attrNameLst>
+                                          <p:attrName>ppt_y</p:attrName>
+                                        </p:attrNameLst>
+                                      </p:cBhvr>
+                                      <p:tavLst>
+                                        <p:tav tm="0">
+                                          <p:val>
+                                            <p:strVal val="#ppt_y"/>
+                                          </p:val>
+                                        </p:tav>
+                                        <p:tav tm="100000">
+                                          <p:val>
+                                            <p:strVal val="#ppt_y"/>
+                                          </p:val>
+                                        </p:tav>
+                                      </p:tavLst>
+                                    </p:anim>
+                                  </p:childTnLst>
+                                </p:cTn>
+                              </p:par>
+                              <p:par>
+                                <p:cTn id="113" presetID="2" presetClass="entr" presetSubtype="2" fill="hold" nodeType="withEffect">
+                                  <p:stCondLst>
+                                    <p:cond delay="0"/>
+                                  </p:stCondLst>
+                                  <p:childTnLst>
+                                    <p:set>
+                                      <p:cBhvr>
+                                        <p:cTn id="114" dur="1" fill="hold">
+                                          <p:stCondLst>
+                                            <p:cond delay="0"/>
+                                          </p:stCondLst>
+                                        </p:cTn>
+                                        <p:tgtEl>
+                                          <p:spTgt spid="36"/>
+                                        </p:tgtEl>
+                                        <p:attrNameLst>
+                                          <p:attrName>style.visibility</p:attrName>
+                                        </p:attrNameLst>
+                                      </p:cBhvr>
+                                      <p:to>
+                                        <p:strVal val="visible"/>
+                                      </p:to>
+                                    </p:set>
+                                    <p:anim calcmode="lin" valueType="num">
+                                      <p:cBhvr additive="base">
+                                        <p:cTn id="115" dur="750" fill="hold"/>
+                                        <p:tgtEl>
+                                          <p:spTgt spid="36"/>
+                                        </p:tgtEl>
+                                        <p:attrNameLst>
+                                          <p:attrName>ppt_x</p:attrName>
+                                        </p:attrNameLst>
+                                      </p:cBhvr>
+                                      <p:tavLst>
+                                        <p:tav tm="0">
+                                          <p:val>
+                                            <p:strVal val="1+#ppt_w/2"/>
+                                          </p:val>
+                                        </p:tav>
+                                        <p:tav tm="100000">
+                                          <p:val>
+                                            <p:strVal val="#ppt_x"/>
+                                          </p:val>
+                                        </p:tav>
+                                      </p:tavLst>
+                                    </p:anim>
+                                    <p:anim calcmode="lin" valueType="num">
+                                      <p:cBhvr additive="base">
+                                        <p:cTn id="116" dur="750" fill="hold"/>
+                                        <p:tgtEl>
+                                          <p:spTgt spid="36"/>
+                                        </p:tgtEl>
+                                        <p:attrNameLst>
+                                          <p:attrName>ppt_y</p:attrName>
+                                        </p:attrNameLst>
+                                      </p:cBhvr>
+                                      <p:tavLst>
+                                        <p:tav tm="0">
+                                          <p:val>
+                                            <p:strVal val="#ppt_y"/>
+                                          </p:val>
+                                        </p:tav>
+                                        <p:tav tm="100000">
+                                          <p:val>
+                                            <p:strVal val="#ppt_y"/>
+                                          </p:val>
+                                        </p:tav>
+                                      </p:tavLst>
+                                    </p:anim>
+                                  </p:childTnLst>
+                                </p:cTn>
+                              </p:par>
+                              <p:par>
+                                <p:cTn id="117" presetID="2" presetClass="entr" presetSubtype="2" fill="hold" nodeType="withEffect">
+                                  <p:stCondLst>
+                                    <p:cond delay="0"/>
+                                  </p:stCondLst>
+                                  <p:childTnLst>
+                                    <p:set>
+                                      <p:cBhvr>
+                                        <p:cTn id="118" dur="1" fill="hold">
+                                          <p:stCondLst>
+                                            <p:cond delay="0"/>
+                                          </p:stCondLst>
+                                        </p:cTn>
+                                        <p:tgtEl>
+                                          <p:spTgt spid="2"/>
+                                        </p:tgtEl>
+                                        <p:attrNameLst>
+                                          <p:attrName>style.visibility</p:attrName>
+                                        </p:attrNameLst>
+                                      </p:cBhvr>
+                                      <p:to>
+                                        <p:strVal val="visible"/>
+                                      </p:to>
+                                    </p:set>
+                                    <p:anim calcmode="lin" valueType="num">
+                                      <p:cBhvr additive="base">
+                                        <p:cTn id="119" dur="750" fill="hold"/>
+                                        <p:tgtEl>
+                                          <p:spTgt spid="2"/>
+                                        </p:tgtEl>
+                                        <p:attrNameLst>
+                                          <p:attrName>ppt_x</p:attrName>
+                                        </p:attrNameLst>
+                                      </p:cBhvr>
+                                      <p:tavLst>
+                                        <p:tav tm="0">
+                                          <p:val>
+                                            <p:strVal val="1+#ppt_w/2"/>
+                                          </p:val>
+                                        </p:tav>
+                                        <p:tav tm="100000">
+                                          <p:val>
+                                            <p:strVal val="#ppt_x"/>
+                                          </p:val>
+                                        </p:tav>
+                                      </p:tavLst>
+                                    </p:anim>
+                                    <p:anim calcmode="lin" valueType="num">
+                                      <p:cBhvr additive="base">
+                                        <p:cTn id="120" dur="750" fill="hold"/>
+                                        <p:tgtEl>
+                                          <p:spTgt spid="2"/>
+                                        </p:tgtEl>
+                                        <p:attrNameLst>
+                                          <p:attrName>ppt_y</p:attrName>
+                                        </p:attrNameLst>
+                                      </p:cBhvr>
+                                      <p:tavLst>
+                                        <p:tav tm="0">
+                                          <p:val>
+                                            <p:strVal val="#ppt_y"/>
+                                          </p:val>
+                                        </p:tav>
+                                        <p:tav tm="100000">
+                                          <p:val>
+                                            <p:strVal val="#ppt_y"/>
+                                          </p:val>
+                                        </p:tav>
+                                      </p:tavLst>
+                                    </p:anim>
+                                  </p:childTnLst>
+                                </p:cTn>
+                              </p:par>
+                              <p:par>
+                                <p:cTn id="121" presetID="2" presetClass="entr" presetSubtype="2" fill="hold" nodeType="withEffect">
+                                  <p:stCondLst>
+                                    <p:cond delay="0"/>
+                                  </p:stCondLst>
+                                  <p:childTnLst>
+                                    <p:set>
+                                      <p:cBhvr>
+                                        <p:cTn id="122" dur="1" fill="hold">
+                                          <p:stCondLst>
+                                            <p:cond delay="0"/>
+                                          </p:stCondLst>
+                                        </p:cTn>
+                                        <p:tgtEl>
+                                          <p:spTgt spid="3"/>
+                                        </p:tgtEl>
+                                        <p:attrNameLst>
+                                          <p:attrName>style.visibility</p:attrName>
+                                        </p:attrNameLst>
+                                      </p:cBhvr>
+                                      <p:to>
+                                        <p:strVal val="visible"/>
+                                      </p:to>
+                                    </p:set>
+                                    <p:anim calcmode="lin" valueType="num">
+                                      <p:cBhvr additive="base">
+                                        <p:cTn id="123" dur="750" fill="hold"/>
+                                        <p:tgtEl>
+                                          <p:spTgt spid="3"/>
+                                        </p:tgtEl>
+                                        <p:attrNameLst>
+                                          <p:attrName>ppt_x</p:attrName>
+                                        </p:attrNameLst>
+                                      </p:cBhvr>
+                                      <p:tavLst>
+                                        <p:tav tm="0">
+                                          <p:val>
+                                            <p:strVal val="1+#ppt_w/2"/>
+                                          </p:val>
+                                        </p:tav>
+                                        <p:tav tm="100000">
+                                          <p:val>
+                                            <p:strVal val="#ppt_x"/>
+                                          </p:val>
+                                        </p:tav>
+                                      </p:tavLst>
+                                    </p:anim>
+                                    <p:anim calcmode="lin" valueType="num">
+                                      <p:cBhvr additive="base">
+                                        <p:cTn id="124" dur="750" fill="hold"/>
+                                        <p:tgtEl>
+                                          <p:spTgt spid="3"/>
+                                        </p:tgtEl>
+                                        <p:attrNameLst>
+                                          <p:attrName>ppt_y</p:attrName>
+                                        </p:attrNameLst>
+                                      </p:cBhvr>
+                                      <p:tavLst>
+                                        <p:tav tm="0">
+                                          <p:val>
+                                            <p:strVal val="#ppt_y"/>
+                                          </p:val>
+                                        </p:tav>
+                                        <p:tav tm="100000">
+                                          <p:val>
+                                            <p:strVal val="#ppt_y"/>
+                                          </p:val>
+                                        </p:tav>
+                                      </p:tavLst>
+                                    </p:anim>
+                                  </p:childTnLst>
+                                </p:cTn>
+                              </p:par>
+                              <p:par>
+                                <p:cTn id="125" presetID="2" presetClass="entr" presetSubtype="2" fill="hold" grpId="0" nodeType="withEffect">
+                                  <p:stCondLst>
+                                    <p:cond delay="0"/>
+                                  </p:stCondLst>
+                                  <p:childTnLst>
+                                    <p:set>
+                                      <p:cBhvr>
+                                        <p:cTn id="126" dur="1" fill="hold">
+                                          <p:stCondLst>
+                                            <p:cond delay="0"/>
+                                          </p:stCondLst>
+                                        </p:cTn>
+                                        <p:tgtEl>
+                                          <p:spTgt spid="10"/>
+                                        </p:tgtEl>
+                                        <p:attrNameLst>
+                                          <p:attrName>style.visibility</p:attrName>
+                                        </p:attrNameLst>
+                                      </p:cBhvr>
+                                      <p:to>
+                                        <p:strVal val="visible"/>
+                                      </p:to>
+                                    </p:set>
+                                    <p:anim calcmode="lin" valueType="num">
+                                      <p:cBhvr additive="base">
+                                        <p:cTn id="127" dur="750" fill="hold"/>
+                                        <p:tgtEl>
+                                          <p:spTgt spid="10"/>
+                                        </p:tgtEl>
+                                        <p:attrNameLst>
+                                          <p:attrName>ppt_x</p:attrName>
+                                        </p:attrNameLst>
+                                      </p:cBhvr>
+                                      <p:tavLst>
+                                        <p:tav tm="0">
+                                          <p:val>
+                                            <p:strVal val="1+#ppt_w/2"/>
+                                          </p:val>
+                                        </p:tav>
+                                        <p:tav tm="100000">
+                                          <p:val>
+                                            <p:strVal val="#ppt_x"/>
+                                          </p:val>
+                                        </p:tav>
+                                      </p:tavLst>
+                                    </p:anim>
+                                    <p:anim calcmode="lin" valueType="num">
+                                      <p:cBhvr additive="base">
+                                        <p:cTn id="128" dur="750" fill="hold"/>
+                                        <p:tgtEl>
+                                          <p:spTgt spid="10"/>
+                                        </p:tgtEl>
+                                        <p:attrNameLst>
+                                          <p:attrName>ppt_y</p:attrName>
+                                        </p:attrNameLst>
+                                      </p:cBhvr>
+                                      <p:tavLst>
+                                        <p:tav tm="0">
+                                          <p:val>
+                                            <p:strVal val="#ppt_y"/>
+                                          </p:val>
+                                        </p:tav>
+                                        <p:tav tm="100000">
+                                          <p:val>
+                                            <p:strVal val="#ppt_y"/>
+                                          </p:val>
+                                        </p:tav>
+                                      </p:tavLst>
+                                    </p:anim>
+                                  </p:childTnLst>
+                                </p:cTn>
+                              </p:par>
+                              <p:par>
+                                <p:cTn id="129" presetID="2" presetClass="entr" presetSubtype="2" fill="hold" nodeType="withEffect">
+                                  <p:stCondLst>
+                                    <p:cond delay="0"/>
+                                  </p:stCondLst>
+                                  <p:childTnLst>
+                                    <p:set>
+                                      <p:cBhvr>
+                                        <p:cTn id="130" dur="1" fill="hold">
+                                          <p:stCondLst>
+                                            <p:cond delay="0"/>
+                                          </p:stCondLst>
+                                        </p:cTn>
+                                        <p:tgtEl>
+                                          <p:spTgt spid="47"/>
+                                        </p:tgtEl>
+                                        <p:attrNameLst>
+                                          <p:attrName>style.visibility</p:attrName>
+                                        </p:attrNameLst>
+                                      </p:cBhvr>
+                                      <p:to>
+                                        <p:strVal val="visible"/>
+                                      </p:to>
+                                    </p:set>
+                                    <p:anim calcmode="lin" valueType="num">
+                                      <p:cBhvr additive="base">
+                                        <p:cTn id="131" dur="750" fill="hold"/>
+                                        <p:tgtEl>
+                                          <p:spTgt spid="47"/>
+                                        </p:tgtEl>
+                                        <p:attrNameLst>
+                                          <p:attrName>ppt_x</p:attrName>
+                                        </p:attrNameLst>
+                                      </p:cBhvr>
+                                      <p:tavLst>
+                                        <p:tav tm="0">
+                                          <p:val>
+                                            <p:strVal val="1+#ppt_w/2"/>
+                                          </p:val>
+                                        </p:tav>
+                                        <p:tav tm="100000">
+                                          <p:val>
+                                            <p:strVal val="#ppt_x"/>
+                                          </p:val>
+                                        </p:tav>
+                                      </p:tavLst>
+                                    </p:anim>
+                                    <p:anim calcmode="lin" valueType="num">
+                                      <p:cBhvr additive="base">
+                                        <p:cTn id="132" dur="750" fill="hold"/>
+                                        <p:tgtEl>
+                                          <p:spTgt spid="47"/>
+                                        </p:tgtEl>
+                                        <p:attrNameLst>
+                                          <p:attrName>ppt_y</p:attrName>
+                                        </p:attrNameLst>
+                                      </p:cBhvr>
+                                      <p:tavLst>
+                                        <p:tav tm="0">
+                                          <p:val>
+                                            <p:strVal val="#ppt_y"/>
+                                          </p:val>
+                                        </p:tav>
+                                        <p:tav tm="100000">
+                                          <p:val>
+                                            <p:strVal val="#ppt_y"/>
+                                          </p:val>
+                                        </p:tav>
+                                      </p:tavLst>
+                                    </p:anim>
+                                  </p:childTnLst>
+                                </p:cTn>
+                              </p:par>
+                              <p:par>
+                                <p:cTn id="133" presetID="2" presetClass="entr" presetSubtype="2" fill="hold" grpId="0" nodeType="withEffect">
+                                  <p:stCondLst>
+                                    <p:cond delay="0"/>
+                                  </p:stCondLst>
+                                  <p:childTnLst>
+                                    <p:set>
+                                      <p:cBhvr>
+                                        <p:cTn id="134" dur="1" fill="hold">
+                                          <p:stCondLst>
+                                            <p:cond delay="0"/>
+                                          </p:stCondLst>
+                                        </p:cTn>
+                                        <p:tgtEl>
+                                          <p:spTgt spid="54"/>
+                                        </p:tgtEl>
+                                        <p:attrNameLst>
+                                          <p:attrName>style.visibility</p:attrName>
+                                        </p:attrNameLst>
+                                      </p:cBhvr>
+                                      <p:to>
+                                        <p:strVal val="visible"/>
+                                      </p:to>
+                                    </p:set>
+                                    <p:anim calcmode="lin" valueType="num">
+                                      <p:cBhvr additive="base">
+                                        <p:cTn id="135" dur="750" fill="hold"/>
+                                        <p:tgtEl>
+                                          <p:spTgt spid="54"/>
+                                        </p:tgtEl>
+                                        <p:attrNameLst>
+                                          <p:attrName>ppt_x</p:attrName>
+                                        </p:attrNameLst>
+                                      </p:cBhvr>
+                                      <p:tavLst>
+                                        <p:tav tm="0">
+                                          <p:val>
+                                            <p:strVal val="1+#ppt_w/2"/>
+                                          </p:val>
+                                        </p:tav>
+                                        <p:tav tm="100000">
+                                          <p:val>
+                                            <p:strVal val="#ppt_x"/>
+                                          </p:val>
+                                        </p:tav>
+                                      </p:tavLst>
+                                    </p:anim>
+                                    <p:anim calcmode="lin" valueType="num">
+                                      <p:cBhvr additive="base">
+                                        <p:cTn id="136" dur="750" fill="hold"/>
+                                        <p:tgtEl>
+                                          <p:spTgt spid="54"/>
+                                        </p:tgtEl>
+                                        <p:attrNameLst>
+                                          <p:attrName>ppt_y</p:attrName>
+                                        </p:attrNameLst>
+                                      </p:cBhvr>
+                                      <p:tavLst>
+                                        <p:tav tm="0">
+                                          <p:val>
+                                            <p:strVal val="#ppt_y"/>
+                                          </p:val>
+                                        </p:tav>
+                                        <p:tav tm="100000">
+                                          <p:val>
+                                            <p:strVal val="#ppt_y"/>
+                                          </p:val>
+                                        </p:tav>
+                                      </p:tavLst>
+                                    </p:anim>
+                                  </p:childTnLst>
+                                </p:cTn>
+                              </p:par>
+                            </p:childTnLst>
+                          </p:cTn>
+                        </p:par>
+                      </p:childTnLst>
+                    </p:cTn>
+                  </p:par>
+                </p:childTnLst>
+              </p:cTn>
+              <p:prevCondLst>
+                <p:cond evt="onPrev" delay="0">
+                  <p:tgtEl>
+                    <p:sldTgt/>
+                  </p:tgtEl>
+                </p:cond>
+              </p:prevCondLst>
+              <p:nextCondLst>
+                <p:cond evt="onNext" delay="0">
+                  <p:tgtEl>
+                    <p:sldTgt/>
+                  </p:tgtEl>
+                </p:cond>
+              </p:nextCondLst>
+            </p:seq>
+          </p:childTnLst>
+        </p:cTn>
+      </p:par>
+    </p:tnLst>
+    <p:bldLst>
+      <p:bldP spid="1042" grpId="0" animBg="1"/>
+      <p:bldP spid="1043" grpId="0" animBg="1"/>
+      <p:bldP spid="1044" grpId="0" animBg="1"/>
+      <p:bldP spid="1045" grpId="0"/>
+      <p:bldP spid="1046" grpId="0"/>
+      <p:bldP spid="1047" grpId="0"/>
+      <p:bldP spid="1048" grpId="0"/>
+      <p:bldP spid="1060" grpId="0"/>
+      <p:bldP spid="1061" grpId="0"/>
+      <p:bldP spid="1062" grpId="0"/>
+      <p:bldP spid="35" grpId="0" animBg="1"/>
+      <p:bldP spid="10" grpId="0" animBg="1"/>
+      <p:bldP spid="54" grpId="0"/>
+    </p:bldLst>
+  </p:timing>
 </p:sld>
 </file>
 
@@ -39254,6 +45227,103 @@
   <p:clrMapOvr>
     <a:masterClrMapping/>
   </p:clrMapOvr>
+  <p:timing>
+    <p:tnLst>
+      <p:par>
+        <p:cTn id="1" dur="indefinite" restart="never" nodeType="tmRoot">
+          <p:childTnLst>
+            <p:seq concurrent="1" nextAc="seek">
+              <p:cTn id="2" dur="indefinite" nodeType="mainSeq">
+                <p:childTnLst>
+                  <p:par>
+                    <p:cTn id="3" fill="hold">
+                      <p:stCondLst>
+                        <p:cond delay="indefinite"/>
+                        <p:cond evt="onBegin" delay="0">
+                          <p:tn val="2"/>
+                        </p:cond>
+                      </p:stCondLst>
+                      <p:childTnLst>
+                        <p:par>
+                          <p:cTn id="4" fill="hold">
+                            <p:stCondLst>
+                              <p:cond delay="0"/>
+                            </p:stCondLst>
+                            <p:childTnLst>
+                              <p:par>
+                                <p:cTn id="5" presetID="10" presetClass="entr" presetSubtype="0" fill="hold" grpId="0" nodeType="withEffect">
+                                  <p:stCondLst>
+                                    <p:cond delay="0"/>
+                                  </p:stCondLst>
+                                  <p:childTnLst>
+                                    <p:set>
+                                      <p:cBhvr>
+                                        <p:cTn id="6" dur="1" fill="hold">
+                                          <p:stCondLst>
+                                            <p:cond delay="0"/>
+                                          </p:stCondLst>
+                                        </p:cTn>
+                                        <p:tgtEl>
+                                          <p:spTgt spid="731">
+                                            <p:txEl>
+                                              <p:pRg st="0" end="0"/>
+                                            </p:txEl>
+                                          </p:spTgt>
+                                        </p:tgtEl>
+                                        <p:attrNameLst>
+                                          <p:attrName>style.visibility</p:attrName>
+                                        </p:attrNameLst>
+                                      </p:cBhvr>
+                                      <p:to>
+                                        <p:strVal val="visible"/>
+                                      </p:to>
+                                    </p:set>
+                                    <p:animEffect transition="in" filter="fade">
+                                      <p:cBhvr>
+                                        <p:cTn id="7" dur="750"/>
+                                        <p:tgtEl>
+                                          <p:spTgt spid="731">
+                                            <p:txEl>
+                                              <p:pRg st="0" end="0"/>
+                                            </p:txEl>
+                                          </p:spTgt>
+                                        </p:tgtEl>
+                                      </p:cBhvr>
+                                    </p:animEffect>
+                                  </p:childTnLst>
+                                </p:cTn>
+                              </p:par>
+                            </p:childTnLst>
+                          </p:cTn>
+                        </p:par>
+                      </p:childTnLst>
+                    </p:cTn>
+                  </p:par>
+                </p:childTnLst>
+              </p:cTn>
+              <p:prevCondLst>
+                <p:cond evt="onPrev" delay="0">
+                  <p:tgtEl>
+                    <p:sldTgt/>
+                  </p:tgtEl>
+                </p:cond>
+              </p:prevCondLst>
+              <p:nextCondLst>
+                <p:cond evt="onNext" delay="0">
+                  <p:tgtEl>
+                    <p:sldTgt/>
+                  </p:tgtEl>
+                </p:cond>
+              </p:nextCondLst>
+            </p:seq>
+          </p:childTnLst>
+        </p:cTn>
+      </p:par>
+    </p:tnLst>
+    <p:bldLst>
+      <p:bldP spid="731" grpId="0" build="p"/>
+    </p:bldLst>
+  </p:timing>
 </p:sld>
 </file>
 
@@ -39825,6 +45895,501 @@
         </p:txBody>
       </p:sp>
     </p:spTree>
+  </p:cSld>
+  <p:clrMapOvr>
+    <a:masterClrMapping/>
+  </p:clrMapOvr>
+  <p:timing>
+    <p:tnLst>
+      <p:par>
+        <p:cTn id="1" dur="indefinite" restart="never" nodeType="tmRoot">
+          <p:childTnLst>
+            <p:seq concurrent="1" nextAc="seek">
+              <p:cTn id="2" dur="indefinite" nodeType="mainSeq">
+                <p:childTnLst>
+                  <p:par>
+                    <p:cTn id="3" fill="hold">
+                      <p:stCondLst>
+                        <p:cond delay="indefinite"/>
+                        <p:cond evt="onBegin" delay="0">
+                          <p:tn val="2"/>
+                        </p:cond>
+                      </p:stCondLst>
+                      <p:childTnLst>
+                        <p:par>
+                          <p:cTn id="4" fill="hold">
+                            <p:stCondLst>
+                              <p:cond delay="0"/>
+                            </p:stCondLst>
+                            <p:childTnLst>
+                              <p:par>
+                                <p:cTn id="5" presetID="22" presetClass="entr" presetSubtype="4" fill="hold" grpId="0" nodeType="withEffect">
+                                  <p:stCondLst>
+                                    <p:cond delay="0"/>
+                                  </p:stCondLst>
+                                  <p:childTnLst>
+                                    <p:set>
+                                      <p:cBhvr>
+                                        <p:cTn id="6" dur="1" fill="hold">
+                                          <p:stCondLst>
+                                            <p:cond delay="0"/>
+                                          </p:stCondLst>
+                                        </p:cTn>
+                                        <p:tgtEl>
+                                          <p:spTgt spid="22"/>
+                                        </p:tgtEl>
+                                        <p:attrNameLst>
+                                          <p:attrName>style.visibility</p:attrName>
+                                        </p:attrNameLst>
+                                      </p:cBhvr>
+                                      <p:to>
+                                        <p:strVal val="visible"/>
+                                      </p:to>
+                                    </p:set>
+                                    <p:animEffect transition="in" filter="wipe(down)">
+                                      <p:cBhvr>
+                                        <p:cTn id="7" dur="500"/>
+                                        <p:tgtEl>
+                                          <p:spTgt spid="22"/>
+                                        </p:tgtEl>
+                                      </p:cBhvr>
+                                    </p:animEffect>
+                                  </p:childTnLst>
+                                </p:cTn>
+                              </p:par>
+                              <p:par>
+                                <p:cTn id="8" presetID="22" presetClass="entr" presetSubtype="4" fill="hold" nodeType="withEffect">
+                                  <p:stCondLst>
+                                    <p:cond delay="0"/>
+                                  </p:stCondLst>
+                                  <p:childTnLst>
+                                    <p:set>
+                                      <p:cBhvr>
+                                        <p:cTn id="9" dur="1" fill="hold">
+                                          <p:stCondLst>
+                                            <p:cond delay="0"/>
+                                          </p:stCondLst>
+                                        </p:cTn>
+                                        <p:tgtEl>
+                                          <p:spTgt spid="52"/>
+                                        </p:tgtEl>
+                                        <p:attrNameLst>
+                                          <p:attrName>style.visibility</p:attrName>
+                                        </p:attrNameLst>
+                                      </p:cBhvr>
+                                      <p:to>
+                                        <p:strVal val="visible"/>
+                                      </p:to>
+                                    </p:set>
+                                    <p:animEffect transition="in" filter="wipe(down)">
+                                      <p:cBhvr>
+                                        <p:cTn id="10" dur="500"/>
+                                        <p:tgtEl>
+                                          <p:spTgt spid="52"/>
+                                        </p:tgtEl>
+                                      </p:cBhvr>
+                                    </p:animEffect>
+                                  </p:childTnLst>
+                                </p:cTn>
+                              </p:par>
+                              <p:par>
+                                <p:cTn id="11" presetID="22" presetClass="entr" presetSubtype="4" fill="hold" grpId="0" nodeType="withEffect">
+                                  <p:stCondLst>
+                                    <p:cond delay="0"/>
+                                  </p:stCondLst>
+                                  <p:childTnLst>
+                                    <p:set>
+                                      <p:cBhvr>
+                                        <p:cTn id="12" dur="1" fill="hold">
+                                          <p:stCondLst>
+                                            <p:cond delay="0"/>
+                                          </p:stCondLst>
+                                        </p:cTn>
+                                        <p:tgtEl>
+                                          <p:spTgt spid="62"/>
+                                        </p:tgtEl>
+                                        <p:attrNameLst>
+                                          <p:attrName>style.visibility</p:attrName>
+                                        </p:attrNameLst>
+                                      </p:cBhvr>
+                                      <p:to>
+                                        <p:strVal val="visible"/>
+                                      </p:to>
+                                    </p:set>
+                                    <p:animEffect transition="in" filter="wipe(down)">
+                                      <p:cBhvr>
+                                        <p:cTn id="13" dur="500"/>
+                                        <p:tgtEl>
+                                          <p:spTgt spid="62"/>
+                                        </p:tgtEl>
+                                      </p:cBhvr>
+                                    </p:animEffect>
+                                  </p:childTnLst>
+                                </p:cTn>
+                              </p:par>
+                              <p:par>
+                                <p:cTn id="14" presetID="22" presetClass="entr" presetSubtype="4" fill="hold" grpId="0" nodeType="withEffect">
+                                  <p:stCondLst>
+                                    <p:cond delay="0"/>
+                                  </p:stCondLst>
+                                  <p:childTnLst>
+                                    <p:set>
+                                      <p:cBhvr>
+                                        <p:cTn id="15" dur="1" fill="hold">
+                                          <p:stCondLst>
+                                            <p:cond delay="0"/>
+                                          </p:stCondLst>
+                                        </p:cTn>
+                                        <p:tgtEl>
+                                          <p:spTgt spid="768"/>
+                                        </p:tgtEl>
+                                        <p:attrNameLst>
+                                          <p:attrName>style.visibility</p:attrName>
+                                        </p:attrNameLst>
+                                      </p:cBhvr>
+                                      <p:to>
+                                        <p:strVal val="visible"/>
+                                      </p:to>
+                                    </p:set>
+                                    <p:animEffect transition="in" filter="wipe(down)">
+                                      <p:cBhvr>
+                                        <p:cTn id="16" dur="500"/>
+                                        <p:tgtEl>
+                                          <p:spTgt spid="768"/>
+                                        </p:tgtEl>
+                                      </p:cBhvr>
+                                    </p:animEffect>
+                                  </p:childTnLst>
+                                </p:cTn>
+                              </p:par>
+                            </p:childTnLst>
+                          </p:cTn>
+                        </p:par>
+                      </p:childTnLst>
+                    </p:cTn>
+                  </p:par>
+                </p:childTnLst>
+              </p:cTn>
+              <p:prevCondLst>
+                <p:cond evt="onPrev" delay="0">
+                  <p:tgtEl>
+                    <p:sldTgt/>
+                  </p:tgtEl>
+                </p:cond>
+              </p:prevCondLst>
+              <p:nextCondLst>
+                <p:cond evt="onNext" delay="0">
+                  <p:tgtEl>
+                    <p:sldTgt/>
+                  </p:tgtEl>
+                </p:cond>
+              </p:nextCondLst>
+            </p:seq>
+          </p:childTnLst>
+        </p:cTn>
+      </p:par>
+    </p:tnLst>
+    <p:bldLst>
+      <p:bldP spid="22" grpId="0"/>
+      <p:bldP spid="62" grpId="0"/>
+      <p:bldP spid="768" grpId="0"/>
+    </p:bldLst>
+  </p:timing>
+</p:sld>
+</file>
+
+<file path=ppt/slides/slide9.xml><?xml version="1.0" encoding="utf-8"?>
+<p:sld xmlns:a="http://schemas.openxmlformats.org/drawingml/2006/main" xmlns:r="http://schemas.openxmlformats.org/officeDocument/2006/relationships" xmlns:p="http://schemas.openxmlformats.org/presentationml/2006/main">
+  <p:cSld>
+    <p:spTree>
+      <p:nvGrpSpPr>
+        <p:cNvPr id="1" name=""/>
+        <p:cNvGrpSpPr/>
+        <p:nvPr/>
+      </p:nvGrpSpPr>
+      <p:grpSpPr>
+        <a:xfrm>
+          <a:off x="0" y="0"/>
+          <a:ext cx="0" cy="0"/>
+          <a:chOff x="0" y="0"/>
+          <a:chExt cx="0" cy="0"/>
+        </a:xfrm>
+      </p:grpSpPr>
+      <p:sp>
+        <p:nvSpPr>
+          <p:cNvPr id="3" name="Google Shape;730;p31">
+            <a:extLst>
+              <a:ext uri="{FF2B5EF4-FFF2-40B4-BE49-F238E27FC236}">
+                <a16:creationId xmlns:a16="http://schemas.microsoft.com/office/drawing/2014/main" id="{8FB65A0F-2109-8D77-DD78-DC3EAAD51C8B}"/>
+              </a:ext>
+            </a:extLst>
+          </p:cNvPr>
+          <p:cNvSpPr txBox="1">
+            <a:spLocks/>
+          </p:cNvSpPr>
+          <p:nvPr/>
+        </p:nvSpPr>
+        <p:spPr>
+          <a:xfrm>
+            <a:off x="1483401" y="1782501"/>
+            <a:ext cx="6040144" cy="1296365"/>
+          </a:xfrm>
+          <a:prstGeom prst="rect">
+            <a:avLst/>
+          </a:prstGeom>
+        </p:spPr>
+        <p:txBody>
+          <a:bodyPr spcFirstLastPara="1" wrap="square" lIns="91425" tIns="91425" rIns="91425" bIns="91425" anchor="b" anchorCtr="0">
+            <a:noAutofit/>
+          </a:bodyPr>
+          <a:lstStyle>
+            <a:defPPr marR="0" lvl="0" algn="l" rtl="0">
+              <a:lnSpc>
+                <a:spcPct val="100000"/>
+              </a:lnSpc>
+              <a:spcBef>
+                <a:spcPts val="0"/>
+              </a:spcBef>
+              <a:spcAft>
+                <a:spcPts val="0"/>
+              </a:spcAft>
+            </a:defPPr>
+            <a:lvl1pPr marR="0" lvl="0" algn="l" rtl="0">
+              <a:lnSpc>
+                <a:spcPct val="100000"/>
+              </a:lnSpc>
+              <a:spcBef>
+                <a:spcPts val="0"/>
+              </a:spcBef>
+              <a:spcAft>
+                <a:spcPts val="0"/>
+              </a:spcAft>
+              <a:buClr>
+                <a:srgbClr val="000000"/>
+              </a:buClr>
+              <a:buFont typeface="Arial"/>
+              <a:defRPr sz="1400" b="0" i="0" u="none" strike="noStrike" cap="none">
+                <a:solidFill>
+                  <a:srgbClr val="000000"/>
+                </a:solidFill>
+                <a:latin typeface="Arial"/>
+                <a:ea typeface="Arial"/>
+                <a:cs typeface="Arial"/>
+                <a:sym typeface="Arial"/>
+              </a:defRPr>
+            </a:lvl1pPr>
+            <a:lvl2pPr marR="0" lvl="1" algn="l" rtl="0">
+              <a:lnSpc>
+                <a:spcPct val="100000"/>
+              </a:lnSpc>
+              <a:spcBef>
+                <a:spcPts val="0"/>
+              </a:spcBef>
+              <a:spcAft>
+                <a:spcPts val="0"/>
+              </a:spcAft>
+              <a:buClr>
+                <a:srgbClr val="000000"/>
+              </a:buClr>
+              <a:buFont typeface="Arial"/>
+              <a:defRPr sz="1400" b="0" i="0" u="none" strike="noStrike" cap="none">
+                <a:solidFill>
+                  <a:srgbClr val="000000"/>
+                </a:solidFill>
+                <a:latin typeface="Arial"/>
+                <a:ea typeface="Arial"/>
+                <a:cs typeface="Arial"/>
+                <a:sym typeface="Arial"/>
+              </a:defRPr>
+            </a:lvl2pPr>
+            <a:lvl3pPr marR="0" lvl="2" algn="l" rtl="0">
+              <a:lnSpc>
+                <a:spcPct val="100000"/>
+              </a:lnSpc>
+              <a:spcBef>
+                <a:spcPts val="0"/>
+              </a:spcBef>
+              <a:spcAft>
+                <a:spcPts val="0"/>
+              </a:spcAft>
+              <a:buClr>
+                <a:srgbClr val="000000"/>
+              </a:buClr>
+              <a:buFont typeface="Arial"/>
+              <a:defRPr sz="1400" b="0" i="0" u="none" strike="noStrike" cap="none">
+                <a:solidFill>
+                  <a:srgbClr val="000000"/>
+                </a:solidFill>
+                <a:latin typeface="Arial"/>
+                <a:ea typeface="Arial"/>
+                <a:cs typeface="Arial"/>
+                <a:sym typeface="Arial"/>
+              </a:defRPr>
+            </a:lvl3pPr>
+            <a:lvl4pPr marR="0" lvl="3" algn="l" rtl="0">
+              <a:lnSpc>
+                <a:spcPct val="100000"/>
+              </a:lnSpc>
+              <a:spcBef>
+                <a:spcPts val="0"/>
+              </a:spcBef>
+              <a:spcAft>
+                <a:spcPts val="0"/>
+              </a:spcAft>
+              <a:buClr>
+                <a:srgbClr val="000000"/>
+              </a:buClr>
+              <a:buFont typeface="Arial"/>
+              <a:defRPr sz="1400" b="0" i="0" u="none" strike="noStrike" cap="none">
+                <a:solidFill>
+                  <a:srgbClr val="000000"/>
+                </a:solidFill>
+                <a:latin typeface="Arial"/>
+                <a:ea typeface="Arial"/>
+                <a:cs typeface="Arial"/>
+                <a:sym typeface="Arial"/>
+              </a:defRPr>
+            </a:lvl4pPr>
+            <a:lvl5pPr marR="0" lvl="4" algn="l" rtl="0">
+              <a:lnSpc>
+                <a:spcPct val="100000"/>
+              </a:lnSpc>
+              <a:spcBef>
+                <a:spcPts val="0"/>
+              </a:spcBef>
+              <a:spcAft>
+                <a:spcPts val="0"/>
+              </a:spcAft>
+              <a:buClr>
+                <a:srgbClr val="000000"/>
+              </a:buClr>
+              <a:buFont typeface="Arial"/>
+              <a:defRPr sz="1400" b="0" i="0" u="none" strike="noStrike" cap="none">
+                <a:solidFill>
+                  <a:srgbClr val="000000"/>
+                </a:solidFill>
+                <a:latin typeface="Arial"/>
+                <a:ea typeface="Arial"/>
+                <a:cs typeface="Arial"/>
+                <a:sym typeface="Arial"/>
+              </a:defRPr>
+            </a:lvl5pPr>
+            <a:lvl6pPr marR="0" lvl="5" algn="l" rtl="0">
+              <a:lnSpc>
+                <a:spcPct val="100000"/>
+              </a:lnSpc>
+              <a:spcBef>
+                <a:spcPts val="0"/>
+              </a:spcBef>
+              <a:spcAft>
+                <a:spcPts val="0"/>
+              </a:spcAft>
+              <a:buClr>
+                <a:srgbClr val="000000"/>
+              </a:buClr>
+              <a:buFont typeface="Arial"/>
+              <a:defRPr sz="1400" b="0" i="0" u="none" strike="noStrike" cap="none">
+                <a:solidFill>
+                  <a:srgbClr val="000000"/>
+                </a:solidFill>
+                <a:latin typeface="Arial"/>
+                <a:ea typeface="Arial"/>
+                <a:cs typeface="Arial"/>
+                <a:sym typeface="Arial"/>
+              </a:defRPr>
+            </a:lvl6pPr>
+            <a:lvl7pPr marR="0" lvl="6" algn="l" rtl="0">
+              <a:lnSpc>
+                <a:spcPct val="100000"/>
+              </a:lnSpc>
+              <a:spcBef>
+                <a:spcPts val="0"/>
+              </a:spcBef>
+              <a:spcAft>
+                <a:spcPts val="0"/>
+              </a:spcAft>
+              <a:buClr>
+                <a:srgbClr val="000000"/>
+              </a:buClr>
+              <a:buFont typeface="Arial"/>
+              <a:defRPr sz="1400" b="0" i="0" u="none" strike="noStrike" cap="none">
+                <a:solidFill>
+                  <a:srgbClr val="000000"/>
+                </a:solidFill>
+                <a:latin typeface="Arial"/>
+                <a:ea typeface="Arial"/>
+                <a:cs typeface="Arial"/>
+                <a:sym typeface="Arial"/>
+              </a:defRPr>
+            </a:lvl7pPr>
+            <a:lvl8pPr marR="0" lvl="7" algn="l" rtl="0">
+              <a:lnSpc>
+                <a:spcPct val="100000"/>
+              </a:lnSpc>
+              <a:spcBef>
+                <a:spcPts val="0"/>
+              </a:spcBef>
+              <a:spcAft>
+                <a:spcPts val="0"/>
+              </a:spcAft>
+              <a:buClr>
+                <a:srgbClr val="000000"/>
+              </a:buClr>
+              <a:buFont typeface="Arial"/>
+              <a:defRPr sz="1400" b="0" i="0" u="none" strike="noStrike" cap="none">
+                <a:solidFill>
+                  <a:srgbClr val="000000"/>
+                </a:solidFill>
+                <a:latin typeface="Arial"/>
+                <a:ea typeface="Arial"/>
+                <a:cs typeface="Arial"/>
+                <a:sym typeface="Arial"/>
+              </a:defRPr>
+            </a:lvl8pPr>
+            <a:lvl9pPr marR="0" lvl="8" algn="l" rtl="0">
+              <a:lnSpc>
+                <a:spcPct val="100000"/>
+              </a:lnSpc>
+              <a:spcBef>
+                <a:spcPts val="0"/>
+              </a:spcBef>
+              <a:spcAft>
+                <a:spcPts val="0"/>
+              </a:spcAft>
+              <a:buClr>
+                <a:srgbClr val="000000"/>
+              </a:buClr>
+              <a:buFont typeface="Arial"/>
+              <a:defRPr sz="1400" b="0" i="0" u="none" strike="noStrike" cap="none">
+                <a:solidFill>
+                  <a:srgbClr val="000000"/>
+                </a:solidFill>
+                <a:latin typeface="Arial"/>
+                <a:ea typeface="Arial"/>
+                <a:cs typeface="Arial"/>
+                <a:sym typeface="Arial"/>
+              </a:defRPr>
+            </a:lvl9pPr>
+          </a:lstStyle>
+          <a:p>
+            <a:r>
+              <a:rPr lang="en-US" sz="6600" dirty="0">
+                <a:solidFill>
+                  <a:schemeClr val="tx1"/>
+                </a:solidFill>
+                <a:latin typeface="Raleway Black" pitchFamily="2" charset="0"/>
+              </a:rPr>
+              <a:t>THANK YOU !!</a:t>
+            </a:r>
+          </a:p>
+        </p:txBody>
+      </p:sp>
+    </p:spTree>
+    <p:extLst>
+      <p:ext uri="{BB962C8B-B14F-4D97-AF65-F5344CB8AC3E}">
+        <p14:creationId xmlns:p14="http://schemas.microsoft.com/office/powerpoint/2010/main" val="2376678845"/>
+      </p:ext>
+    </p:extLst>
   </p:cSld>
   <p:clrMapOvr>
     <a:masterClrMapping/>
